--- a/ppt.pptx
+++ b/ppt.pptx
@@ -884,7 +884,7 @@
         <p:spPr>
           <a:xfrm>
             <a:off x="0" y="0"/>
-            <a:ext cx="9144000" cy="777240"/>
+            <a:ext cx="9144000" cy="685800"/>
           </a:xfrm>
           <a:prstGeom prst="rect">
             <a:avLst/>
@@ -903,8 +903,8 @@
         </p:nvSpPr>
         <p:spPr>
           <a:xfrm>
-            <a:off x="457200" y="201168"/>
-            <a:ext cx="8229600" cy="411480"/>
+            <a:off x="457200" y="164592"/>
+            <a:ext cx="8229600" cy="384048"/>
           </a:xfrm>
           <a:prstGeom prst="rect">
             <a:avLst/>
@@ -920,7 +920,7 @@
               <a:buNone/>
             </a:pPr>
             <a:r>
-              <a:rPr lang="en-US" sz="2600" b="1" dirty="0">
+              <a:rPr lang="en-US" sz="2400" b="1" dirty="0">
                 <a:solidFill>
                   <a:srgbClr val="FFFFFF"/>
                 </a:solidFill>
@@ -930,7 +930,7 @@
               </a:rPr>
               <a:t>CoE Automation and Tools Squad (CATS)</a:t>
             </a:r>
-            <a:endParaRPr lang="en-US" sz="2600" dirty="0"/>
+            <a:endParaRPr lang="en-US" sz="2400" dirty="0"/>
           </a:p>
         </p:txBody>
       </p:sp>
@@ -942,8 +942,266 @@
         </p:nvSpPr>
         <p:spPr>
           <a:xfrm>
-            <a:off x="320040" y="914400"/>
-            <a:ext cx="8503920" cy="777240"/>
+            <a:off x="320040" y="822960"/>
+            <a:ext cx="4206240" cy="777240"/>
+          </a:xfrm>
+          <a:prstGeom prst="rect">
+            <a:avLst/>
+          </a:prstGeom>
+          <a:solidFill>
+            <a:srgbClr val="16A34A"/>
+          </a:solidFill>
+          <a:ln/>
+          <a:effectLst>
+            <a:outerShdw sx="100000" sy="100000" kx="0" ky="0" algn="bl" rotWithShape="0" blurRad="50800" dist="25400" dir="8100000">
+              <a:srgbClr val="000000">
+                <a:alpha val="10000"/>
+              </a:srgbClr>
+            </a:outerShdw>
+          </a:effectLst>
+        </p:spPr>
+      </p:sp>
+      <p:pic>
+        <p:nvPicPr>
+          <p:cNvPr id="5" name="Image 0" descr="preencoded.png">    </p:cNvPr>
+          <p:cNvPicPr>
+            <a:picLocks noChangeAspect="1"/>
+          </p:cNvPicPr>
+          <p:nvPr/>
+        </p:nvPicPr>
+        <p:blipFill>
+          <a:blip r:embed="rId1"/>
+          <a:stretch>
+            <a:fillRect/>
+          </a:stretch>
+        </p:blipFill>
+        <p:spPr>
+          <a:xfrm>
+            <a:off x="548640" y="960120"/>
+            <a:ext cx="365760" cy="365760"/>
+          </a:xfrm>
+          <a:prstGeom prst="rect">
+            <a:avLst/>
+          </a:prstGeom>
+        </p:spPr>
+      </p:pic>
+      <p:sp>
+        <p:nvSpPr>
+          <p:cNvPr id="6" name="Text 3"/>
+          <p:cNvSpPr/>
+          <p:nvPr/>
+        </p:nvSpPr>
+        <p:spPr>
+          <a:xfrm>
+            <a:off x="1005840" y="868680"/>
+            <a:ext cx="1828800" cy="457200"/>
+          </a:xfrm>
+          <a:prstGeom prst="rect">
+            <a:avLst/>
+          </a:prstGeom>
+          <a:noFill/>
+          <a:ln/>
+        </p:spPr>
+        <p:txBody>
+          <a:bodyPr wrap="square" lIns="0" tIns="0" rIns="0" bIns="0" rtlCol="0" anchor="ctr"/>
+          <a:lstStyle/>
+          <a:p>
+            <a:pPr indent="0" marL="0">
+              <a:buNone/>
+            </a:pPr>
+            <a:r>
+              <a:rPr lang="en-US" sz="3600" b="1" dirty="0">
+                <a:solidFill>
+                  <a:srgbClr val="FFFFFF"/>
+                </a:solidFill>
+                <a:latin typeface="Trebuchet MS" pitchFamily="34" charset="0"/>
+                <a:ea typeface="Trebuchet MS" pitchFamily="34" charset="-122"/>
+                <a:cs typeface="Trebuchet MS" pitchFamily="34" charset="-120"/>
+              </a:rPr>
+              <a:t>3,518</a:t>
+            </a:r>
+            <a:endParaRPr lang="en-US" sz="3600" dirty="0"/>
+          </a:p>
+        </p:txBody>
+      </p:sp>
+      <p:sp>
+        <p:nvSpPr>
+          <p:cNvPr id="7" name="Text 4"/>
+          <p:cNvSpPr/>
+          <p:nvPr/>
+        </p:nvSpPr>
+        <p:spPr>
+          <a:xfrm>
+            <a:off x="2834640" y="960120"/>
+            <a:ext cx="1645920" cy="365760"/>
+          </a:xfrm>
+          <a:prstGeom prst="rect">
+            <a:avLst/>
+          </a:prstGeom>
+          <a:noFill/>
+          <a:ln/>
+        </p:spPr>
+        <p:txBody>
+          <a:bodyPr wrap="square" lIns="0" tIns="0" rIns="0" bIns="0" rtlCol="0" anchor="ctr"/>
+          <a:lstStyle/>
+          <a:p>
+            <a:pPr indent="0" marL="0">
+              <a:buNone/>
+            </a:pPr>
+            <a:r>
+              <a:rPr lang="en-US" sz="1100" b="1" dirty="0">
+                <a:solidFill>
+                  <a:srgbClr val="FFFFFF"/>
+                </a:solidFill>
+                <a:latin typeface="Calibri" pitchFamily="34" charset="0"/>
+                <a:ea typeface="Calibri" pitchFamily="34" charset="-122"/>
+                <a:cs typeface="Calibri" pitchFamily="34" charset="-120"/>
+              </a:rPr>
+              <a:t>Hours Saved Till Now</a:t>
+            </a:r>
+            <a:endParaRPr lang="en-US" sz="1100" dirty="0"/>
+          </a:p>
+        </p:txBody>
+      </p:sp>
+      <p:sp>
+        <p:nvSpPr>
+          <p:cNvPr id="8" name="Shape 5"/>
+          <p:cNvSpPr/>
+          <p:nvPr/>
+        </p:nvSpPr>
+        <p:spPr>
+          <a:xfrm>
+            <a:off x="4617720" y="822960"/>
+            <a:ext cx="4206240" cy="777240"/>
+          </a:xfrm>
+          <a:prstGeom prst="rect">
+            <a:avLst/>
+          </a:prstGeom>
+          <a:solidFill>
+            <a:srgbClr val="EA580C"/>
+          </a:solidFill>
+          <a:ln/>
+          <a:effectLst>
+            <a:outerShdw sx="100000" sy="100000" kx="0" ky="0" algn="bl" rotWithShape="0" blurRad="50800" dist="25400" dir="8100000">
+              <a:srgbClr val="000000">
+                <a:alpha val="10000"/>
+              </a:srgbClr>
+            </a:outerShdw>
+          </a:effectLst>
+        </p:spPr>
+      </p:sp>
+      <p:pic>
+        <p:nvPicPr>
+          <p:cNvPr id="9" name="Image 1" descr="preencoded.png">    </p:cNvPr>
+          <p:cNvPicPr>
+            <a:picLocks noChangeAspect="1"/>
+          </p:cNvPicPr>
+          <p:nvPr/>
+        </p:nvPicPr>
+        <p:blipFill>
+          <a:blip r:embed="rId2"/>
+          <a:stretch>
+            <a:fillRect/>
+          </a:stretch>
+        </p:blipFill>
+        <p:spPr>
+          <a:xfrm>
+            <a:off x="4846320" y="960120"/>
+            <a:ext cx="365760" cy="365760"/>
+          </a:xfrm>
+          <a:prstGeom prst="rect">
+            <a:avLst/>
+          </a:prstGeom>
+        </p:spPr>
+      </p:pic>
+      <p:sp>
+        <p:nvSpPr>
+          <p:cNvPr id="10" name="Text 6"/>
+          <p:cNvSpPr/>
+          <p:nvPr/>
+        </p:nvSpPr>
+        <p:spPr>
+          <a:xfrm>
+            <a:off x="5303520" y="868680"/>
+            <a:ext cx="1371600" cy="457200"/>
+          </a:xfrm>
+          <a:prstGeom prst="rect">
+            <a:avLst/>
+          </a:prstGeom>
+          <a:noFill/>
+          <a:ln/>
+        </p:spPr>
+        <p:txBody>
+          <a:bodyPr wrap="square" lIns="0" tIns="0" rIns="0" bIns="0" rtlCol="0" anchor="ctr"/>
+          <a:lstStyle/>
+          <a:p>
+            <a:pPr indent="0" marL="0">
+              <a:buNone/>
+            </a:pPr>
+            <a:r>
+              <a:rPr lang="en-US" sz="3600" b="1" dirty="0">
+                <a:solidFill>
+                  <a:srgbClr val="FFFFFF"/>
+                </a:solidFill>
+                <a:latin typeface="Trebuchet MS" pitchFamily="34" charset="0"/>
+                <a:ea typeface="Trebuchet MS" pitchFamily="34" charset="-122"/>
+                <a:cs typeface="Trebuchet MS" pitchFamily="34" charset="-120"/>
+              </a:rPr>
+              <a:t>10</a:t>
+            </a:r>
+            <a:endParaRPr lang="en-US" sz="3600" dirty="0"/>
+          </a:p>
+        </p:txBody>
+      </p:sp>
+      <p:sp>
+        <p:nvSpPr>
+          <p:cNvPr id="11" name="Text 7"/>
+          <p:cNvSpPr/>
+          <p:nvPr/>
+        </p:nvSpPr>
+        <p:spPr>
+          <a:xfrm>
+            <a:off x="6400800" y="960120"/>
+            <a:ext cx="2286000" cy="365760"/>
+          </a:xfrm>
+          <a:prstGeom prst="rect">
+            <a:avLst/>
+          </a:prstGeom>
+          <a:noFill/>
+          <a:ln/>
+        </p:spPr>
+        <p:txBody>
+          <a:bodyPr wrap="square" lIns="0" tIns="0" rIns="0" bIns="0" rtlCol="0" anchor="ctr"/>
+          <a:lstStyle/>
+          <a:p>
+            <a:pPr indent="0" marL="0">
+              <a:buNone/>
+            </a:pPr>
+            <a:r>
+              <a:rPr lang="en-US" sz="1200" b="1" dirty="0">
+                <a:solidFill>
+                  <a:srgbClr val="FFFFFF"/>
+                </a:solidFill>
+                <a:latin typeface="Calibri" pitchFamily="34" charset="0"/>
+                <a:ea typeface="Calibri" pitchFamily="34" charset="-122"/>
+                <a:cs typeface="Calibri" pitchFamily="34" charset="-120"/>
+              </a:rPr>
+              <a:t>Tools Delivered</a:t>
+            </a:r>
+            <a:endParaRPr lang="en-US" sz="1200" dirty="0"/>
+          </a:p>
+        </p:txBody>
+      </p:sp>
+      <p:sp>
+        <p:nvSpPr>
+          <p:cNvPr id="12" name="Shape 8"/>
+          <p:cNvSpPr/>
+          <p:nvPr/>
+        </p:nvSpPr>
+        <p:spPr>
+          <a:xfrm>
+            <a:off x="320040" y="1719072"/>
+            <a:ext cx="5074920" cy="658368"/>
           </a:xfrm>
           <a:prstGeom prst="rect">
             <a:avLst/>
@@ -963,14 +1221,14 @@
       </p:sp>
       <p:sp>
         <p:nvSpPr>
-          <p:cNvPr id="5" name="Shape 3"/>
-          <p:cNvSpPr/>
-          <p:nvPr/>
-        </p:nvSpPr>
-        <p:spPr>
-          <a:xfrm>
-            <a:off x="320040" y="914400"/>
-            <a:ext cx="45720" cy="777240"/>
+          <p:cNvPr id="13" name="Shape 9"/>
+          <p:cNvSpPr/>
+          <p:nvPr/>
+        </p:nvSpPr>
+        <p:spPr>
+          <a:xfrm>
+            <a:off x="320040" y="1719072"/>
+            <a:ext cx="45720" cy="658368"/>
           </a:xfrm>
           <a:prstGeom prst="rect">
             <a:avLst/>
@@ -981,16 +1239,40 @@
           <a:ln/>
         </p:spPr>
       </p:sp>
-      <p:sp>
-        <p:nvSpPr>
-          <p:cNvPr id="6" name="Text 4"/>
-          <p:cNvSpPr/>
-          <p:nvPr/>
-        </p:nvSpPr>
-        <p:spPr>
-          <a:xfrm>
-            <a:off x="502920" y="960120"/>
-            <a:ext cx="1828800" cy="228600"/>
+      <p:pic>
+        <p:nvPicPr>
+          <p:cNvPr id="14" name="Image 2" descr="preencoded.png">    </p:cNvPr>
+          <p:cNvPicPr>
+            <a:picLocks noChangeAspect="1"/>
+          </p:cNvPicPr>
+          <p:nvPr/>
+        </p:nvPicPr>
+        <p:blipFill>
+          <a:blip r:embed="rId3"/>
+          <a:stretch>
+            <a:fillRect/>
+          </a:stretch>
+        </p:blipFill>
+        <p:spPr>
+          <a:xfrm>
+            <a:off x="457200" y="1755648"/>
+            <a:ext cx="182880" cy="182880"/>
+          </a:xfrm>
+          <a:prstGeom prst="rect">
+            <a:avLst/>
+          </a:prstGeom>
+        </p:spPr>
+      </p:pic>
+      <p:sp>
+        <p:nvSpPr>
+          <p:cNvPr id="15" name="Text 10"/>
+          <p:cNvSpPr/>
+          <p:nvPr/>
+        </p:nvSpPr>
+        <p:spPr>
+          <a:xfrm>
+            <a:off x="685800" y="1755648"/>
+            <a:ext cx="1828800" cy="201168"/>
           </a:xfrm>
           <a:prstGeom prst="rect">
             <a:avLst/>
@@ -1006,7 +1288,7 @@
               <a:buNone/>
             </a:pPr>
             <a:r>
-              <a:rPr lang="en-US" sz="1100" b="1" dirty="0">
+              <a:rPr lang="en-US" sz="1000" b="1" dirty="0">
                 <a:solidFill>
                   <a:srgbClr val="0D9488"/>
                 </a:solidFill>
@@ -1016,20 +1298,20 @@
               </a:rPr>
               <a:t>CATS Objective</a:t>
             </a:r>
-            <a:endParaRPr lang="en-US" sz="1100" dirty="0"/>
-          </a:p>
-        </p:txBody>
-      </p:sp>
-      <p:sp>
-        <p:nvSpPr>
-          <p:cNvPr id="7" name="Shape 5"/>
-          <p:cNvSpPr/>
-          <p:nvPr/>
-        </p:nvSpPr>
-        <p:spPr>
-          <a:xfrm>
-            <a:off x="502920" y="1243584"/>
-            <a:ext cx="64008" cy="64008"/>
+            <a:endParaRPr lang="en-US" sz="1000" dirty="0"/>
+          </a:p>
+        </p:txBody>
+      </p:sp>
+      <p:sp>
+        <p:nvSpPr>
+          <p:cNvPr id="16" name="Shape 11"/>
+          <p:cNvSpPr/>
+          <p:nvPr/>
+        </p:nvSpPr>
+        <p:spPr>
+          <a:xfrm>
+            <a:off x="502920" y="1993392"/>
+            <a:ext cx="54864" cy="54864"/>
           </a:xfrm>
           <a:prstGeom prst="ellipse">
             <a:avLst/>
@@ -1042,14 +1324,14 @@
       </p:sp>
       <p:sp>
         <p:nvSpPr>
-          <p:cNvPr id="8" name="Text 6"/>
-          <p:cNvSpPr/>
-          <p:nvPr/>
-        </p:nvSpPr>
-        <p:spPr>
-          <a:xfrm>
-            <a:off x="640080" y="1207008"/>
-            <a:ext cx="8046720" cy="164592"/>
+          <p:cNvPr id="17" name="Text 12"/>
+          <p:cNvSpPr/>
+          <p:nvPr/>
+        </p:nvSpPr>
+        <p:spPr>
+          <a:xfrm>
+            <a:off x="621792" y="1965960"/>
+            <a:ext cx="4663440" cy="137160"/>
           </a:xfrm>
           <a:prstGeom prst="rect">
             <a:avLst/>
@@ -1065,7 +1347,7 @@
               <a:buNone/>
             </a:pPr>
             <a:r>
-              <a:rPr lang="en-US" sz="850" dirty="0">
+              <a:rPr lang="en-US" sz="750" dirty="0">
                 <a:solidFill>
                   <a:srgbClr val="475569"/>
                 </a:solidFill>
@@ -1075,20 +1357,20 @@
               </a:rPr>
               <a:t>Develop new utilities and tools to enhance automation capabilities</a:t>
             </a:r>
-            <a:endParaRPr lang="en-US" sz="850" dirty="0"/>
-          </a:p>
-        </p:txBody>
-      </p:sp>
-      <p:sp>
-        <p:nvSpPr>
-          <p:cNvPr id="9" name="Shape 7"/>
-          <p:cNvSpPr/>
-          <p:nvPr/>
-        </p:nvSpPr>
-        <p:spPr>
-          <a:xfrm>
-            <a:off x="502920" y="1417320"/>
-            <a:ext cx="64008" cy="64008"/>
+            <a:endParaRPr lang="en-US" sz="750" dirty="0"/>
+          </a:p>
+        </p:txBody>
+      </p:sp>
+      <p:sp>
+        <p:nvSpPr>
+          <p:cNvPr id="18" name="Shape 13"/>
+          <p:cNvSpPr/>
+          <p:nvPr/>
+        </p:nvSpPr>
+        <p:spPr>
+          <a:xfrm>
+            <a:off x="502920" y="2139696"/>
+            <a:ext cx="54864" cy="54864"/>
           </a:xfrm>
           <a:prstGeom prst="ellipse">
             <a:avLst/>
@@ -1101,14 +1383,14 @@
       </p:sp>
       <p:sp>
         <p:nvSpPr>
-          <p:cNvPr id="10" name="Text 8"/>
-          <p:cNvSpPr/>
-          <p:nvPr/>
-        </p:nvSpPr>
-        <p:spPr>
-          <a:xfrm>
-            <a:off x="640080" y="1380744"/>
-            <a:ext cx="8046720" cy="164592"/>
+          <p:cNvPr id="19" name="Text 14"/>
+          <p:cNvSpPr/>
+          <p:nvPr/>
+        </p:nvSpPr>
+        <p:spPr>
+          <a:xfrm>
+            <a:off x="621792" y="2112264"/>
+            <a:ext cx="4663440" cy="137160"/>
           </a:xfrm>
           <a:prstGeom prst="rect">
             <a:avLst/>
@@ -1124,7 +1406,7 @@
               <a:buNone/>
             </a:pPr>
             <a:r>
-              <a:rPr lang="en-US" sz="850" dirty="0">
+              <a:rPr lang="en-US" sz="750" dirty="0">
                 <a:solidFill>
                   <a:srgbClr val="475569"/>
                 </a:solidFill>
@@ -1134,20 +1416,20 @@
               </a:rPr>
               <a:t>Drive standardization across our automation frameworks</a:t>
             </a:r>
-            <a:endParaRPr lang="en-US" sz="850" dirty="0"/>
-          </a:p>
-        </p:txBody>
-      </p:sp>
-      <p:sp>
-        <p:nvSpPr>
-          <p:cNvPr id="11" name="Shape 9"/>
-          <p:cNvSpPr/>
-          <p:nvPr/>
-        </p:nvSpPr>
-        <p:spPr>
-          <a:xfrm>
-            <a:off x="502920" y="1591056"/>
-            <a:ext cx="64008" cy="64008"/>
+            <a:endParaRPr lang="en-US" sz="750" dirty="0"/>
+          </a:p>
+        </p:txBody>
+      </p:sp>
+      <p:sp>
+        <p:nvSpPr>
+          <p:cNvPr id="20" name="Shape 15"/>
+          <p:cNvSpPr/>
+          <p:nvPr/>
+        </p:nvSpPr>
+        <p:spPr>
+          <a:xfrm>
+            <a:off x="502920" y="2286000"/>
+            <a:ext cx="54864" cy="54864"/>
           </a:xfrm>
           <a:prstGeom prst="ellipse">
             <a:avLst/>
@@ -1160,14 +1442,14 @@
       </p:sp>
       <p:sp>
         <p:nvSpPr>
-          <p:cNvPr id="12" name="Text 10"/>
-          <p:cNvSpPr/>
-          <p:nvPr/>
-        </p:nvSpPr>
-        <p:spPr>
-          <a:xfrm>
-            <a:off x="640080" y="1554480"/>
-            <a:ext cx="8046720" cy="164592"/>
+          <p:cNvPr id="21" name="Text 16"/>
+          <p:cNvSpPr/>
+          <p:nvPr/>
+        </p:nvSpPr>
+        <p:spPr>
+          <a:xfrm>
+            <a:off x="621792" y="2258568"/>
+            <a:ext cx="4663440" cy="137160"/>
           </a:xfrm>
           <a:prstGeom prst="rect">
             <a:avLst/>
@@ -1183,7 +1465,7 @@
               <a:buNone/>
             </a:pPr>
             <a:r>
-              <a:rPr lang="en-US" sz="850" dirty="0">
+              <a:rPr lang="en-US" sz="750" dirty="0">
                 <a:solidFill>
                   <a:srgbClr val="475569"/>
                 </a:solidFill>
@@ -1193,20 +1475,20 @@
               </a:rPr>
               <a:t>Assist other teams with troubleshooting and adopting new tools/tech stack</a:t>
             </a:r>
-            <a:endParaRPr lang="en-US" sz="850" dirty="0"/>
-          </a:p>
-        </p:txBody>
-      </p:sp>
-      <p:sp>
-        <p:nvSpPr>
-          <p:cNvPr id="13" name="Shape 11"/>
-          <p:cNvSpPr/>
-          <p:nvPr/>
-        </p:nvSpPr>
-        <p:spPr>
-          <a:xfrm>
-            <a:off x="320040" y="1828800"/>
-            <a:ext cx="4937760" cy="1920240"/>
+            <a:endParaRPr lang="en-US" sz="750" dirty="0"/>
+          </a:p>
+        </p:txBody>
+      </p:sp>
+      <p:sp>
+        <p:nvSpPr>
+          <p:cNvPr id="22" name="Shape 17"/>
+          <p:cNvSpPr/>
+          <p:nvPr/>
+        </p:nvSpPr>
+        <p:spPr>
+          <a:xfrm>
+            <a:off x="320040" y="2468880"/>
+            <a:ext cx="5074920" cy="1600200"/>
           </a:xfrm>
           <a:prstGeom prst="rect">
             <a:avLst/>
@@ -1226,14 +1508,14 @@
       </p:sp>
       <p:sp>
         <p:nvSpPr>
-          <p:cNvPr id="14" name="Shape 12"/>
-          <p:cNvSpPr/>
-          <p:nvPr/>
-        </p:nvSpPr>
-        <p:spPr>
-          <a:xfrm>
-            <a:off x="320040" y="1828800"/>
-            <a:ext cx="45720" cy="1920240"/>
+          <p:cNvPr id="23" name="Shape 18"/>
+          <p:cNvSpPr/>
+          <p:nvPr/>
+        </p:nvSpPr>
+        <p:spPr>
+          <a:xfrm>
+            <a:off x="320040" y="2468880"/>
+            <a:ext cx="45720" cy="1600200"/>
           </a:xfrm>
           <a:prstGeom prst="rect">
             <a:avLst/>
@@ -1244,16 +1526,40 @@
           <a:ln/>
         </p:spPr>
       </p:sp>
-      <p:sp>
-        <p:nvSpPr>
-          <p:cNvPr id="15" name="Text 13"/>
-          <p:cNvSpPr/>
-          <p:nvPr/>
-        </p:nvSpPr>
-        <p:spPr>
-          <a:xfrm>
-            <a:off x="502920" y="1874520"/>
-            <a:ext cx="2743200" cy="228600"/>
+      <p:pic>
+        <p:nvPicPr>
+          <p:cNvPr id="24" name="Image 3" descr="preencoded.png">    </p:cNvPr>
+          <p:cNvPicPr>
+            <a:picLocks noChangeAspect="1"/>
+          </p:cNvPicPr>
+          <p:nvPr/>
+        </p:nvPicPr>
+        <p:blipFill>
+          <a:blip r:embed="rId4"/>
+          <a:stretch>
+            <a:fillRect/>
+          </a:stretch>
+        </p:blipFill>
+        <p:spPr>
+          <a:xfrm>
+            <a:off x="457200" y="2505456"/>
+            <a:ext cx="182880" cy="182880"/>
+          </a:xfrm>
+          <a:prstGeom prst="rect">
+            <a:avLst/>
+          </a:prstGeom>
+        </p:spPr>
+      </p:pic>
+      <p:sp>
+        <p:nvSpPr>
+          <p:cNvPr id="25" name="Text 19"/>
+          <p:cNvSpPr/>
+          <p:nvPr/>
+        </p:nvSpPr>
+        <p:spPr>
+          <a:xfrm>
+            <a:off x="685800" y="2505456"/>
+            <a:ext cx="2743200" cy="201168"/>
           </a:xfrm>
           <a:prstGeom prst="rect">
             <a:avLst/>
@@ -1269,7 +1575,7 @@
               <a:buNone/>
             </a:pPr>
             <a:r>
-              <a:rPr lang="en-US" sz="1100" b="1" dirty="0">
+              <a:rPr lang="en-US" sz="1000" b="1" dirty="0">
                 <a:solidFill>
                   <a:srgbClr val="7C3AED"/>
                 </a:solidFill>
@@ -1279,20 +1585,20 @@
               </a:rPr>
               <a:t>Key Accomplishments</a:t>
             </a:r>
-            <a:endParaRPr lang="en-US" sz="1100" dirty="0"/>
-          </a:p>
-        </p:txBody>
-      </p:sp>
-      <p:sp>
-        <p:nvSpPr>
-          <p:cNvPr id="16" name="Shape 14"/>
-          <p:cNvSpPr/>
-          <p:nvPr/>
-        </p:nvSpPr>
-        <p:spPr>
-          <a:xfrm>
-            <a:off x="502920" y="2176272"/>
-            <a:ext cx="73152" cy="73152"/>
+            <a:endParaRPr lang="en-US" sz="1000" dirty="0"/>
+          </a:p>
+        </p:txBody>
+      </p:sp>
+      <p:sp>
+        <p:nvSpPr>
+          <p:cNvPr id="26" name="Shape 20"/>
+          <p:cNvSpPr/>
+          <p:nvPr/>
+        </p:nvSpPr>
+        <p:spPr>
+          <a:xfrm>
+            <a:off x="502920" y="2747772"/>
+            <a:ext cx="64008" cy="64008"/>
           </a:xfrm>
           <a:prstGeom prst="ellipse">
             <a:avLst/>
@@ -1305,14 +1611,14 @@
       </p:sp>
       <p:sp>
         <p:nvSpPr>
-          <p:cNvPr id="17" name="Text 15"/>
-          <p:cNvSpPr/>
-          <p:nvPr/>
-        </p:nvSpPr>
-        <p:spPr>
-          <a:xfrm>
-            <a:off x="640080" y="2148840"/>
-            <a:ext cx="4480560" cy="137160"/>
+          <p:cNvPr id="27" name="Text 21"/>
+          <p:cNvSpPr/>
+          <p:nvPr/>
+        </p:nvSpPr>
+        <p:spPr>
+          <a:xfrm>
+            <a:off x="621792" y="2724912"/>
+            <a:ext cx="4663440" cy="219456"/>
           </a:xfrm>
           <a:prstGeom prst="rect">
             <a:avLst/>
@@ -1328,7 +1634,7 @@
               <a:buNone/>
             </a:pPr>
             <a:r>
-              <a:rPr lang="en-US" sz="800" b="1" dirty="0">
+              <a:rPr lang="en-US" sz="700" b="1" dirty="0">
                 <a:solidFill>
                   <a:srgbClr val="1E293B"/>
                 </a:solidFill>
@@ -1338,31 +1644,6 @@
               </a:rPr>
               <a:t>Automated Code Review Using GitHub Copilot</a:t>
             </a:r>
-            <a:endParaRPr lang="en-US" sz="800" dirty="0"/>
-          </a:p>
-        </p:txBody>
-      </p:sp>
-      <p:sp>
-        <p:nvSpPr>
-          <p:cNvPr id="18" name="Text 16"/>
-          <p:cNvSpPr/>
-          <p:nvPr/>
-        </p:nvSpPr>
-        <p:spPr>
-          <a:xfrm>
-            <a:off x="640080" y="2276856"/>
-            <a:ext cx="4480560" cy="118872"/>
-          </a:xfrm>
-          <a:prstGeom prst="rect">
-            <a:avLst/>
-          </a:prstGeom>
-          <a:noFill/>
-          <a:ln/>
-        </p:spPr>
-        <p:txBody>
-          <a:bodyPr wrap="square" lIns="0" tIns="0" rIns="0" bIns="0" rtlCol="0" anchor="t"/>
-          <a:lstStyle/>
-          <a:p>
             <a:pPr indent="0" marL="0">
               <a:buNone/>
             </a:pPr>
@@ -1375,7 +1656,7 @@
                 <a:ea typeface="Calibri" pitchFamily="34" charset="-122"/>
                 <a:cs typeface="Calibri" pitchFamily="34" charset="-120"/>
               </a:rPr>
-              <a:t>AI-powered code analysis and standardization</a:t>
+              <a:t> – AI-powered code analysis</a:t>
             </a:r>
             <a:endParaRPr lang="en-US" sz="700" dirty="0"/>
           </a:p>
@@ -1383,14 +1664,14 @@
       </p:sp>
       <p:sp>
         <p:nvSpPr>
-          <p:cNvPr id="19" name="Shape 17"/>
-          <p:cNvSpPr/>
-          <p:nvPr/>
-        </p:nvSpPr>
-        <p:spPr>
-          <a:xfrm>
-            <a:off x="502920" y="2441448"/>
-            <a:ext cx="73152" cy="73152"/>
+          <p:cNvPr id="28" name="Shape 22"/>
+          <p:cNvSpPr/>
+          <p:nvPr/>
+        </p:nvSpPr>
+        <p:spPr>
+          <a:xfrm>
+            <a:off x="502920" y="2967228"/>
+            <a:ext cx="64008" cy="64008"/>
           </a:xfrm>
           <a:prstGeom prst="ellipse">
             <a:avLst/>
@@ -1403,14 +1684,14 @@
       </p:sp>
       <p:sp>
         <p:nvSpPr>
-          <p:cNvPr id="20" name="Text 18"/>
-          <p:cNvSpPr/>
-          <p:nvPr/>
-        </p:nvSpPr>
-        <p:spPr>
-          <a:xfrm>
-            <a:off x="640080" y="2414016"/>
-            <a:ext cx="4480560" cy="137160"/>
+          <p:cNvPr id="29" name="Text 23"/>
+          <p:cNvSpPr/>
+          <p:nvPr/>
+        </p:nvSpPr>
+        <p:spPr>
+          <a:xfrm>
+            <a:off x="621792" y="2944368"/>
+            <a:ext cx="4663440" cy="219456"/>
           </a:xfrm>
           <a:prstGeom prst="rect">
             <a:avLst/>
@@ -1426,7 +1707,7 @@
               <a:buNone/>
             </a:pPr>
             <a:r>
-              <a:rPr lang="en-US" sz="800" b="1" dirty="0">
+              <a:rPr lang="en-US" sz="700" b="1" dirty="0">
                 <a:solidFill>
                   <a:srgbClr val="1E293B"/>
                 </a:solidFill>
@@ -1436,31 +1717,6 @@
               </a:rPr>
               <a:t>Easy Test Tool</a:t>
             </a:r>
-            <a:endParaRPr lang="en-US" sz="800" dirty="0"/>
-          </a:p>
-        </p:txBody>
-      </p:sp>
-      <p:sp>
-        <p:nvSpPr>
-          <p:cNvPr id="21" name="Text 19"/>
-          <p:cNvSpPr/>
-          <p:nvPr/>
-        </p:nvSpPr>
-        <p:spPr>
-          <a:xfrm>
-            <a:off x="640080" y="2542032"/>
-            <a:ext cx="4480560" cy="118872"/>
-          </a:xfrm>
-          <a:prstGeom prst="rect">
-            <a:avLst/>
-          </a:prstGeom>
-          <a:noFill/>
-          <a:ln/>
-        </p:spPr>
-        <p:txBody>
-          <a:bodyPr wrap="square" lIns="0" tIns="0" rIns="0" bIns="0" rtlCol="0" anchor="t"/>
-          <a:lstStyle/>
-          <a:p>
             <a:pPr indent="0" marL="0">
               <a:buNone/>
             </a:pPr>
@@ -1473,7 +1729,7 @@
                 <a:ea typeface="Calibri" pitchFamily="34" charset="-122"/>
                 <a:cs typeface="Calibri" pitchFamily="34" charset="-120"/>
               </a:rPr>
-              <a:t>Manual testing artifacts in Excel, Word, PDFs</a:t>
+              <a:t> – Manual testing artifacts in Excel, Word, PDFs</a:t>
             </a:r>
             <a:endParaRPr lang="en-US" sz="700" dirty="0"/>
           </a:p>
@@ -1481,14 +1737,14 @@
       </p:sp>
       <p:sp>
         <p:nvSpPr>
-          <p:cNvPr id="22" name="Shape 20"/>
-          <p:cNvSpPr/>
-          <p:nvPr/>
-        </p:nvSpPr>
-        <p:spPr>
-          <a:xfrm>
-            <a:off x="502920" y="2706624"/>
-            <a:ext cx="73152" cy="73152"/>
+          <p:cNvPr id="30" name="Shape 24"/>
+          <p:cNvSpPr/>
+          <p:nvPr/>
+        </p:nvSpPr>
+        <p:spPr>
+          <a:xfrm>
+            <a:off x="502920" y="3186684"/>
+            <a:ext cx="64008" cy="64008"/>
           </a:xfrm>
           <a:prstGeom prst="ellipse">
             <a:avLst/>
@@ -1501,14 +1757,14 @@
       </p:sp>
       <p:sp>
         <p:nvSpPr>
-          <p:cNvPr id="23" name="Text 21"/>
-          <p:cNvSpPr/>
-          <p:nvPr/>
-        </p:nvSpPr>
-        <p:spPr>
-          <a:xfrm>
-            <a:off x="640080" y="2679192"/>
-            <a:ext cx="4480560" cy="137160"/>
+          <p:cNvPr id="31" name="Text 25"/>
+          <p:cNvSpPr/>
+          <p:nvPr/>
+        </p:nvSpPr>
+        <p:spPr>
+          <a:xfrm>
+            <a:off x="621792" y="3163824"/>
+            <a:ext cx="4663440" cy="219456"/>
           </a:xfrm>
           <a:prstGeom prst="rect">
             <a:avLst/>
@@ -1524,7 +1780,7 @@
               <a:buNone/>
             </a:pPr>
             <a:r>
-              <a:rPr lang="en-US" sz="800" b="1" dirty="0">
+              <a:rPr lang="en-US" sz="700" b="1" dirty="0">
                 <a:solidFill>
                   <a:srgbClr val="1E293B"/>
                 </a:solidFill>
@@ -1534,31 +1790,6 @@
               </a:rPr>
               <a:t>XML Comparison Tool</a:t>
             </a:r>
-            <a:endParaRPr lang="en-US" sz="800" dirty="0"/>
-          </a:p>
-        </p:txBody>
-      </p:sp>
-      <p:sp>
-        <p:nvSpPr>
-          <p:cNvPr id="24" name="Text 22"/>
-          <p:cNvSpPr/>
-          <p:nvPr/>
-        </p:nvSpPr>
-        <p:spPr>
-          <a:xfrm>
-            <a:off x="640080" y="2807208"/>
-            <a:ext cx="4480560" cy="118872"/>
-          </a:xfrm>
-          <a:prstGeom prst="rect">
-            <a:avLst/>
-          </a:prstGeom>
-          <a:noFill/>
-          <a:ln/>
-        </p:spPr>
-        <p:txBody>
-          <a:bodyPr wrap="square" lIns="0" tIns="0" rIns="0" bIns="0" rtlCol="0" anchor="t"/>
-          <a:lstStyle/>
-          <a:p>
             <a:pPr indent="0" marL="0">
               <a:buNone/>
             </a:pPr>
@@ -1571,7 +1802,7 @@
                 <a:ea typeface="Calibri" pitchFamily="34" charset="-122"/>
                 <a:cs typeface="Calibri" pitchFamily="34" charset="-120"/>
               </a:rPr>
-              <a:t>ISO 20022 XML to readable format</a:t>
+              <a:t> – ISO 20022 XML to readable format</a:t>
             </a:r>
             <a:endParaRPr lang="en-US" sz="700" dirty="0"/>
           </a:p>
@@ -1579,14 +1810,14 @@
       </p:sp>
       <p:sp>
         <p:nvSpPr>
-          <p:cNvPr id="25" name="Shape 23"/>
-          <p:cNvSpPr/>
-          <p:nvPr/>
-        </p:nvSpPr>
-        <p:spPr>
-          <a:xfrm>
-            <a:off x="502920" y="2971800"/>
-            <a:ext cx="73152" cy="73152"/>
+          <p:cNvPr id="32" name="Shape 26"/>
+          <p:cNvSpPr/>
+          <p:nvPr/>
+        </p:nvSpPr>
+        <p:spPr>
+          <a:xfrm>
+            <a:off x="502920" y="3406140"/>
+            <a:ext cx="64008" cy="64008"/>
           </a:xfrm>
           <a:prstGeom prst="ellipse">
             <a:avLst/>
@@ -1599,14 +1830,14 @@
       </p:sp>
       <p:sp>
         <p:nvSpPr>
-          <p:cNvPr id="26" name="Text 24"/>
-          <p:cNvSpPr/>
-          <p:nvPr/>
-        </p:nvSpPr>
-        <p:spPr>
-          <a:xfrm>
-            <a:off x="640080" y="2944368"/>
-            <a:ext cx="4480560" cy="137160"/>
+          <p:cNvPr id="33" name="Text 27"/>
+          <p:cNvSpPr/>
+          <p:nvPr/>
+        </p:nvSpPr>
+        <p:spPr>
+          <a:xfrm>
+            <a:off x="621792" y="3383280"/>
+            <a:ext cx="4663440" cy="219456"/>
           </a:xfrm>
           <a:prstGeom prst="rect">
             <a:avLst/>
@@ -1622,7 +1853,7 @@
               <a:buNone/>
             </a:pPr>
             <a:r>
-              <a:rPr lang="en-US" sz="800" b="1" dirty="0">
+              <a:rPr lang="en-US" sz="700" b="1" dirty="0">
                 <a:solidFill>
                   <a:srgbClr val="1E293B"/>
                 </a:solidFill>
@@ -1632,31 +1863,6 @@
               </a:rPr>
               <a:t>EIW Downstream Tool</a:t>
             </a:r>
-            <a:endParaRPr lang="en-US" sz="800" dirty="0"/>
-          </a:p>
-        </p:txBody>
-      </p:sp>
-      <p:sp>
-        <p:nvSpPr>
-          <p:cNvPr id="27" name="Text 25"/>
-          <p:cNvSpPr/>
-          <p:nvPr/>
-        </p:nvSpPr>
-        <p:spPr>
-          <a:xfrm>
-            <a:off x="640080" y="3072384"/>
-            <a:ext cx="4480560" cy="118872"/>
-          </a:xfrm>
-          <a:prstGeom prst="rect">
-            <a:avLst/>
-          </a:prstGeom>
-          <a:noFill/>
-          <a:ln/>
-        </p:spPr>
-        <p:txBody>
-          <a:bodyPr wrap="square" lIns="0" tIns="0" rIns="0" bIns="0" rtlCol="0" anchor="t"/>
-          <a:lstStyle/>
-          <a:p>
             <a:pPr indent="0" marL="0">
               <a:buNone/>
             </a:pPr>
@@ -1669,7 +1875,7 @@
                 <a:ea typeface="Calibri" pitchFamily="34" charset="-122"/>
                 <a:cs typeface="Calibri" pitchFamily="34" charset="-120"/>
               </a:rPr>
-              <a:t>Validates all 52 transaction logics</a:t>
+              <a:t> – Validates all 52 transaction logics</a:t>
             </a:r>
             <a:endParaRPr lang="en-US" sz="700" dirty="0"/>
           </a:p>
@@ -1677,14 +1883,14 @@
       </p:sp>
       <p:sp>
         <p:nvSpPr>
-          <p:cNvPr id="28" name="Shape 26"/>
-          <p:cNvSpPr/>
-          <p:nvPr/>
-        </p:nvSpPr>
-        <p:spPr>
-          <a:xfrm>
-            <a:off x="502920" y="3236976"/>
-            <a:ext cx="73152" cy="73152"/>
+          <p:cNvPr id="34" name="Shape 28"/>
+          <p:cNvSpPr/>
+          <p:nvPr/>
+        </p:nvSpPr>
+        <p:spPr>
+          <a:xfrm>
+            <a:off x="502920" y="3625596"/>
+            <a:ext cx="64008" cy="64008"/>
           </a:xfrm>
           <a:prstGeom prst="ellipse">
             <a:avLst/>
@@ -1697,14 +1903,14 @@
       </p:sp>
       <p:sp>
         <p:nvSpPr>
-          <p:cNvPr id="29" name="Text 27"/>
-          <p:cNvSpPr/>
-          <p:nvPr/>
-        </p:nvSpPr>
-        <p:spPr>
-          <a:xfrm>
-            <a:off x="640080" y="3209544"/>
-            <a:ext cx="4480560" cy="137160"/>
+          <p:cNvPr id="35" name="Text 29"/>
+          <p:cNvSpPr/>
+          <p:nvPr/>
+        </p:nvSpPr>
+        <p:spPr>
+          <a:xfrm>
+            <a:off x="621792" y="3602736"/>
+            <a:ext cx="4663440" cy="219456"/>
           </a:xfrm>
           <a:prstGeom prst="rect">
             <a:avLst/>
@@ -1720,7 +1926,7 @@
               <a:buNone/>
             </a:pPr>
             <a:r>
-              <a:rPr lang="en-US" sz="800" b="1" dirty="0">
+              <a:rPr lang="en-US" sz="700" b="1" dirty="0">
                 <a:solidFill>
                   <a:srgbClr val="1E293B"/>
                 </a:solidFill>
@@ -1730,31 +1936,6 @@
               </a:rPr>
               <a:t>Automated Test Artifact Generation</a:t>
             </a:r>
-            <a:endParaRPr lang="en-US" sz="800" dirty="0"/>
-          </a:p>
-        </p:txBody>
-      </p:sp>
-      <p:sp>
-        <p:nvSpPr>
-          <p:cNvPr id="30" name="Text 28"/>
-          <p:cNvSpPr/>
-          <p:nvPr/>
-        </p:nvSpPr>
-        <p:spPr>
-          <a:xfrm>
-            <a:off x="640080" y="3337560"/>
-            <a:ext cx="4480560" cy="118872"/>
-          </a:xfrm>
-          <a:prstGeom prst="rect">
-            <a:avLst/>
-          </a:prstGeom>
-          <a:noFill/>
-          <a:ln/>
-        </p:spPr>
-        <p:txBody>
-          <a:bodyPr wrap="square" lIns="0" tIns="0" rIns="0" bIns="0" rtlCol="0" anchor="t"/>
-          <a:lstStyle/>
-          <a:p>
             <a:pPr indent="0" marL="0">
               <a:buNone/>
             </a:pPr>
@@ -1767,7 +1948,7 @@
                 <a:ea typeface="Calibri" pitchFamily="34" charset="-122"/>
                 <a:cs typeface="Calibri" pitchFamily="34" charset="-120"/>
               </a:rPr>
-              <a:t>Test evidence with step definitions</a:t>
+              <a:t> – Test evidence with step definitions</a:t>
             </a:r>
             <a:endParaRPr lang="en-US" sz="700" dirty="0"/>
           </a:p>
@@ -1775,14 +1956,14 @@
       </p:sp>
       <p:sp>
         <p:nvSpPr>
-          <p:cNvPr id="31" name="Shape 29"/>
-          <p:cNvSpPr/>
-          <p:nvPr/>
-        </p:nvSpPr>
-        <p:spPr>
-          <a:xfrm>
-            <a:off x="502920" y="3502152"/>
-            <a:ext cx="73152" cy="73152"/>
+          <p:cNvPr id="36" name="Shape 30"/>
+          <p:cNvSpPr/>
+          <p:nvPr/>
+        </p:nvSpPr>
+        <p:spPr>
+          <a:xfrm>
+            <a:off x="502920" y="3845052"/>
+            <a:ext cx="64008" cy="64008"/>
           </a:xfrm>
           <a:prstGeom prst="ellipse">
             <a:avLst/>
@@ -1795,14 +1976,14 @@
       </p:sp>
       <p:sp>
         <p:nvSpPr>
-          <p:cNvPr id="32" name="Text 30"/>
-          <p:cNvSpPr/>
-          <p:nvPr/>
-        </p:nvSpPr>
-        <p:spPr>
-          <a:xfrm>
-            <a:off x="640080" y="3474720"/>
-            <a:ext cx="4480560" cy="137160"/>
+          <p:cNvPr id="37" name="Text 31"/>
+          <p:cNvSpPr/>
+          <p:nvPr/>
+        </p:nvSpPr>
+        <p:spPr>
+          <a:xfrm>
+            <a:off x="621792" y="3822192"/>
+            <a:ext cx="4663440" cy="219456"/>
           </a:xfrm>
           <a:prstGeom prst="rect">
             <a:avLst/>
@@ -1818,7 +1999,7 @@
               <a:buNone/>
             </a:pPr>
             <a:r>
-              <a:rPr lang="en-US" sz="800" b="1" dirty="0">
+              <a:rPr lang="en-US" sz="700" b="1" dirty="0">
                 <a:solidFill>
                   <a:srgbClr val="1E293B"/>
                 </a:solidFill>
@@ -1828,31 +2009,6 @@
               </a:rPr>
               <a:t>Quarterly Access Report Generation</a:t>
             </a:r>
-            <a:endParaRPr lang="en-US" sz="800" dirty="0"/>
-          </a:p>
-        </p:txBody>
-      </p:sp>
-      <p:sp>
-        <p:nvSpPr>
-          <p:cNvPr id="33" name="Text 31"/>
-          <p:cNvSpPr/>
-          <p:nvPr/>
-        </p:nvSpPr>
-        <p:spPr>
-          <a:xfrm>
-            <a:off x="640080" y="3602736"/>
-            <a:ext cx="4480560" cy="118872"/>
-          </a:xfrm>
-          <a:prstGeom prst="rect">
-            <a:avLst/>
-          </a:prstGeom>
-          <a:noFill/>
-          <a:ln/>
-        </p:spPr>
-        <p:txBody>
-          <a:bodyPr wrap="square" lIns="0" tIns="0" rIns="0" bIns="0" rtlCol="0" anchor="t"/>
-          <a:lstStyle/>
-          <a:p>
             <a:pPr indent="0" marL="0">
               <a:buNone/>
             </a:pPr>
@@ -1865,7 +2021,7 @@
                 <a:ea typeface="Calibri" pitchFamily="34" charset="-122"/>
                 <a:cs typeface="Calibri" pitchFamily="34" charset="-120"/>
               </a:rPr>
-              <a:t>Downloads accesses for TMs at SSO level</a:t>
+              <a:t> – Downloads accesses for TMs at SSO level</a:t>
             </a:r>
             <a:endParaRPr lang="en-US" sz="700" dirty="0"/>
           </a:p>
@@ -1873,14 +2029,14 @@
       </p:sp>
       <p:sp>
         <p:nvSpPr>
-          <p:cNvPr id="34" name="Shape 32"/>
-          <p:cNvSpPr/>
-          <p:nvPr/>
-        </p:nvSpPr>
-        <p:spPr>
-          <a:xfrm>
-            <a:off x="320040" y="3886200"/>
-            <a:ext cx="4937760" cy="1005840"/>
+          <p:cNvPr id="38" name="Shape 32"/>
+          <p:cNvSpPr/>
+          <p:nvPr/>
+        </p:nvSpPr>
+        <p:spPr>
+          <a:xfrm>
+            <a:off x="320040" y="4160520"/>
+            <a:ext cx="5074920" cy="777240"/>
           </a:xfrm>
           <a:prstGeom prst="rect">
             <a:avLst/>
@@ -1900,14 +2056,14 @@
       </p:sp>
       <p:sp>
         <p:nvSpPr>
-          <p:cNvPr id="35" name="Shape 33"/>
-          <p:cNvSpPr/>
-          <p:nvPr/>
-        </p:nvSpPr>
-        <p:spPr>
-          <a:xfrm>
-            <a:off x="320040" y="3886200"/>
-            <a:ext cx="45720" cy="1005840"/>
+          <p:cNvPr id="39" name="Shape 33"/>
+          <p:cNvSpPr/>
+          <p:nvPr/>
+        </p:nvSpPr>
+        <p:spPr>
+          <a:xfrm>
+            <a:off x="320040" y="4160520"/>
+            <a:ext cx="45720" cy="777240"/>
           </a:xfrm>
           <a:prstGeom prst="rect">
             <a:avLst/>
@@ -1918,16 +2074,40 @@
           <a:ln/>
         </p:spPr>
       </p:sp>
-      <p:sp>
-        <p:nvSpPr>
-          <p:cNvPr id="36" name="Text 34"/>
-          <p:cNvSpPr/>
-          <p:nvPr/>
-        </p:nvSpPr>
-        <p:spPr>
-          <a:xfrm>
-            <a:off x="502920" y="3931920"/>
-            <a:ext cx="2743200" cy="228600"/>
+      <p:pic>
+        <p:nvPicPr>
+          <p:cNvPr id="40" name="Image 4" descr="preencoded.png">    </p:cNvPr>
+          <p:cNvPicPr>
+            <a:picLocks noChangeAspect="1"/>
+          </p:cNvPicPr>
+          <p:nvPr/>
+        </p:nvPicPr>
+        <p:blipFill>
+          <a:blip r:embed="rId5"/>
+          <a:stretch>
+            <a:fillRect/>
+          </a:stretch>
+        </p:blipFill>
+        <p:spPr>
+          <a:xfrm>
+            <a:off x="457200" y="4197096"/>
+            <a:ext cx="182880" cy="182880"/>
+          </a:xfrm>
+          <a:prstGeom prst="rect">
+            <a:avLst/>
+          </a:prstGeom>
+        </p:spPr>
+      </p:pic>
+      <p:sp>
+        <p:nvSpPr>
+          <p:cNvPr id="41" name="Text 34"/>
+          <p:cNvSpPr/>
+          <p:nvPr/>
+        </p:nvSpPr>
+        <p:spPr>
+          <a:xfrm>
+            <a:off x="685800" y="4197096"/>
+            <a:ext cx="2743200" cy="201168"/>
           </a:xfrm>
           <a:prstGeom prst="rect">
             <a:avLst/>
@@ -1943,7 +2123,7 @@
               <a:buNone/>
             </a:pPr>
             <a:r>
-              <a:rPr lang="en-US" sz="1100" b="1" dirty="0">
+              <a:rPr lang="en-US" sz="1000" b="1" dirty="0">
                 <a:solidFill>
                   <a:srgbClr val="EA580C"/>
                 </a:solidFill>
@@ -1953,20 +2133,20 @@
               </a:rPr>
               <a:t>Key Upcoming Deliverables</a:t>
             </a:r>
-            <a:endParaRPr lang="en-US" sz="1100" dirty="0"/>
-          </a:p>
-        </p:txBody>
-      </p:sp>
-      <p:sp>
-        <p:nvSpPr>
-          <p:cNvPr id="37" name="Shape 35"/>
-          <p:cNvSpPr/>
-          <p:nvPr/>
-        </p:nvSpPr>
-        <p:spPr>
-          <a:xfrm>
-            <a:off x="502920" y="4187952"/>
-            <a:ext cx="128016" cy="128016"/>
+            <a:endParaRPr lang="en-US" sz="1000" dirty="0"/>
+          </a:p>
+        </p:txBody>
+      </p:sp>
+      <p:sp>
+        <p:nvSpPr>
+          <p:cNvPr id="42" name="Shape 35"/>
+          <p:cNvSpPr/>
+          <p:nvPr/>
+        </p:nvSpPr>
+        <p:spPr>
+          <a:xfrm>
+            <a:off x="502920" y="4416552"/>
+            <a:ext cx="118872" cy="118872"/>
           </a:xfrm>
           <a:prstGeom prst="ellipse">
             <a:avLst/>
@@ -1979,14 +2159,14 @@
       </p:sp>
       <p:sp>
         <p:nvSpPr>
-          <p:cNvPr id="38" name="Text 36"/>
-          <p:cNvSpPr/>
-          <p:nvPr/>
-        </p:nvSpPr>
-        <p:spPr>
-          <a:xfrm>
-            <a:off x="502920" y="4187952"/>
-            <a:ext cx="128016" cy="128016"/>
+          <p:cNvPr id="43" name="Text 36"/>
+          <p:cNvSpPr/>
+          <p:nvPr/>
+        </p:nvSpPr>
+        <p:spPr>
+          <a:xfrm>
+            <a:off x="502920" y="4416552"/>
+            <a:ext cx="118872" cy="118872"/>
           </a:xfrm>
           <a:prstGeom prst="rect">
             <a:avLst/>
@@ -2002,7 +2182,7 @@
               <a:buNone/>
             </a:pPr>
             <a:r>
-              <a:rPr lang="en-US" sz="700" b="1" dirty="0">
+              <a:rPr lang="en-US" sz="600" b="1" dirty="0">
                 <a:solidFill>
                   <a:srgbClr val="EA580C"/>
                 </a:solidFill>
@@ -2012,20 +2192,20 @@
               </a:rPr>
               <a:t>1</a:t>
             </a:r>
-            <a:endParaRPr lang="en-US" sz="700" dirty="0"/>
-          </a:p>
-        </p:txBody>
-      </p:sp>
-      <p:sp>
-        <p:nvSpPr>
-          <p:cNvPr id="39" name="Text 37"/>
-          <p:cNvSpPr/>
-          <p:nvPr/>
-        </p:nvSpPr>
-        <p:spPr>
-          <a:xfrm>
-            <a:off x="685800" y="4187952"/>
-            <a:ext cx="4434840" cy="137160"/>
+            <a:endParaRPr lang="en-US" sz="600" dirty="0"/>
+          </a:p>
+        </p:txBody>
+      </p:sp>
+      <p:sp>
+        <p:nvSpPr>
+          <p:cNvPr id="44" name="Text 37"/>
+          <p:cNvSpPr/>
+          <p:nvPr/>
+        </p:nvSpPr>
+        <p:spPr>
+          <a:xfrm>
+            <a:off x="658368" y="4416552"/>
+            <a:ext cx="2286000" cy="128016"/>
           </a:xfrm>
           <a:prstGeom prst="rect">
             <a:avLst/>
@@ -2041,7 +2221,7 @@
               <a:buNone/>
             </a:pPr>
             <a:r>
-              <a:rPr lang="en-US" sz="750" b="1" dirty="0">
+              <a:rPr lang="en-US" sz="650" b="1" dirty="0">
                 <a:solidFill>
                   <a:srgbClr val="1E293B"/>
                 </a:solidFill>
@@ -2055,7 +2235,7 @@
               <a:buNone/>
             </a:pPr>
             <a:r>
-              <a:rPr lang="en-US" sz="750" dirty="0">
+              <a:rPr lang="en-US" sz="650" dirty="0">
                 <a:solidFill>
                   <a:srgbClr val="475569"/>
                 </a:solidFill>
@@ -2063,22 +2243,22 @@
                 <a:ea typeface="Calibri" pitchFamily="34" charset="-122"/>
                 <a:cs typeface="Calibri" pitchFamily="34" charset="-120"/>
               </a:rPr>
-              <a:t> – Quality metrics &amp; automation dashboard</a:t>
-            </a:r>
-            <a:endParaRPr lang="en-US" sz="750" dirty="0"/>
-          </a:p>
-        </p:txBody>
-      </p:sp>
-      <p:sp>
-        <p:nvSpPr>
-          <p:cNvPr id="40" name="Shape 38"/>
-          <p:cNvSpPr/>
-          <p:nvPr/>
-        </p:nvSpPr>
-        <p:spPr>
-          <a:xfrm>
-            <a:off x="502920" y="4343400"/>
-            <a:ext cx="128016" cy="128016"/>
+              <a:t> – Quality metrics dashboard</a:t>
+            </a:r>
+            <a:endParaRPr lang="en-US" sz="650" dirty="0"/>
+          </a:p>
+        </p:txBody>
+      </p:sp>
+      <p:sp>
+        <p:nvSpPr>
+          <p:cNvPr id="45" name="Shape 38"/>
+          <p:cNvSpPr/>
+          <p:nvPr/>
+        </p:nvSpPr>
+        <p:spPr>
+          <a:xfrm>
+            <a:off x="502920" y="4581144"/>
+            <a:ext cx="118872" cy="118872"/>
           </a:xfrm>
           <a:prstGeom prst="ellipse">
             <a:avLst/>
@@ -2091,14 +2271,14 @@
       </p:sp>
       <p:sp>
         <p:nvSpPr>
-          <p:cNvPr id="41" name="Text 39"/>
-          <p:cNvSpPr/>
-          <p:nvPr/>
-        </p:nvSpPr>
-        <p:spPr>
-          <a:xfrm>
-            <a:off x="502920" y="4343400"/>
-            <a:ext cx="128016" cy="128016"/>
+          <p:cNvPr id="46" name="Text 39"/>
+          <p:cNvSpPr/>
+          <p:nvPr/>
+        </p:nvSpPr>
+        <p:spPr>
+          <a:xfrm>
+            <a:off x="502920" y="4581144"/>
+            <a:ext cx="118872" cy="118872"/>
           </a:xfrm>
           <a:prstGeom prst="rect">
             <a:avLst/>
@@ -2114,7 +2294,7 @@
               <a:buNone/>
             </a:pPr>
             <a:r>
-              <a:rPr lang="en-US" sz="700" b="1" dirty="0">
+              <a:rPr lang="en-US" sz="600" b="1" dirty="0">
                 <a:solidFill>
                   <a:srgbClr val="EA580C"/>
                 </a:solidFill>
@@ -2124,20 +2304,20 @@
               </a:rPr>
               <a:t>2</a:t>
             </a:r>
-            <a:endParaRPr lang="en-US" sz="700" dirty="0"/>
-          </a:p>
-        </p:txBody>
-      </p:sp>
-      <p:sp>
-        <p:nvSpPr>
-          <p:cNvPr id="42" name="Text 40"/>
-          <p:cNvSpPr/>
-          <p:nvPr/>
-        </p:nvSpPr>
-        <p:spPr>
-          <a:xfrm>
-            <a:off x="685800" y="4343400"/>
-            <a:ext cx="4434840" cy="137160"/>
+            <a:endParaRPr lang="en-US" sz="600" dirty="0"/>
+          </a:p>
+        </p:txBody>
+      </p:sp>
+      <p:sp>
+        <p:nvSpPr>
+          <p:cNvPr id="47" name="Text 40"/>
+          <p:cNvSpPr/>
+          <p:nvPr/>
+        </p:nvSpPr>
+        <p:spPr>
+          <a:xfrm>
+            <a:off x="658368" y="4581144"/>
+            <a:ext cx="2286000" cy="128016"/>
           </a:xfrm>
           <a:prstGeom prst="rect">
             <a:avLst/>
@@ -2153,7 +2333,7 @@
               <a:buNone/>
             </a:pPr>
             <a:r>
-              <a:rPr lang="en-US" sz="750" b="1" dirty="0">
+              <a:rPr lang="en-US" sz="650" b="1" dirty="0">
                 <a:solidFill>
                   <a:srgbClr val="1E293B"/>
                 </a:solidFill>
@@ -2167,7 +2347,7 @@
               <a:buNone/>
             </a:pPr>
             <a:r>
-              <a:rPr lang="en-US" sz="750" dirty="0">
+              <a:rPr lang="en-US" sz="650" dirty="0">
                 <a:solidFill>
                   <a:srgbClr val="475569"/>
                 </a:solidFill>
@@ -2175,22 +2355,22 @@
                 <a:ea typeface="Calibri" pitchFamily="34" charset="-122"/>
                 <a:cs typeface="Calibri" pitchFamily="34" charset="-120"/>
               </a:rPr>
-              <a:t> – Code review metrics from GitHub</a:t>
-            </a:r>
-            <a:endParaRPr lang="en-US" sz="750" dirty="0"/>
-          </a:p>
-        </p:txBody>
-      </p:sp>
-      <p:sp>
-        <p:nvSpPr>
-          <p:cNvPr id="43" name="Shape 41"/>
-          <p:cNvSpPr/>
-          <p:nvPr/>
-        </p:nvSpPr>
-        <p:spPr>
-          <a:xfrm>
-            <a:off x="502920" y="4498848"/>
-            <a:ext cx="128016" cy="128016"/>
+              <a:t> – Code review metrics</a:t>
+            </a:r>
+            <a:endParaRPr lang="en-US" sz="650" dirty="0"/>
+          </a:p>
+        </p:txBody>
+      </p:sp>
+      <p:sp>
+        <p:nvSpPr>
+          <p:cNvPr id="48" name="Shape 41"/>
+          <p:cNvSpPr/>
+          <p:nvPr/>
+        </p:nvSpPr>
+        <p:spPr>
+          <a:xfrm>
+            <a:off x="3063240" y="4416552"/>
+            <a:ext cx="118872" cy="118872"/>
           </a:xfrm>
           <a:prstGeom prst="ellipse">
             <a:avLst/>
@@ -2203,14 +2383,14 @@
       </p:sp>
       <p:sp>
         <p:nvSpPr>
-          <p:cNvPr id="44" name="Text 42"/>
-          <p:cNvSpPr/>
-          <p:nvPr/>
-        </p:nvSpPr>
-        <p:spPr>
-          <a:xfrm>
-            <a:off x="502920" y="4498848"/>
-            <a:ext cx="128016" cy="128016"/>
+          <p:cNvPr id="49" name="Text 42"/>
+          <p:cNvSpPr/>
+          <p:nvPr/>
+        </p:nvSpPr>
+        <p:spPr>
+          <a:xfrm>
+            <a:off x="3063240" y="4416552"/>
+            <a:ext cx="118872" cy="118872"/>
           </a:xfrm>
           <a:prstGeom prst="rect">
             <a:avLst/>
@@ -2226,7 +2406,7 @@
               <a:buNone/>
             </a:pPr>
             <a:r>
-              <a:rPr lang="en-US" sz="700" b="1" dirty="0">
+              <a:rPr lang="en-US" sz="600" b="1" dirty="0">
                 <a:solidFill>
                   <a:srgbClr val="EA580C"/>
                 </a:solidFill>
@@ -2236,20 +2416,20 @@
               </a:rPr>
               <a:t>3</a:t>
             </a:r>
-            <a:endParaRPr lang="en-US" sz="700" dirty="0"/>
-          </a:p>
-        </p:txBody>
-      </p:sp>
-      <p:sp>
-        <p:nvSpPr>
-          <p:cNvPr id="45" name="Text 43"/>
-          <p:cNvSpPr/>
-          <p:nvPr/>
-        </p:nvSpPr>
-        <p:spPr>
-          <a:xfrm>
-            <a:off x="685800" y="4498848"/>
-            <a:ext cx="4434840" cy="137160"/>
+            <a:endParaRPr lang="en-US" sz="600" dirty="0"/>
+          </a:p>
+        </p:txBody>
+      </p:sp>
+      <p:sp>
+        <p:nvSpPr>
+          <p:cNvPr id="50" name="Text 43"/>
+          <p:cNvSpPr/>
+          <p:nvPr/>
+        </p:nvSpPr>
+        <p:spPr>
+          <a:xfrm>
+            <a:off x="3218688" y="4416552"/>
+            <a:ext cx="2286000" cy="128016"/>
           </a:xfrm>
           <a:prstGeom prst="rect">
             <a:avLst/>
@@ -2265,7 +2445,7 @@
               <a:buNone/>
             </a:pPr>
             <a:r>
-              <a:rPr lang="en-US" sz="750" b="1" dirty="0">
+              <a:rPr lang="en-US" sz="650" b="1" dirty="0">
                 <a:solidFill>
                   <a:srgbClr val="1E293B"/>
                 </a:solidFill>
@@ -2273,13 +2453,13 @@
                 <a:ea typeface="Calibri" pitchFamily="34" charset="-122"/>
                 <a:cs typeface="Calibri" pitchFamily="34" charset="-120"/>
               </a:rPr>
-              <a:t>Production Defect Prediction</a:t>
+              <a:t>Defect Prediction</a:t>
             </a:r>
             <a:pPr indent="0" marL="0">
               <a:buNone/>
             </a:pPr>
             <a:r>
-              <a:rPr lang="en-US" sz="750" dirty="0">
+              <a:rPr lang="en-US" sz="650" dirty="0">
                 <a:solidFill>
                   <a:srgbClr val="475569"/>
                 </a:solidFill>
@@ -2287,22 +2467,22 @@
                 <a:ea typeface="Calibri" pitchFamily="34" charset="-122"/>
                 <a:cs typeface="Calibri" pitchFamily="34" charset="-120"/>
               </a:rPr>
-              <a:t> – AI-based defect prediction</a:t>
-            </a:r>
-            <a:endParaRPr lang="en-US" sz="750" dirty="0"/>
-          </a:p>
-        </p:txBody>
-      </p:sp>
-      <p:sp>
-        <p:nvSpPr>
-          <p:cNvPr id="46" name="Shape 44"/>
-          <p:cNvSpPr/>
-          <p:nvPr/>
-        </p:nvSpPr>
-        <p:spPr>
-          <a:xfrm>
-            <a:off x="502920" y="4654296"/>
-            <a:ext cx="128016" cy="128016"/>
+              <a:t> – AI-based prediction</a:t>
+            </a:r>
+            <a:endParaRPr lang="en-US" sz="650" dirty="0"/>
+          </a:p>
+        </p:txBody>
+      </p:sp>
+      <p:sp>
+        <p:nvSpPr>
+          <p:cNvPr id="51" name="Shape 44"/>
+          <p:cNvSpPr/>
+          <p:nvPr/>
+        </p:nvSpPr>
+        <p:spPr>
+          <a:xfrm>
+            <a:off x="3063240" y="4581144"/>
+            <a:ext cx="118872" cy="118872"/>
           </a:xfrm>
           <a:prstGeom prst="ellipse">
             <a:avLst/>
@@ -2315,14 +2495,14 @@
       </p:sp>
       <p:sp>
         <p:nvSpPr>
-          <p:cNvPr id="47" name="Text 45"/>
-          <p:cNvSpPr/>
-          <p:nvPr/>
-        </p:nvSpPr>
-        <p:spPr>
-          <a:xfrm>
-            <a:off x="502920" y="4654296"/>
-            <a:ext cx="128016" cy="128016"/>
+          <p:cNvPr id="52" name="Text 45"/>
+          <p:cNvSpPr/>
+          <p:nvPr/>
+        </p:nvSpPr>
+        <p:spPr>
+          <a:xfrm>
+            <a:off x="3063240" y="4581144"/>
+            <a:ext cx="118872" cy="118872"/>
           </a:xfrm>
           <a:prstGeom prst="rect">
             <a:avLst/>
@@ -2338,7 +2518,7 @@
               <a:buNone/>
             </a:pPr>
             <a:r>
-              <a:rPr lang="en-US" sz="700" b="1" dirty="0">
+              <a:rPr lang="en-US" sz="600" b="1" dirty="0">
                 <a:solidFill>
                   <a:srgbClr val="EA580C"/>
                 </a:solidFill>
@@ -2348,20 +2528,20 @@
               </a:rPr>
               <a:t>4</a:t>
             </a:r>
-            <a:endParaRPr lang="en-US" sz="700" dirty="0"/>
-          </a:p>
-        </p:txBody>
-      </p:sp>
-      <p:sp>
-        <p:nvSpPr>
-          <p:cNvPr id="48" name="Text 46"/>
-          <p:cNvSpPr/>
-          <p:nvPr/>
-        </p:nvSpPr>
-        <p:spPr>
-          <a:xfrm>
-            <a:off x="685800" y="4654296"/>
-            <a:ext cx="4434840" cy="137160"/>
+            <a:endParaRPr lang="en-US" sz="600" dirty="0"/>
+          </a:p>
+        </p:txBody>
+      </p:sp>
+      <p:sp>
+        <p:nvSpPr>
+          <p:cNvPr id="53" name="Text 46"/>
+          <p:cNvSpPr/>
+          <p:nvPr/>
+        </p:nvSpPr>
+        <p:spPr>
+          <a:xfrm>
+            <a:off x="3218688" y="4581144"/>
+            <a:ext cx="2286000" cy="128016"/>
           </a:xfrm>
           <a:prstGeom prst="rect">
             <a:avLst/>
@@ -2377,7 +2557,7 @@
               <a:buNone/>
             </a:pPr>
             <a:r>
-              <a:rPr lang="en-US" sz="750" b="1" dirty="0">
+              <a:rPr lang="en-US" sz="650" b="1" dirty="0">
                 <a:solidFill>
                   <a:srgbClr val="1E293B"/>
                 </a:solidFill>
@@ -2391,7 +2571,7 @@
               <a:buNone/>
             </a:pPr>
             <a:r>
-              <a:rPr lang="en-US" sz="750" dirty="0">
+              <a:rPr lang="en-US" sz="650" dirty="0">
                 <a:solidFill>
                   <a:srgbClr val="475569"/>
                 </a:solidFill>
@@ -2399,22 +2579,22 @@
                 <a:ea typeface="Calibri" pitchFamily="34" charset="-122"/>
                 <a:cs typeface="Calibri" pitchFamily="34" charset="-120"/>
               </a:rPr>
-              <a:t> – Visual differences detection</a:t>
-            </a:r>
-            <a:endParaRPr lang="en-US" sz="750" dirty="0"/>
-          </a:p>
-        </p:txBody>
-      </p:sp>
-      <p:sp>
-        <p:nvSpPr>
-          <p:cNvPr id="49" name="Shape 47"/>
-          <p:cNvSpPr/>
-          <p:nvPr/>
-        </p:nvSpPr>
-        <p:spPr>
-          <a:xfrm>
-            <a:off x="5394960" y="1828800"/>
-            <a:ext cx="3429000" cy="3063240"/>
+              <a:t> – Visual diff detection</a:t>
+            </a:r>
+            <a:endParaRPr lang="en-US" sz="650" dirty="0"/>
+          </a:p>
+        </p:txBody>
+      </p:sp>
+      <p:sp>
+        <p:nvSpPr>
+          <p:cNvPr id="54" name="Shape 47"/>
+          <p:cNvSpPr/>
+          <p:nvPr/>
+        </p:nvSpPr>
+        <p:spPr>
+          <a:xfrm>
+            <a:off x="5486400" y="1719072"/>
+            <a:ext cx="3337560" cy="3218688"/>
           </a:xfrm>
           <a:prstGeom prst="rect">
             <a:avLst/>
@@ -2434,14 +2614,14 @@
       </p:sp>
       <p:sp>
         <p:nvSpPr>
-          <p:cNvPr id="50" name="Shape 48"/>
-          <p:cNvSpPr/>
-          <p:nvPr/>
-        </p:nvSpPr>
-        <p:spPr>
-          <a:xfrm>
-            <a:off x="5394960" y="1828800"/>
-            <a:ext cx="3429000" cy="292608"/>
+          <p:cNvPr id="55" name="Shape 48"/>
+          <p:cNvSpPr/>
+          <p:nvPr/>
+        </p:nvSpPr>
+        <p:spPr>
+          <a:xfrm>
+            <a:off x="5486400" y="1719072"/>
+            <a:ext cx="3337560" cy="256032"/>
           </a:xfrm>
           <a:prstGeom prst="rect">
             <a:avLst/>
@@ -2454,14 +2634,14 @@
       </p:sp>
       <p:sp>
         <p:nvSpPr>
-          <p:cNvPr id="51" name="Text 49"/>
-          <p:cNvSpPr/>
-          <p:nvPr/>
-        </p:nvSpPr>
-        <p:spPr>
-          <a:xfrm>
-            <a:off x="5394960" y="1856232"/>
-            <a:ext cx="3429000" cy="256032"/>
+          <p:cNvPr id="56" name="Text 49"/>
+          <p:cNvSpPr/>
+          <p:nvPr/>
+        </p:nvSpPr>
+        <p:spPr>
+          <a:xfrm>
+            <a:off x="5486400" y="1737360"/>
+            <a:ext cx="3337560" cy="228600"/>
           </a:xfrm>
           <a:prstGeom prst="rect">
             <a:avLst/>
@@ -2477,7 +2657,7 @@
               <a:buNone/>
             </a:pPr>
             <a:r>
-              <a:rPr lang="en-US" sz="1000" b="1" dirty="0">
+              <a:rPr lang="en-US" sz="900" b="1" dirty="0">
                 <a:solidFill>
                   <a:srgbClr val="FFFFFF"/>
                 </a:solidFill>
@@ -2485,22 +2665,22 @@
                 <a:ea typeface="Trebuchet MS" pitchFamily="34" charset="-122"/>
                 <a:cs typeface="Trebuchet MS" pitchFamily="34" charset="-120"/>
               </a:rPr>
-              <a:t>Tool Status Overview</a:t>
-            </a:r>
-            <a:endParaRPr lang="en-US" sz="1000" dirty="0"/>
-          </a:p>
-        </p:txBody>
-      </p:sp>
-      <p:sp>
-        <p:nvSpPr>
-          <p:cNvPr id="52" name="Shape 50"/>
-          <p:cNvSpPr/>
-          <p:nvPr/>
-        </p:nvSpPr>
-        <p:spPr>
-          <a:xfrm>
-            <a:off x="5394960" y="2121408"/>
-            <a:ext cx="3429000" cy="182880"/>
+              <a:t>Tool Status &amp; Time Savings</a:t>
+            </a:r>
+            <a:endParaRPr lang="en-US" sz="900" dirty="0"/>
+          </a:p>
+        </p:txBody>
+      </p:sp>
+      <p:sp>
+        <p:nvSpPr>
+          <p:cNvPr id="57" name="Shape 50"/>
+          <p:cNvSpPr/>
+          <p:nvPr/>
+        </p:nvSpPr>
+        <p:spPr>
+          <a:xfrm>
+            <a:off x="5486400" y="1975104"/>
+            <a:ext cx="3337560" cy="164592"/>
           </a:xfrm>
           <a:prstGeom prst="rect">
             <a:avLst/>
@@ -2513,14 +2693,14 @@
       </p:sp>
       <p:sp>
         <p:nvSpPr>
-          <p:cNvPr id="53" name="Text 51"/>
-          <p:cNvSpPr/>
-          <p:nvPr/>
-        </p:nvSpPr>
-        <p:spPr>
-          <a:xfrm>
-            <a:off x="5468112" y="2121408"/>
-            <a:ext cx="2011680" cy="182880"/>
+          <p:cNvPr id="58" name="Text 51"/>
+          <p:cNvSpPr/>
+          <p:nvPr/>
+        </p:nvSpPr>
+        <p:spPr>
+          <a:xfrm>
+            <a:off x="5559552" y="1975104"/>
+            <a:ext cx="1371600" cy="164592"/>
           </a:xfrm>
           <a:prstGeom prst="rect">
             <a:avLst/>
@@ -2536,7 +2716,7 @@
               <a:buNone/>
             </a:pPr>
             <a:r>
-              <a:rPr lang="en-US" sz="700" b="1" dirty="0">
+              <a:rPr lang="en-US" sz="600" b="1" dirty="0">
                 <a:solidFill>
                   <a:srgbClr val="1E293B"/>
                 </a:solidFill>
@@ -2544,38 +2724,38 @@
                 <a:ea typeface="Calibri" pitchFamily="34" charset="-122"/>
                 <a:cs typeface="Calibri" pitchFamily="34" charset="-120"/>
               </a:rPr>
-              <a:t>Tool Name</a:t>
-            </a:r>
-            <a:endParaRPr lang="en-US" sz="700" dirty="0"/>
-          </a:p>
-        </p:txBody>
-      </p:sp>
-      <p:sp>
-        <p:nvSpPr>
-          <p:cNvPr id="54" name="Text 52"/>
-          <p:cNvSpPr/>
-          <p:nvPr/>
-        </p:nvSpPr>
-        <p:spPr>
-          <a:xfrm>
-            <a:off x="8138160" y="2121408"/>
-            <a:ext cx="640080" cy="182880"/>
-          </a:xfrm>
-          <a:prstGeom prst="rect">
-            <a:avLst/>
-          </a:prstGeom>
-          <a:noFill/>
-          <a:ln/>
-        </p:spPr>
-        <p:txBody>
-          <a:bodyPr wrap="square" lIns="0" tIns="0" rIns="0" bIns="0" rtlCol="0" anchor="ctr"/>
-          <a:lstStyle/>
-          <a:p>
-            <a:pPr algn="r" indent="0" marL="0">
-              <a:buNone/>
-            </a:pPr>
-            <a:r>
-              <a:rPr lang="en-US" sz="700" b="1" dirty="0">
+              <a:t>Tool</a:t>
+            </a:r>
+            <a:endParaRPr lang="en-US" sz="600" dirty="0"/>
+          </a:p>
+        </p:txBody>
+      </p:sp>
+      <p:sp>
+        <p:nvSpPr>
+          <p:cNvPr id="59" name="Text 52"/>
+          <p:cNvSpPr/>
+          <p:nvPr/>
+        </p:nvSpPr>
+        <p:spPr>
+          <a:xfrm>
+            <a:off x="6949440" y="1975104"/>
+            <a:ext cx="548640" cy="164592"/>
+          </a:xfrm>
+          <a:prstGeom prst="rect">
+            <a:avLst/>
+          </a:prstGeom>
+          <a:noFill/>
+          <a:ln/>
+        </p:spPr>
+        <p:txBody>
+          <a:bodyPr wrap="square" lIns="0" tIns="0" rIns="0" bIns="0" rtlCol="0" anchor="ctr"/>
+          <a:lstStyle/>
+          <a:p>
+            <a:pPr algn="ctr" indent="0" marL="0">
+              <a:buNone/>
+            </a:pPr>
+            <a:r>
+              <a:rPr lang="en-US" sz="600" b="1" dirty="0">
                 <a:solidFill>
                   <a:srgbClr val="1E293B"/>
                 </a:solidFill>
@@ -2583,22 +2763,61 @@
                 <a:ea typeface="Calibri" pitchFamily="34" charset="-122"/>
                 <a:cs typeface="Calibri" pitchFamily="34" charset="-120"/>
               </a:rPr>
-              <a:t>Status</a:t>
-            </a:r>
-            <a:endParaRPr lang="en-US" sz="700" dirty="0"/>
-          </a:p>
-        </p:txBody>
-      </p:sp>
-      <p:sp>
-        <p:nvSpPr>
-          <p:cNvPr id="55" name="Shape 53"/>
-          <p:cNvSpPr/>
-          <p:nvPr/>
-        </p:nvSpPr>
-        <p:spPr>
-          <a:xfrm>
-            <a:off x="5394960" y="2322576"/>
-            <a:ext cx="3429000" cy="146304"/>
+              <a:t>Progress</a:t>
+            </a:r>
+            <a:endParaRPr lang="en-US" sz="600" dirty="0"/>
+          </a:p>
+        </p:txBody>
+      </p:sp>
+      <p:sp>
+        <p:nvSpPr>
+          <p:cNvPr id="60" name="Text 53"/>
+          <p:cNvSpPr/>
+          <p:nvPr/>
+        </p:nvSpPr>
+        <p:spPr>
+          <a:xfrm>
+            <a:off x="7543800" y="1975104"/>
+            <a:ext cx="731520" cy="164592"/>
+          </a:xfrm>
+          <a:prstGeom prst="rect">
+            <a:avLst/>
+          </a:prstGeom>
+          <a:noFill/>
+          <a:ln/>
+        </p:spPr>
+        <p:txBody>
+          <a:bodyPr wrap="square" lIns="0" tIns="0" rIns="0" bIns="0" rtlCol="0" anchor="ctr"/>
+          <a:lstStyle/>
+          <a:p>
+            <a:pPr algn="ctr" indent="0" marL="0">
+              <a:buNone/>
+            </a:pPr>
+            <a:r>
+              <a:rPr lang="en-US" sz="600" b="1" dirty="0">
+                <a:solidFill>
+                  <a:srgbClr val="1E293B"/>
+                </a:solidFill>
+                <a:latin typeface="Calibri" pitchFamily="34" charset="0"/>
+                <a:ea typeface="Calibri" pitchFamily="34" charset="-122"/>
+                <a:cs typeface="Calibri" pitchFamily="34" charset="-120"/>
+              </a:rPr>
+              <a:t>Hrs Saved</a:t>
+            </a:r>
+            <a:endParaRPr lang="en-US" sz="600" dirty="0"/>
+          </a:p>
+        </p:txBody>
+      </p:sp>
+      <p:sp>
+        <p:nvSpPr>
+          <p:cNvPr id="61" name="Shape 54"/>
+          <p:cNvSpPr/>
+          <p:nvPr/>
+        </p:nvSpPr>
+        <p:spPr>
+          <a:xfrm>
+            <a:off x="5486400" y="2157984"/>
+            <a:ext cx="3337560" cy="155448"/>
           </a:xfrm>
           <a:prstGeom prst="rect">
             <a:avLst/>
@@ -2611,14 +2830,14 @@
       </p:sp>
       <p:sp>
         <p:nvSpPr>
-          <p:cNvPr id="56" name="Text 54"/>
-          <p:cNvSpPr/>
-          <p:nvPr/>
-        </p:nvSpPr>
-        <p:spPr>
-          <a:xfrm>
-            <a:off x="5468112" y="2322576"/>
-            <a:ext cx="2103120" cy="146304"/>
+          <p:cNvPr id="62" name="Text 55"/>
+          <p:cNvSpPr/>
+          <p:nvPr/>
+        </p:nvSpPr>
+        <p:spPr>
+          <a:xfrm>
+            <a:off x="5559552" y="2157984"/>
+            <a:ext cx="1371600" cy="155448"/>
           </a:xfrm>
           <a:prstGeom prst="rect">
             <a:avLst/>
@@ -2634,7 +2853,7 @@
               <a:buNone/>
             </a:pPr>
             <a:r>
-              <a:rPr lang="en-US" sz="650" dirty="0">
+              <a:rPr lang="en-US" sz="600" dirty="0">
                 <a:solidFill>
                   <a:srgbClr val="1E293B"/>
                 </a:solidFill>
@@ -2642,22 +2861,516 @@
                 <a:ea typeface="Calibri" pitchFamily="34" charset="-122"/>
                 <a:cs typeface="Calibri" pitchFamily="34" charset="-120"/>
               </a:rPr>
+              <a:t>Access Mgmt - ITRD</a:t>
+            </a:r>
+            <a:endParaRPr lang="en-US" sz="600" dirty="0"/>
+          </a:p>
+        </p:txBody>
+      </p:sp>
+      <p:sp>
+        <p:nvSpPr>
+          <p:cNvPr id="63" name="Shape 56"/>
+          <p:cNvSpPr/>
+          <p:nvPr/>
+        </p:nvSpPr>
+        <p:spPr>
+          <a:xfrm>
+            <a:off x="6949440" y="2203704"/>
+            <a:ext cx="502920" cy="64008"/>
+          </a:xfrm>
+          <a:prstGeom prst="rect">
+            <a:avLst/>
+          </a:prstGeom>
+          <a:solidFill>
+            <a:srgbClr val="E2E8F0"/>
+          </a:solidFill>
+          <a:ln/>
+        </p:spPr>
+      </p:sp>
+      <p:sp>
+        <p:nvSpPr>
+          <p:cNvPr id="64" name="Shape 57"/>
+          <p:cNvSpPr/>
+          <p:nvPr/>
+        </p:nvSpPr>
+        <p:spPr>
+          <a:xfrm>
+            <a:off x="6949440" y="2203704"/>
+            <a:ext cx="502920" cy="64008"/>
+          </a:xfrm>
+          <a:prstGeom prst="rect">
+            <a:avLst/>
+          </a:prstGeom>
+          <a:solidFill>
+            <a:srgbClr val="16A34A"/>
+          </a:solidFill>
+          <a:ln/>
+        </p:spPr>
+      </p:sp>
+      <p:sp>
+        <p:nvSpPr>
+          <p:cNvPr id="65" name="Shape 58"/>
+          <p:cNvSpPr/>
+          <p:nvPr/>
+        </p:nvSpPr>
+        <p:spPr>
+          <a:xfrm>
+            <a:off x="7571232" y="2203704"/>
+            <a:ext cx="731520" cy="64008"/>
+          </a:xfrm>
+          <a:prstGeom prst="rect">
+            <a:avLst/>
+          </a:prstGeom>
+          <a:solidFill>
+            <a:srgbClr val="DCFCE7"/>
+          </a:solidFill>
+          <a:ln/>
+        </p:spPr>
+      </p:sp>
+      <p:sp>
+        <p:nvSpPr>
+          <p:cNvPr id="66" name="Shape 59"/>
+          <p:cNvSpPr/>
+          <p:nvPr/>
+        </p:nvSpPr>
+        <p:spPr>
+          <a:xfrm>
+            <a:off x="7571232" y="2203704"/>
+            <a:ext cx="731520" cy="64008"/>
+          </a:xfrm>
+          <a:prstGeom prst="rect">
+            <a:avLst/>
+          </a:prstGeom>
+          <a:solidFill>
+            <a:srgbClr val="16A34A"/>
+          </a:solidFill>
+          <a:ln/>
+        </p:spPr>
+      </p:sp>
+      <p:sp>
+        <p:nvSpPr>
+          <p:cNvPr id="67" name="Text 60"/>
+          <p:cNvSpPr/>
+          <p:nvPr/>
+        </p:nvSpPr>
+        <p:spPr>
+          <a:xfrm>
+            <a:off x="8321040" y="2157984"/>
+            <a:ext cx="457200" cy="155448"/>
+          </a:xfrm>
+          <a:prstGeom prst="rect">
+            <a:avLst/>
+          </a:prstGeom>
+          <a:noFill/>
+          <a:ln/>
+        </p:spPr>
+        <p:txBody>
+          <a:bodyPr wrap="square" lIns="0" tIns="0" rIns="0" bIns="0" rtlCol="0" anchor="ctr"/>
+          <a:lstStyle/>
+          <a:p>
+            <a:pPr indent="0" marL="0">
+              <a:buNone/>
+            </a:pPr>
+            <a:r>
+              <a:rPr lang="en-US" sz="550" b="1" dirty="0">
+                <a:solidFill>
+                  <a:srgbClr val="16A34A"/>
+                </a:solidFill>
+                <a:latin typeface="Calibri" pitchFamily="34" charset="0"/>
+                <a:ea typeface="Calibri" pitchFamily="34" charset="-122"/>
+                <a:cs typeface="Calibri" pitchFamily="34" charset="-120"/>
+              </a:rPr>
+              <a:t>3000h</a:t>
+            </a:r>
+            <a:endParaRPr lang="en-US" sz="550" dirty="0"/>
+          </a:p>
+        </p:txBody>
+      </p:sp>
+      <p:sp>
+        <p:nvSpPr>
+          <p:cNvPr id="68" name="Text 61"/>
+          <p:cNvSpPr/>
+          <p:nvPr/>
+        </p:nvSpPr>
+        <p:spPr>
+          <a:xfrm>
+            <a:off x="5559552" y="2313432"/>
+            <a:ext cx="1371600" cy="155448"/>
+          </a:xfrm>
+          <a:prstGeom prst="rect">
+            <a:avLst/>
+          </a:prstGeom>
+          <a:noFill/>
+          <a:ln/>
+        </p:spPr>
+        <p:txBody>
+          <a:bodyPr wrap="square" lIns="0" tIns="0" rIns="0" bIns="0" rtlCol="0" anchor="ctr"/>
+          <a:lstStyle/>
+          <a:p>
+            <a:pPr indent="0" marL="0">
+              <a:buNone/>
+            </a:pPr>
+            <a:r>
+              <a:rPr lang="en-US" sz="600" dirty="0">
+                <a:solidFill>
+                  <a:srgbClr val="1E293B"/>
+                </a:solidFill>
+                <a:latin typeface="Calibri" pitchFamily="34" charset="0"/>
+                <a:ea typeface="Calibri" pitchFamily="34" charset="-122"/>
+                <a:cs typeface="Calibri" pitchFamily="34" charset="-120"/>
+              </a:rPr>
+              <a:t>AQUA Clean Up Tool</a:t>
+            </a:r>
+            <a:endParaRPr lang="en-US" sz="600" dirty="0"/>
+          </a:p>
+        </p:txBody>
+      </p:sp>
+      <p:sp>
+        <p:nvSpPr>
+          <p:cNvPr id="69" name="Shape 62"/>
+          <p:cNvSpPr/>
+          <p:nvPr/>
+        </p:nvSpPr>
+        <p:spPr>
+          <a:xfrm>
+            <a:off x="6949440" y="2359152"/>
+            <a:ext cx="502920" cy="64008"/>
+          </a:xfrm>
+          <a:prstGeom prst="rect">
+            <a:avLst/>
+          </a:prstGeom>
+          <a:solidFill>
+            <a:srgbClr val="E2E8F0"/>
+          </a:solidFill>
+          <a:ln/>
+        </p:spPr>
+      </p:sp>
+      <p:sp>
+        <p:nvSpPr>
+          <p:cNvPr id="70" name="Shape 63"/>
+          <p:cNvSpPr/>
+          <p:nvPr/>
+        </p:nvSpPr>
+        <p:spPr>
+          <a:xfrm>
+            <a:off x="6949440" y="2359152"/>
+            <a:ext cx="502920" cy="64008"/>
+          </a:xfrm>
+          <a:prstGeom prst="rect">
+            <a:avLst/>
+          </a:prstGeom>
+          <a:solidFill>
+            <a:srgbClr val="16A34A"/>
+          </a:solidFill>
+          <a:ln/>
+        </p:spPr>
+      </p:sp>
+      <p:sp>
+        <p:nvSpPr>
+          <p:cNvPr id="71" name="Shape 64"/>
+          <p:cNvSpPr/>
+          <p:nvPr/>
+        </p:nvSpPr>
+        <p:spPr>
+          <a:xfrm>
+            <a:off x="7571232" y="2359152"/>
+            <a:ext cx="731520" cy="64008"/>
+          </a:xfrm>
+          <a:prstGeom prst="rect">
+            <a:avLst/>
+          </a:prstGeom>
+          <a:solidFill>
+            <a:srgbClr val="DCFCE7"/>
+          </a:solidFill>
+          <a:ln/>
+        </p:spPr>
+      </p:sp>
+      <p:sp>
+        <p:nvSpPr>
+          <p:cNvPr id="72" name="Shape 65"/>
+          <p:cNvSpPr/>
+          <p:nvPr/>
+        </p:nvSpPr>
+        <p:spPr>
+          <a:xfrm>
+            <a:off x="7571232" y="2359152"/>
+            <a:ext cx="50719" cy="64008"/>
+          </a:xfrm>
+          <a:prstGeom prst="rect">
+            <a:avLst/>
+          </a:prstGeom>
+          <a:solidFill>
+            <a:srgbClr val="16A34A"/>
+          </a:solidFill>
+          <a:ln/>
+        </p:spPr>
+      </p:sp>
+      <p:sp>
+        <p:nvSpPr>
+          <p:cNvPr id="73" name="Text 66"/>
+          <p:cNvSpPr/>
+          <p:nvPr/>
+        </p:nvSpPr>
+        <p:spPr>
+          <a:xfrm>
+            <a:off x="8321040" y="2313432"/>
+            <a:ext cx="457200" cy="155448"/>
+          </a:xfrm>
+          <a:prstGeom prst="rect">
+            <a:avLst/>
+          </a:prstGeom>
+          <a:noFill/>
+          <a:ln/>
+        </p:spPr>
+        <p:txBody>
+          <a:bodyPr wrap="square" lIns="0" tIns="0" rIns="0" bIns="0" rtlCol="0" anchor="ctr"/>
+          <a:lstStyle/>
+          <a:p>
+            <a:pPr indent="0" marL="0">
+              <a:buNone/>
+            </a:pPr>
+            <a:r>
+              <a:rPr lang="en-US" sz="550" b="1" dirty="0">
+                <a:solidFill>
+                  <a:srgbClr val="16A34A"/>
+                </a:solidFill>
+                <a:latin typeface="Calibri" pitchFamily="34" charset="0"/>
+                <a:ea typeface="Calibri" pitchFamily="34" charset="-122"/>
+                <a:cs typeface="Calibri" pitchFamily="34" charset="-120"/>
+              </a:rPr>
+              <a:t>208h</a:t>
+            </a:r>
+            <a:endParaRPr lang="en-US" sz="550" dirty="0"/>
+          </a:p>
+        </p:txBody>
+      </p:sp>
+      <p:sp>
+        <p:nvSpPr>
+          <p:cNvPr id="74" name="Shape 67"/>
+          <p:cNvSpPr/>
+          <p:nvPr/>
+        </p:nvSpPr>
+        <p:spPr>
+          <a:xfrm>
+            <a:off x="5486400" y="2468880"/>
+            <a:ext cx="3337560" cy="155448"/>
+          </a:xfrm>
+          <a:prstGeom prst="rect">
+            <a:avLst/>
+          </a:prstGeom>
+          <a:solidFill>
+            <a:srgbClr val="F8FAFC"/>
+          </a:solidFill>
+          <a:ln/>
+        </p:spPr>
+      </p:sp>
+      <p:sp>
+        <p:nvSpPr>
+          <p:cNvPr id="75" name="Text 68"/>
+          <p:cNvSpPr/>
+          <p:nvPr/>
+        </p:nvSpPr>
+        <p:spPr>
+          <a:xfrm>
+            <a:off x="5559552" y="2468880"/>
+            <a:ext cx="1371600" cy="155448"/>
+          </a:xfrm>
+          <a:prstGeom prst="rect">
+            <a:avLst/>
+          </a:prstGeom>
+          <a:noFill/>
+          <a:ln/>
+        </p:spPr>
+        <p:txBody>
+          <a:bodyPr wrap="square" lIns="0" tIns="0" rIns="0" bIns="0" rtlCol="0" anchor="ctr"/>
+          <a:lstStyle/>
+          <a:p>
+            <a:pPr indent="0" marL="0">
+              <a:buNone/>
+            </a:pPr>
+            <a:r>
+              <a:rPr lang="en-US" sz="600" dirty="0">
+                <a:solidFill>
+                  <a:srgbClr val="1E293B"/>
+                </a:solidFill>
+                <a:latin typeface="Calibri" pitchFamily="34" charset="0"/>
+                <a:ea typeface="Calibri" pitchFamily="34" charset="-122"/>
+                <a:cs typeface="Calibri" pitchFamily="34" charset="-120"/>
+              </a:rPr>
+              <a:t>EIW Downstream</a:t>
+            </a:r>
+            <a:endParaRPr lang="en-US" sz="600" dirty="0"/>
+          </a:p>
+        </p:txBody>
+      </p:sp>
+      <p:sp>
+        <p:nvSpPr>
+          <p:cNvPr id="76" name="Shape 69"/>
+          <p:cNvSpPr/>
+          <p:nvPr/>
+        </p:nvSpPr>
+        <p:spPr>
+          <a:xfrm>
+            <a:off x="6949440" y="2514600"/>
+            <a:ext cx="502920" cy="64008"/>
+          </a:xfrm>
+          <a:prstGeom prst="rect">
+            <a:avLst/>
+          </a:prstGeom>
+          <a:solidFill>
+            <a:srgbClr val="E2E8F0"/>
+          </a:solidFill>
+          <a:ln/>
+        </p:spPr>
+      </p:sp>
+      <p:sp>
+        <p:nvSpPr>
+          <p:cNvPr id="77" name="Shape 70"/>
+          <p:cNvSpPr/>
+          <p:nvPr/>
+        </p:nvSpPr>
+        <p:spPr>
+          <a:xfrm>
+            <a:off x="6949440" y="2514600"/>
+            <a:ext cx="502920" cy="64008"/>
+          </a:xfrm>
+          <a:prstGeom prst="rect">
+            <a:avLst/>
+          </a:prstGeom>
+          <a:solidFill>
+            <a:srgbClr val="16A34A"/>
+          </a:solidFill>
+          <a:ln/>
+        </p:spPr>
+      </p:sp>
+      <p:sp>
+        <p:nvSpPr>
+          <p:cNvPr id="78" name="Shape 71"/>
+          <p:cNvSpPr/>
+          <p:nvPr/>
+        </p:nvSpPr>
+        <p:spPr>
+          <a:xfrm>
+            <a:off x="7571232" y="2514600"/>
+            <a:ext cx="731520" cy="64008"/>
+          </a:xfrm>
+          <a:prstGeom prst="rect">
+            <a:avLst/>
+          </a:prstGeom>
+          <a:solidFill>
+            <a:srgbClr val="DCFCE7"/>
+          </a:solidFill>
+          <a:ln/>
+        </p:spPr>
+      </p:sp>
+      <p:sp>
+        <p:nvSpPr>
+          <p:cNvPr id="79" name="Shape 72"/>
+          <p:cNvSpPr/>
+          <p:nvPr/>
+        </p:nvSpPr>
+        <p:spPr>
+          <a:xfrm>
+            <a:off x="7571232" y="2514600"/>
+            <a:ext cx="24384" cy="64008"/>
+          </a:xfrm>
+          <a:prstGeom prst="rect">
+            <a:avLst/>
+          </a:prstGeom>
+          <a:solidFill>
+            <a:srgbClr val="16A34A"/>
+          </a:solidFill>
+          <a:ln/>
+        </p:spPr>
+      </p:sp>
+      <p:sp>
+        <p:nvSpPr>
+          <p:cNvPr id="80" name="Text 73"/>
+          <p:cNvSpPr/>
+          <p:nvPr/>
+        </p:nvSpPr>
+        <p:spPr>
+          <a:xfrm>
+            <a:off x="8321040" y="2468880"/>
+            <a:ext cx="457200" cy="155448"/>
+          </a:xfrm>
+          <a:prstGeom prst="rect">
+            <a:avLst/>
+          </a:prstGeom>
+          <a:noFill/>
+          <a:ln/>
+        </p:spPr>
+        <p:txBody>
+          <a:bodyPr wrap="square" lIns="0" tIns="0" rIns="0" bIns="0" rtlCol="0" anchor="ctr"/>
+          <a:lstStyle/>
+          <a:p>
+            <a:pPr indent="0" marL="0">
+              <a:buNone/>
+            </a:pPr>
+            <a:r>
+              <a:rPr lang="en-US" sz="550" b="1" dirty="0">
+                <a:solidFill>
+                  <a:srgbClr val="16A34A"/>
+                </a:solidFill>
+                <a:latin typeface="Calibri" pitchFamily="34" charset="0"/>
+                <a:ea typeface="Calibri" pitchFamily="34" charset="-122"/>
+                <a:cs typeface="Calibri" pitchFamily="34" charset="-120"/>
+              </a:rPr>
+              <a:t>100h</a:t>
+            </a:r>
+            <a:endParaRPr lang="en-US" sz="550" dirty="0"/>
+          </a:p>
+        </p:txBody>
+      </p:sp>
+      <p:sp>
+        <p:nvSpPr>
+          <p:cNvPr id="81" name="Text 74"/>
+          <p:cNvSpPr/>
+          <p:nvPr/>
+        </p:nvSpPr>
+        <p:spPr>
+          <a:xfrm>
+            <a:off x="5559552" y="2624328"/>
+            <a:ext cx="1371600" cy="155448"/>
+          </a:xfrm>
+          <a:prstGeom prst="rect">
+            <a:avLst/>
+          </a:prstGeom>
+          <a:noFill/>
+          <a:ln/>
+        </p:spPr>
+        <p:txBody>
+          <a:bodyPr wrap="square" lIns="0" tIns="0" rIns="0" bIns="0" rtlCol="0" anchor="ctr"/>
+          <a:lstStyle/>
+          <a:p>
+            <a:pPr indent="0" marL="0">
+              <a:buNone/>
+            </a:pPr>
+            <a:r>
+              <a:rPr lang="en-US" sz="600" dirty="0">
+                <a:solidFill>
+                  <a:srgbClr val="1E293B"/>
+                </a:solidFill>
+                <a:latin typeface="Calibri" pitchFamily="34" charset="0"/>
+                <a:ea typeface="Calibri" pitchFamily="34" charset="-122"/>
+                <a:cs typeface="Calibri" pitchFamily="34" charset="-120"/>
+              </a:rPr>
               <a:t>XML Comparison Tool</a:t>
             </a:r>
-            <a:endParaRPr lang="en-US" sz="650" dirty="0"/>
-          </a:p>
-        </p:txBody>
-      </p:sp>
-      <p:sp>
-        <p:nvSpPr>
-          <p:cNvPr id="57" name="Shape 55"/>
-          <p:cNvSpPr/>
-          <p:nvPr/>
-        </p:nvSpPr>
-        <p:spPr>
-          <a:xfrm>
-            <a:off x="7607808" y="2363724"/>
-            <a:ext cx="548640" cy="64008"/>
+            <a:endParaRPr lang="en-US" sz="600" dirty="0"/>
+          </a:p>
+        </p:txBody>
+      </p:sp>
+      <p:sp>
+        <p:nvSpPr>
+          <p:cNvPr id="82" name="Shape 75"/>
+          <p:cNvSpPr/>
+          <p:nvPr/>
+        </p:nvSpPr>
+        <p:spPr>
+          <a:xfrm>
+            <a:off x="6949440" y="2670048"/>
+            <a:ext cx="502920" cy="64008"/>
           </a:xfrm>
           <a:prstGeom prst="rect">
             <a:avLst/>
@@ -2670,14 +3383,14 @@
       </p:sp>
       <p:sp>
         <p:nvSpPr>
-          <p:cNvPr id="58" name="Shape 56"/>
-          <p:cNvSpPr/>
-          <p:nvPr/>
-        </p:nvSpPr>
-        <p:spPr>
-          <a:xfrm>
-            <a:off x="7607808" y="2363724"/>
-            <a:ext cx="548640" cy="64008"/>
+          <p:cNvPr id="83" name="Shape 76"/>
+          <p:cNvSpPr/>
+          <p:nvPr/>
+        </p:nvSpPr>
+        <p:spPr>
+          <a:xfrm>
+            <a:off x="6949440" y="2670048"/>
+            <a:ext cx="502920" cy="64008"/>
           </a:xfrm>
           <a:prstGeom prst="rect">
             <a:avLst/>
@@ -2690,30 +3403,70 @@
       </p:sp>
       <p:sp>
         <p:nvSpPr>
-          <p:cNvPr id="59" name="Text 57"/>
-          <p:cNvSpPr/>
-          <p:nvPr/>
-        </p:nvSpPr>
-        <p:spPr>
-          <a:xfrm>
-            <a:off x="8183880" y="2322576"/>
-            <a:ext cx="594360" cy="146304"/>
-          </a:xfrm>
-          <a:prstGeom prst="rect">
-            <a:avLst/>
-          </a:prstGeom>
-          <a:noFill/>
-          <a:ln/>
-        </p:spPr>
-        <p:txBody>
-          <a:bodyPr wrap="square" lIns="0" tIns="0" rIns="0" bIns="0" rtlCol="0" anchor="ctr"/>
-          <a:lstStyle/>
-          <a:p>
-            <a:pPr algn="r" indent="0" marL="0">
-              <a:buNone/>
-            </a:pPr>
-            <a:r>
-              <a:rPr lang="en-US" sz="600" b="1" dirty="0">
+          <p:cNvPr id="84" name="Shape 77"/>
+          <p:cNvSpPr/>
+          <p:nvPr/>
+        </p:nvSpPr>
+        <p:spPr>
+          <a:xfrm>
+            <a:off x="7571232" y="2670048"/>
+            <a:ext cx="731520" cy="64008"/>
+          </a:xfrm>
+          <a:prstGeom prst="rect">
+            <a:avLst/>
+          </a:prstGeom>
+          <a:solidFill>
+            <a:srgbClr val="DCFCE7"/>
+          </a:solidFill>
+          <a:ln/>
+        </p:spPr>
+      </p:sp>
+      <p:sp>
+        <p:nvSpPr>
+          <p:cNvPr id="85" name="Shape 78"/>
+          <p:cNvSpPr/>
+          <p:nvPr/>
+        </p:nvSpPr>
+        <p:spPr>
+          <a:xfrm>
+            <a:off x="7571232" y="2670048"/>
+            <a:ext cx="12192" cy="64008"/>
+          </a:xfrm>
+          <a:prstGeom prst="rect">
+            <a:avLst/>
+          </a:prstGeom>
+          <a:solidFill>
+            <a:srgbClr val="16A34A"/>
+          </a:solidFill>
+          <a:ln/>
+        </p:spPr>
+      </p:sp>
+      <p:sp>
+        <p:nvSpPr>
+          <p:cNvPr id="86" name="Text 79"/>
+          <p:cNvSpPr/>
+          <p:nvPr/>
+        </p:nvSpPr>
+        <p:spPr>
+          <a:xfrm>
+            <a:off x="8321040" y="2624328"/>
+            <a:ext cx="457200" cy="155448"/>
+          </a:xfrm>
+          <a:prstGeom prst="rect">
+            <a:avLst/>
+          </a:prstGeom>
+          <a:noFill/>
+          <a:ln/>
+        </p:spPr>
+        <p:txBody>
+          <a:bodyPr wrap="square" lIns="0" tIns="0" rIns="0" bIns="0" rtlCol="0" anchor="ctr"/>
+          <a:lstStyle/>
+          <a:p>
+            <a:pPr indent="0" marL="0">
+              <a:buNone/>
+            </a:pPr>
+            <a:r>
+              <a:rPr lang="en-US" sz="550" b="1" dirty="0">
                 <a:solidFill>
                   <a:srgbClr val="16A34A"/>
                 </a:solidFill>
@@ -2721,7 +3474,66 @@
                 <a:ea typeface="Calibri" pitchFamily="34" charset="-122"/>
                 <a:cs typeface="Calibri" pitchFamily="34" charset="-120"/>
               </a:rPr>
-              <a:t>100%</a:t>
+              <a:t>50h</a:t>
+            </a:r>
+            <a:endParaRPr lang="en-US" sz="550" dirty="0"/>
+          </a:p>
+        </p:txBody>
+      </p:sp>
+      <p:sp>
+        <p:nvSpPr>
+          <p:cNvPr id="87" name="Shape 80"/>
+          <p:cNvSpPr/>
+          <p:nvPr/>
+        </p:nvSpPr>
+        <p:spPr>
+          <a:xfrm>
+            <a:off x="5486400" y="2779776"/>
+            <a:ext cx="3337560" cy="155448"/>
+          </a:xfrm>
+          <a:prstGeom prst="rect">
+            <a:avLst/>
+          </a:prstGeom>
+          <a:solidFill>
+            <a:srgbClr val="F8FAFC"/>
+          </a:solidFill>
+          <a:ln/>
+        </p:spPr>
+      </p:sp>
+      <p:sp>
+        <p:nvSpPr>
+          <p:cNvPr id="88" name="Text 81"/>
+          <p:cNvSpPr/>
+          <p:nvPr/>
+        </p:nvSpPr>
+        <p:spPr>
+          <a:xfrm>
+            <a:off x="5559552" y="2779776"/>
+            <a:ext cx="1371600" cy="155448"/>
+          </a:xfrm>
+          <a:prstGeom prst="rect">
+            <a:avLst/>
+          </a:prstGeom>
+          <a:noFill/>
+          <a:ln/>
+        </p:spPr>
+        <p:txBody>
+          <a:bodyPr wrap="square" lIns="0" tIns="0" rIns="0" bIns="0" rtlCol="0" anchor="ctr"/>
+          <a:lstStyle/>
+          <a:p>
+            <a:pPr indent="0" marL="0">
+              <a:buNone/>
+            </a:pPr>
+            <a:r>
+              <a:rPr lang="en-US" sz="600" dirty="0">
+                <a:solidFill>
+                  <a:srgbClr val="1E293B"/>
+                </a:solidFill>
+                <a:latin typeface="Calibri" pitchFamily="34" charset="0"/>
+                <a:ea typeface="Calibri" pitchFamily="34" charset="-122"/>
+                <a:cs typeface="Calibri" pitchFamily="34" charset="-120"/>
+              </a:rPr>
+              <a:t>Easy Test Tool</a:t>
             </a:r>
             <a:endParaRPr lang="en-US" sz="600" dirty="0"/>
           </a:p>
@@ -2729,14 +3541,94 @@
       </p:sp>
       <p:sp>
         <p:nvSpPr>
-          <p:cNvPr id="60" name="Text 58"/>
-          <p:cNvSpPr/>
-          <p:nvPr/>
-        </p:nvSpPr>
-        <p:spPr>
-          <a:xfrm>
-            <a:off x="5468112" y="2468880"/>
-            <a:ext cx="2103120" cy="146304"/>
+          <p:cNvPr id="89" name="Shape 82"/>
+          <p:cNvSpPr/>
+          <p:nvPr/>
+        </p:nvSpPr>
+        <p:spPr>
+          <a:xfrm>
+            <a:off x="6949440" y="2825496"/>
+            <a:ext cx="502920" cy="64008"/>
+          </a:xfrm>
+          <a:prstGeom prst="rect">
+            <a:avLst/>
+          </a:prstGeom>
+          <a:solidFill>
+            <a:srgbClr val="E2E8F0"/>
+          </a:solidFill>
+          <a:ln/>
+        </p:spPr>
+      </p:sp>
+      <p:sp>
+        <p:nvSpPr>
+          <p:cNvPr id="90" name="Shape 83"/>
+          <p:cNvSpPr/>
+          <p:nvPr/>
+        </p:nvSpPr>
+        <p:spPr>
+          <a:xfrm>
+            <a:off x="6949440" y="2825496"/>
+            <a:ext cx="502920" cy="64008"/>
+          </a:xfrm>
+          <a:prstGeom prst="rect">
+            <a:avLst/>
+          </a:prstGeom>
+          <a:solidFill>
+            <a:srgbClr val="16A34A"/>
+          </a:solidFill>
+          <a:ln/>
+        </p:spPr>
+      </p:sp>
+      <p:sp>
+        <p:nvSpPr>
+          <p:cNvPr id="91" name="Shape 84"/>
+          <p:cNvSpPr/>
+          <p:nvPr/>
+        </p:nvSpPr>
+        <p:spPr>
+          <a:xfrm>
+            <a:off x="7571232" y="2825496"/>
+            <a:ext cx="731520" cy="64008"/>
+          </a:xfrm>
+          <a:prstGeom prst="rect">
+            <a:avLst/>
+          </a:prstGeom>
+          <a:solidFill>
+            <a:srgbClr val="DCFCE7"/>
+          </a:solidFill>
+          <a:ln/>
+        </p:spPr>
+      </p:sp>
+      <p:sp>
+        <p:nvSpPr>
+          <p:cNvPr id="92" name="Shape 85"/>
+          <p:cNvSpPr/>
+          <p:nvPr/>
+        </p:nvSpPr>
+        <p:spPr>
+          <a:xfrm>
+            <a:off x="7571232" y="2825496"/>
+            <a:ext cx="9754" cy="64008"/>
+          </a:xfrm>
+          <a:prstGeom prst="rect">
+            <a:avLst/>
+          </a:prstGeom>
+          <a:solidFill>
+            <a:srgbClr val="16A34A"/>
+          </a:solidFill>
+          <a:ln/>
+        </p:spPr>
+      </p:sp>
+      <p:sp>
+        <p:nvSpPr>
+          <p:cNvPr id="93" name="Text 86"/>
+          <p:cNvSpPr/>
+          <p:nvPr/>
+        </p:nvSpPr>
+        <p:spPr>
+          <a:xfrm>
+            <a:off x="8321040" y="2779776"/>
+            <a:ext cx="457200" cy="155448"/>
           </a:xfrm>
           <a:prstGeom prst="rect">
             <a:avLst/>
@@ -2752,7 +3644,46 @@
               <a:buNone/>
             </a:pPr>
             <a:r>
-              <a:rPr lang="en-US" sz="650" dirty="0">
+              <a:rPr lang="en-US" sz="550" b="1" dirty="0">
+                <a:solidFill>
+                  <a:srgbClr val="16A34A"/>
+                </a:solidFill>
+                <a:latin typeface="Calibri" pitchFamily="34" charset="0"/>
+                <a:ea typeface="Calibri" pitchFamily="34" charset="-122"/>
+                <a:cs typeface="Calibri" pitchFamily="34" charset="-120"/>
+              </a:rPr>
+              <a:t>40h</a:t>
+            </a:r>
+            <a:endParaRPr lang="en-US" sz="550" dirty="0"/>
+          </a:p>
+        </p:txBody>
+      </p:sp>
+      <p:sp>
+        <p:nvSpPr>
+          <p:cNvPr id="94" name="Text 87"/>
+          <p:cNvSpPr/>
+          <p:nvPr/>
+        </p:nvSpPr>
+        <p:spPr>
+          <a:xfrm>
+            <a:off x="5559552" y="2935224"/>
+            <a:ext cx="1371600" cy="155448"/>
+          </a:xfrm>
+          <a:prstGeom prst="rect">
+            <a:avLst/>
+          </a:prstGeom>
+          <a:noFill/>
+          <a:ln/>
+        </p:spPr>
+        <p:txBody>
+          <a:bodyPr wrap="square" lIns="0" tIns="0" rIns="0" bIns="0" rtlCol="0" anchor="ctr"/>
+          <a:lstStyle/>
+          <a:p>
+            <a:pPr indent="0" marL="0">
+              <a:buNone/>
+            </a:pPr>
+            <a:r>
+              <a:rPr lang="en-US" sz="600" dirty="0">
                 <a:solidFill>
                   <a:srgbClr val="1E293B"/>
                 </a:solidFill>
@@ -2760,22 +3691,22 @@
                 <a:ea typeface="Calibri" pitchFamily="34" charset="-122"/>
                 <a:cs typeface="Calibri" pitchFamily="34" charset="-120"/>
               </a:rPr>
-              <a:t>Metrics Logging Utility</a:t>
-            </a:r>
-            <a:endParaRPr lang="en-US" sz="650" dirty="0"/>
-          </a:p>
-        </p:txBody>
-      </p:sp>
-      <p:sp>
-        <p:nvSpPr>
-          <p:cNvPr id="61" name="Shape 59"/>
-          <p:cNvSpPr/>
-          <p:nvPr/>
-        </p:nvSpPr>
-        <p:spPr>
-          <a:xfrm>
-            <a:off x="7607808" y="2510028"/>
-            <a:ext cx="548640" cy="64008"/>
+              <a:t>Octane Migration</a:t>
+            </a:r>
+            <a:endParaRPr lang="en-US" sz="600" dirty="0"/>
+          </a:p>
+        </p:txBody>
+      </p:sp>
+      <p:sp>
+        <p:nvSpPr>
+          <p:cNvPr id="95" name="Shape 88"/>
+          <p:cNvSpPr/>
+          <p:nvPr/>
+        </p:nvSpPr>
+        <p:spPr>
+          <a:xfrm>
+            <a:off x="6949440" y="2980944"/>
+            <a:ext cx="502920" cy="64008"/>
           </a:xfrm>
           <a:prstGeom prst="rect">
             <a:avLst/>
@@ -2788,14 +3719,14 @@
       </p:sp>
       <p:sp>
         <p:nvSpPr>
-          <p:cNvPr id="62" name="Shape 60"/>
-          <p:cNvSpPr/>
-          <p:nvPr/>
-        </p:nvSpPr>
-        <p:spPr>
-          <a:xfrm>
-            <a:off x="7607808" y="2510028"/>
-            <a:ext cx="548640" cy="64008"/>
+          <p:cNvPr id="96" name="Shape 89"/>
+          <p:cNvSpPr/>
+          <p:nvPr/>
+        </p:nvSpPr>
+        <p:spPr>
+          <a:xfrm>
+            <a:off x="6949440" y="2980944"/>
+            <a:ext cx="502920" cy="64008"/>
           </a:xfrm>
           <a:prstGeom prst="rect">
             <a:avLst/>
@@ -2808,30 +3739,70 @@
       </p:sp>
       <p:sp>
         <p:nvSpPr>
-          <p:cNvPr id="63" name="Text 61"/>
-          <p:cNvSpPr/>
-          <p:nvPr/>
-        </p:nvSpPr>
-        <p:spPr>
-          <a:xfrm>
-            <a:off x="8183880" y="2468880"/>
-            <a:ext cx="594360" cy="146304"/>
-          </a:xfrm>
-          <a:prstGeom prst="rect">
-            <a:avLst/>
-          </a:prstGeom>
-          <a:noFill/>
-          <a:ln/>
-        </p:spPr>
-        <p:txBody>
-          <a:bodyPr wrap="square" lIns="0" tIns="0" rIns="0" bIns="0" rtlCol="0" anchor="ctr"/>
-          <a:lstStyle/>
-          <a:p>
-            <a:pPr algn="r" indent="0" marL="0">
-              <a:buNone/>
-            </a:pPr>
-            <a:r>
-              <a:rPr lang="en-US" sz="600" b="1" dirty="0">
+          <p:cNvPr id="97" name="Shape 90"/>
+          <p:cNvSpPr/>
+          <p:nvPr/>
+        </p:nvSpPr>
+        <p:spPr>
+          <a:xfrm>
+            <a:off x="7571232" y="2980944"/>
+            <a:ext cx="731520" cy="64008"/>
+          </a:xfrm>
+          <a:prstGeom prst="rect">
+            <a:avLst/>
+          </a:prstGeom>
+          <a:solidFill>
+            <a:srgbClr val="DCFCE7"/>
+          </a:solidFill>
+          <a:ln/>
+        </p:spPr>
+      </p:sp>
+      <p:sp>
+        <p:nvSpPr>
+          <p:cNvPr id="98" name="Shape 91"/>
+          <p:cNvSpPr/>
+          <p:nvPr/>
+        </p:nvSpPr>
+        <p:spPr>
+          <a:xfrm>
+            <a:off x="7571232" y="2980944"/>
+            <a:ext cx="9754" cy="64008"/>
+          </a:xfrm>
+          <a:prstGeom prst="rect">
+            <a:avLst/>
+          </a:prstGeom>
+          <a:solidFill>
+            <a:srgbClr val="16A34A"/>
+          </a:solidFill>
+          <a:ln/>
+        </p:spPr>
+      </p:sp>
+      <p:sp>
+        <p:nvSpPr>
+          <p:cNvPr id="99" name="Text 92"/>
+          <p:cNvSpPr/>
+          <p:nvPr/>
+        </p:nvSpPr>
+        <p:spPr>
+          <a:xfrm>
+            <a:off x="8321040" y="2935224"/>
+            <a:ext cx="457200" cy="155448"/>
+          </a:xfrm>
+          <a:prstGeom prst="rect">
+            <a:avLst/>
+          </a:prstGeom>
+          <a:noFill/>
+          <a:ln/>
+        </p:spPr>
+        <p:txBody>
+          <a:bodyPr wrap="square" lIns="0" tIns="0" rIns="0" bIns="0" rtlCol="0" anchor="ctr"/>
+          <a:lstStyle/>
+          <a:p>
+            <a:pPr indent="0" marL="0">
+              <a:buNone/>
+            </a:pPr>
+            <a:r>
+              <a:rPr lang="en-US" sz="550" b="1" dirty="0">
                 <a:solidFill>
                   <a:srgbClr val="16A34A"/>
                 </a:solidFill>
@@ -2839,7 +3810,66 @@
                 <a:ea typeface="Calibri" pitchFamily="34" charset="-122"/>
                 <a:cs typeface="Calibri" pitchFamily="34" charset="-120"/>
               </a:rPr>
-              <a:t>100%</a:t>
+              <a:t>40h</a:t>
+            </a:r>
+            <a:endParaRPr lang="en-US" sz="550" dirty="0"/>
+          </a:p>
+        </p:txBody>
+      </p:sp>
+      <p:sp>
+        <p:nvSpPr>
+          <p:cNvPr id="100" name="Shape 93"/>
+          <p:cNvSpPr/>
+          <p:nvPr/>
+        </p:nvSpPr>
+        <p:spPr>
+          <a:xfrm>
+            <a:off x="5486400" y="3090672"/>
+            <a:ext cx="3337560" cy="155448"/>
+          </a:xfrm>
+          <a:prstGeom prst="rect">
+            <a:avLst/>
+          </a:prstGeom>
+          <a:solidFill>
+            <a:srgbClr val="F8FAFC"/>
+          </a:solidFill>
+          <a:ln/>
+        </p:spPr>
+      </p:sp>
+      <p:sp>
+        <p:nvSpPr>
+          <p:cNvPr id="101" name="Text 94"/>
+          <p:cNvSpPr/>
+          <p:nvPr/>
+        </p:nvSpPr>
+        <p:spPr>
+          <a:xfrm>
+            <a:off x="5559552" y="3090672"/>
+            <a:ext cx="1371600" cy="155448"/>
+          </a:xfrm>
+          <a:prstGeom prst="rect">
+            <a:avLst/>
+          </a:prstGeom>
+          <a:noFill/>
+          <a:ln/>
+        </p:spPr>
+        <p:txBody>
+          <a:bodyPr wrap="square" lIns="0" tIns="0" rIns="0" bIns="0" rtlCol="0" anchor="ctr"/>
+          <a:lstStyle/>
+          <a:p>
+            <a:pPr indent="0" marL="0">
+              <a:buNone/>
+            </a:pPr>
+            <a:r>
+              <a:rPr lang="en-US" sz="600" dirty="0">
+                <a:solidFill>
+                  <a:srgbClr val="1E293B"/>
+                </a:solidFill>
+                <a:latin typeface="Calibri" pitchFamily="34" charset="0"/>
+                <a:ea typeface="Calibri" pitchFamily="34" charset="-122"/>
+                <a:cs typeface="Calibri" pitchFamily="34" charset="-120"/>
+              </a:rPr>
+              <a:t>Test Evidence Docs</a:t>
             </a:r>
             <a:endParaRPr lang="en-US" sz="600" dirty="0"/>
           </a:p>
@@ -2847,14 +3877,291 @@
       </p:sp>
       <p:sp>
         <p:nvSpPr>
-          <p:cNvPr id="64" name="Shape 62"/>
-          <p:cNvSpPr/>
-          <p:nvPr/>
-        </p:nvSpPr>
-        <p:spPr>
-          <a:xfrm>
-            <a:off x="5394960" y="2615184"/>
-            <a:ext cx="3429000" cy="146304"/>
+          <p:cNvPr id="102" name="Shape 95"/>
+          <p:cNvSpPr/>
+          <p:nvPr/>
+        </p:nvSpPr>
+        <p:spPr>
+          <a:xfrm>
+            <a:off x="6949440" y="3136392"/>
+            <a:ext cx="502920" cy="64008"/>
+          </a:xfrm>
+          <a:prstGeom prst="rect">
+            <a:avLst/>
+          </a:prstGeom>
+          <a:solidFill>
+            <a:srgbClr val="E2E8F0"/>
+          </a:solidFill>
+          <a:ln/>
+        </p:spPr>
+      </p:sp>
+      <p:sp>
+        <p:nvSpPr>
+          <p:cNvPr id="103" name="Shape 96"/>
+          <p:cNvSpPr/>
+          <p:nvPr/>
+        </p:nvSpPr>
+        <p:spPr>
+          <a:xfrm>
+            <a:off x="6949440" y="3136392"/>
+            <a:ext cx="502920" cy="64008"/>
+          </a:xfrm>
+          <a:prstGeom prst="rect">
+            <a:avLst/>
+          </a:prstGeom>
+          <a:solidFill>
+            <a:srgbClr val="16A34A"/>
+          </a:solidFill>
+          <a:ln/>
+        </p:spPr>
+      </p:sp>
+      <p:sp>
+        <p:nvSpPr>
+          <p:cNvPr id="104" name="Shape 97"/>
+          <p:cNvSpPr/>
+          <p:nvPr/>
+        </p:nvSpPr>
+        <p:spPr>
+          <a:xfrm>
+            <a:off x="7571232" y="3136392"/>
+            <a:ext cx="731520" cy="64008"/>
+          </a:xfrm>
+          <a:prstGeom prst="rect">
+            <a:avLst/>
+          </a:prstGeom>
+          <a:solidFill>
+            <a:srgbClr val="DCFCE7"/>
+          </a:solidFill>
+          <a:ln/>
+        </p:spPr>
+      </p:sp>
+      <p:sp>
+        <p:nvSpPr>
+          <p:cNvPr id="105" name="Shape 98"/>
+          <p:cNvSpPr/>
+          <p:nvPr/>
+        </p:nvSpPr>
+        <p:spPr>
+          <a:xfrm>
+            <a:off x="7571232" y="3136392"/>
+            <a:ext cx="7315" cy="64008"/>
+          </a:xfrm>
+          <a:prstGeom prst="rect">
+            <a:avLst/>
+          </a:prstGeom>
+          <a:solidFill>
+            <a:srgbClr val="16A34A"/>
+          </a:solidFill>
+          <a:ln/>
+        </p:spPr>
+      </p:sp>
+      <p:sp>
+        <p:nvSpPr>
+          <p:cNvPr id="106" name="Text 99"/>
+          <p:cNvSpPr/>
+          <p:nvPr/>
+        </p:nvSpPr>
+        <p:spPr>
+          <a:xfrm>
+            <a:off x="8321040" y="3090672"/>
+            <a:ext cx="457200" cy="155448"/>
+          </a:xfrm>
+          <a:prstGeom prst="rect">
+            <a:avLst/>
+          </a:prstGeom>
+          <a:noFill/>
+          <a:ln/>
+        </p:spPr>
+        <p:txBody>
+          <a:bodyPr wrap="square" lIns="0" tIns="0" rIns="0" bIns="0" rtlCol="0" anchor="ctr"/>
+          <a:lstStyle/>
+          <a:p>
+            <a:pPr indent="0" marL="0">
+              <a:buNone/>
+            </a:pPr>
+            <a:r>
+              <a:rPr lang="en-US" sz="550" b="1" dirty="0">
+                <a:solidFill>
+                  <a:srgbClr val="16A34A"/>
+                </a:solidFill>
+                <a:latin typeface="Calibri" pitchFamily="34" charset="0"/>
+                <a:ea typeface="Calibri" pitchFamily="34" charset="-122"/>
+                <a:cs typeface="Calibri" pitchFamily="34" charset="-120"/>
+              </a:rPr>
+              <a:t>30h</a:t>
+            </a:r>
+            <a:endParaRPr lang="en-US" sz="550" dirty="0"/>
+          </a:p>
+        </p:txBody>
+      </p:sp>
+      <p:sp>
+        <p:nvSpPr>
+          <p:cNvPr id="107" name="Text 100"/>
+          <p:cNvSpPr/>
+          <p:nvPr/>
+        </p:nvSpPr>
+        <p:spPr>
+          <a:xfrm>
+            <a:off x="5559552" y="3246120"/>
+            <a:ext cx="1371600" cy="155448"/>
+          </a:xfrm>
+          <a:prstGeom prst="rect">
+            <a:avLst/>
+          </a:prstGeom>
+          <a:noFill/>
+          <a:ln/>
+        </p:spPr>
+        <p:txBody>
+          <a:bodyPr wrap="square" lIns="0" tIns="0" rIns="0" bIns="0" rtlCol="0" anchor="ctr"/>
+          <a:lstStyle/>
+          <a:p>
+            <a:pPr indent="0" marL="0">
+              <a:buNone/>
+            </a:pPr>
+            <a:r>
+              <a:rPr lang="en-US" sz="600" dirty="0">
+                <a:solidFill>
+                  <a:srgbClr val="1E293B"/>
+                </a:solidFill>
+                <a:latin typeface="Calibri" pitchFamily="34" charset="0"/>
+                <a:ea typeface="Calibri" pitchFamily="34" charset="-122"/>
+                <a:cs typeface="Calibri" pitchFamily="34" charset="-120"/>
+              </a:rPr>
+              <a:t>Code Review - Copilot</a:t>
+            </a:r>
+            <a:endParaRPr lang="en-US" sz="600" dirty="0"/>
+          </a:p>
+        </p:txBody>
+      </p:sp>
+      <p:sp>
+        <p:nvSpPr>
+          <p:cNvPr id="108" name="Shape 101"/>
+          <p:cNvSpPr/>
+          <p:nvPr/>
+        </p:nvSpPr>
+        <p:spPr>
+          <a:xfrm>
+            <a:off x="6949440" y="3291840"/>
+            <a:ext cx="502920" cy="64008"/>
+          </a:xfrm>
+          <a:prstGeom prst="rect">
+            <a:avLst/>
+          </a:prstGeom>
+          <a:solidFill>
+            <a:srgbClr val="E2E8F0"/>
+          </a:solidFill>
+          <a:ln/>
+        </p:spPr>
+      </p:sp>
+      <p:sp>
+        <p:nvSpPr>
+          <p:cNvPr id="109" name="Shape 102"/>
+          <p:cNvSpPr/>
+          <p:nvPr/>
+        </p:nvSpPr>
+        <p:spPr>
+          <a:xfrm>
+            <a:off x="6949440" y="3291840"/>
+            <a:ext cx="502920" cy="64008"/>
+          </a:xfrm>
+          <a:prstGeom prst="rect">
+            <a:avLst/>
+          </a:prstGeom>
+          <a:solidFill>
+            <a:srgbClr val="16A34A"/>
+          </a:solidFill>
+          <a:ln/>
+        </p:spPr>
+      </p:sp>
+      <p:sp>
+        <p:nvSpPr>
+          <p:cNvPr id="110" name="Shape 103"/>
+          <p:cNvSpPr/>
+          <p:nvPr/>
+        </p:nvSpPr>
+        <p:spPr>
+          <a:xfrm>
+            <a:off x="7571232" y="3291840"/>
+            <a:ext cx="731520" cy="64008"/>
+          </a:xfrm>
+          <a:prstGeom prst="rect">
+            <a:avLst/>
+          </a:prstGeom>
+          <a:solidFill>
+            <a:srgbClr val="DCFCE7"/>
+          </a:solidFill>
+          <a:ln/>
+        </p:spPr>
+      </p:sp>
+      <p:sp>
+        <p:nvSpPr>
+          <p:cNvPr id="111" name="Shape 104"/>
+          <p:cNvSpPr/>
+          <p:nvPr/>
+        </p:nvSpPr>
+        <p:spPr>
+          <a:xfrm>
+            <a:off x="7571232" y="3291840"/>
+            <a:ext cx="7315" cy="64008"/>
+          </a:xfrm>
+          <a:prstGeom prst="rect">
+            <a:avLst/>
+          </a:prstGeom>
+          <a:solidFill>
+            <a:srgbClr val="16A34A"/>
+          </a:solidFill>
+          <a:ln/>
+        </p:spPr>
+      </p:sp>
+      <p:sp>
+        <p:nvSpPr>
+          <p:cNvPr id="112" name="Text 105"/>
+          <p:cNvSpPr/>
+          <p:nvPr/>
+        </p:nvSpPr>
+        <p:spPr>
+          <a:xfrm>
+            <a:off x="8321040" y="3246120"/>
+            <a:ext cx="457200" cy="155448"/>
+          </a:xfrm>
+          <a:prstGeom prst="rect">
+            <a:avLst/>
+          </a:prstGeom>
+          <a:noFill/>
+          <a:ln/>
+        </p:spPr>
+        <p:txBody>
+          <a:bodyPr wrap="square" lIns="0" tIns="0" rIns="0" bIns="0" rtlCol="0" anchor="ctr"/>
+          <a:lstStyle/>
+          <a:p>
+            <a:pPr indent="0" marL="0">
+              <a:buNone/>
+            </a:pPr>
+            <a:r>
+              <a:rPr lang="en-US" sz="550" b="1" dirty="0">
+                <a:solidFill>
+                  <a:srgbClr val="16A34A"/>
+                </a:solidFill>
+                <a:latin typeface="Calibri" pitchFamily="34" charset="0"/>
+                <a:ea typeface="Calibri" pitchFamily="34" charset="-122"/>
+                <a:cs typeface="Calibri" pitchFamily="34" charset="-120"/>
+              </a:rPr>
+              <a:t>30h</a:t>
+            </a:r>
+            <a:endParaRPr lang="en-US" sz="550" dirty="0"/>
+          </a:p>
+        </p:txBody>
+      </p:sp>
+      <p:sp>
+        <p:nvSpPr>
+          <p:cNvPr id="113" name="Shape 106"/>
+          <p:cNvSpPr/>
+          <p:nvPr/>
+        </p:nvSpPr>
+        <p:spPr>
+          <a:xfrm>
+            <a:off x="5486400" y="3401568"/>
+            <a:ext cx="3337560" cy="155448"/>
           </a:xfrm>
           <a:prstGeom prst="rect">
             <a:avLst/>
@@ -2867,14 +4174,14 @@
       </p:sp>
       <p:sp>
         <p:nvSpPr>
-          <p:cNvPr id="65" name="Text 63"/>
-          <p:cNvSpPr/>
-          <p:nvPr/>
-        </p:nvSpPr>
-        <p:spPr>
-          <a:xfrm>
-            <a:off x="5468112" y="2615184"/>
-            <a:ext cx="2103120" cy="146304"/>
+          <p:cNvPr id="114" name="Text 107"/>
+          <p:cNvSpPr/>
+          <p:nvPr/>
+        </p:nvSpPr>
+        <p:spPr>
+          <a:xfrm>
+            <a:off x="5559552" y="3401568"/>
+            <a:ext cx="1371600" cy="155448"/>
           </a:xfrm>
           <a:prstGeom prst="rect">
             <a:avLst/>
@@ -2890,7 +4197,7 @@
               <a:buNone/>
             </a:pPr>
             <a:r>
-              <a:rPr lang="en-US" sz="650" dirty="0">
+              <a:rPr lang="en-US" sz="600" dirty="0">
                 <a:solidFill>
                   <a:srgbClr val="1E293B"/>
                 </a:solidFill>
@@ -2898,22 +4205,22 @@
                 <a:ea typeface="Calibri" pitchFamily="34" charset="-122"/>
                 <a:cs typeface="Calibri" pitchFamily="34" charset="-120"/>
               </a:rPr>
-              <a:t>EIW Downstream</a:t>
-            </a:r>
-            <a:endParaRPr lang="en-US" sz="650" dirty="0"/>
-          </a:p>
-        </p:txBody>
-      </p:sp>
-      <p:sp>
-        <p:nvSpPr>
-          <p:cNvPr id="66" name="Shape 64"/>
-          <p:cNvSpPr/>
-          <p:nvPr/>
-        </p:nvSpPr>
-        <p:spPr>
-          <a:xfrm>
-            <a:off x="7607808" y="2656332"/>
-            <a:ext cx="548640" cy="64008"/>
+              <a:t>Metrics Dashboard</a:t>
+            </a:r>
+            <a:endParaRPr lang="en-US" sz="600" dirty="0"/>
+          </a:p>
+        </p:txBody>
+      </p:sp>
+      <p:sp>
+        <p:nvSpPr>
+          <p:cNvPr id="115" name="Shape 108"/>
+          <p:cNvSpPr/>
+          <p:nvPr/>
+        </p:nvSpPr>
+        <p:spPr>
+          <a:xfrm>
+            <a:off x="6949440" y="3447288"/>
+            <a:ext cx="502920" cy="64008"/>
           </a:xfrm>
           <a:prstGeom prst="rect">
             <a:avLst/>
@@ -2926,14 +4233,14 @@
       </p:sp>
       <p:sp>
         <p:nvSpPr>
-          <p:cNvPr id="67" name="Shape 65"/>
-          <p:cNvSpPr/>
-          <p:nvPr/>
-        </p:nvSpPr>
-        <p:spPr>
-          <a:xfrm>
-            <a:off x="7607808" y="2656332"/>
-            <a:ext cx="548640" cy="64008"/>
+          <p:cNvPr id="116" name="Shape 109"/>
+          <p:cNvSpPr/>
+          <p:nvPr/>
+        </p:nvSpPr>
+        <p:spPr>
+          <a:xfrm>
+            <a:off x="6949440" y="3447288"/>
+            <a:ext cx="502920" cy="64008"/>
           </a:xfrm>
           <a:prstGeom prst="rect">
             <a:avLst/>
@@ -2946,30 +4253,70 @@
       </p:sp>
       <p:sp>
         <p:nvSpPr>
-          <p:cNvPr id="68" name="Text 66"/>
-          <p:cNvSpPr/>
-          <p:nvPr/>
-        </p:nvSpPr>
-        <p:spPr>
-          <a:xfrm>
-            <a:off x="8183880" y="2615184"/>
-            <a:ext cx="594360" cy="146304"/>
-          </a:xfrm>
-          <a:prstGeom prst="rect">
-            <a:avLst/>
-          </a:prstGeom>
-          <a:noFill/>
-          <a:ln/>
-        </p:spPr>
-        <p:txBody>
-          <a:bodyPr wrap="square" lIns="0" tIns="0" rIns="0" bIns="0" rtlCol="0" anchor="ctr"/>
-          <a:lstStyle/>
-          <a:p>
-            <a:pPr algn="r" indent="0" marL="0">
-              <a:buNone/>
-            </a:pPr>
-            <a:r>
-              <a:rPr lang="en-US" sz="600" b="1" dirty="0">
+          <p:cNvPr id="117" name="Shape 110"/>
+          <p:cNvSpPr/>
+          <p:nvPr/>
+        </p:nvSpPr>
+        <p:spPr>
+          <a:xfrm>
+            <a:off x="7571232" y="3447288"/>
+            <a:ext cx="731520" cy="64008"/>
+          </a:xfrm>
+          <a:prstGeom prst="rect">
+            <a:avLst/>
+          </a:prstGeom>
+          <a:solidFill>
+            <a:srgbClr val="DCFCE7"/>
+          </a:solidFill>
+          <a:ln/>
+        </p:spPr>
+      </p:sp>
+      <p:sp>
+        <p:nvSpPr>
+          <p:cNvPr id="118" name="Shape 111"/>
+          <p:cNvSpPr/>
+          <p:nvPr/>
+        </p:nvSpPr>
+        <p:spPr>
+          <a:xfrm>
+            <a:off x="7571232" y="3447288"/>
+            <a:ext cx="4877" cy="64008"/>
+          </a:xfrm>
+          <a:prstGeom prst="rect">
+            <a:avLst/>
+          </a:prstGeom>
+          <a:solidFill>
+            <a:srgbClr val="16A34A"/>
+          </a:solidFill>
+          <a:ln/>
+        </p:spPr>
+      </p:sp>
+      <p:sp>
+        <p:nvSpPr>
+          <p:cNvPr id="119" name="Text 112"/>
+          <p:cNvSpPr/>
+          <p:nvPr/>
+        </p:nvSpPr>
+        <p:spPr>
+          <a:xfrm>
+            <a:off x="8321040" y="3401568"/>
+            <a:ext cx="457200" cy="155448"/>
+          </a:xfrm>
+          <a:prstGeom prst="rect">
+            <a:avLst/>
+          </a:prstGeom>
+          <a:noFill/>
+          <a:ln/>
+        </p:spPr>
+        <p:txBody>
+          <a:bodyPr wrap="square" lIns="0" tIns="0" rIns="0" bIns="0" rtlCol="0" anchor="ctr"/>
+          <a:lstStyle/>
+          <a:p>
+            <a:pPr indent="0" marL="0">
+              <a:buNone/>
+            </a:pPr>
+            <a:r>
+              <a:rPr lang="en-US" sz="550" b="1" dirty="0">
                 <a:solidFill>
                   <a:srgbClr val="16A34A"/>
                 </a:solidFill>
@@ -2977,7 +4324,46 @@
                 <a:ea typeface="Calibri" pitchFamily="34" charset="-122"/>
                 <a:cs typeface="Calibri" pitchFamily="34" charset="-120"/>
               </a:rPr>
-              <a:t>100%</a:t>
+              <a:t>20h</a:t>
+            </a:r>
+            <a:endParaRPr lang="en-US" sz="550" dirty="0"/>
+          </a:p>
+        </p:txBody>
+      </p:sp>
+      <p:sp>
+        <p:nvSpPr>
+          <p:cNvPr id="120" name="Text 113"/>
+          <p:cNvSpPr/>
+          <p:nvPr/>
+        </p:nvSpPr>
+        <p:spPr>
+          <a:xfrm>
+            <a:off x="5559552" y="3557016"/>
+            <a:ext cx="1371600" cy="155448"/>
+          </a:xfrm>
+          <a:prstGeom prst="rect">
+            <a:avLst/>
+          </a:prstGeom>
+          <a:noFill/>
+          <a:ln/>
+        </p:spPr>
+        <p:txBody>
+          <a:bodyPr wrap="square" lIns="0" tIns="0" rIns="0" bIns="0" rtlCol="0" anchor="ctr"/>
+          <a:lstStyle/>
+          <a:p>
+            <a:pPr indent="0" marL="0">
+              <a:buNone/>
+            </a:pPr>
+            <a:r>
+              <a:rPr lang="en-US" sz="600" dirty="0">
+                <a:solidFill>
+                  <a:srgbClr val="1E293B"/>
+                </a:solidFill>
+                <a:latin typeface="Calibri" pitchFamily="34" charset="0"/>
+                <a:ea typeface="Calibri" pitchFamily="34" charset="-122"/>
+                <a:cs typeface="Calibri" pitchFamily="34" charset="-120"/>
+              </a:rPr>
+              <a:t>Downtime Dashboard</a:t>
             </a:r>
             <a:endParaRPr lang="en-US" sz="600" dirty="0"/>
           </a:p>
@@ -2985,14 +4371,113 @@
       </p:sp>
       <p:sp>
         <p:nvSpPr>
-          <p:cNvPr id="69" name="Text 67"/>
-          <p:cNvSpPr/>
-          <p:nvPr/>
-        </p:nvSpPr>
-        <p:spPr>
-          <a:xfrm>
-            <a:off x="5468112" y="2761488"/>
-            <a:ext cx="2103120" cy="146304"/>
+          <p:cNvPr id="121" name="Shape 114"/>
+          <p:cNvSpPr/>
+          <p:nvPr/>
+        </p:nvSpPr>
+        <p:spPr>
+          <a:xfrm>
+            <a:off x="6949440" y="3602736"/>
+            <a:ext cx="502920" cy="64008"/>
+          </a:xfrm>
+          <a:prstGeom prst="rect">
+            <a:avLst/>
+          </a:prstGeom>
+          <a:solidFill>
+            <a:srgbClr val="E2E8F0"/>
+          </a:solidFill>
+          <a:ln/>
+        </p:spPr>
+      </p:sp>
+      <p:sp>
+        <p:nvSpPr>
+          <p:cNvPr id="122" name="Shape 115"/>
+          <p:cNvSpPr/>
+          <p:nvPr/>
+        </p:nvSpPr>
+        <p:spPr>
+          <a:xfrm>
+            <a:off x="6949440" y="3602736"/>
+            <a:ext cx="502920" cy="64008"/>
+          </a:xfrm>
+          <a:prstGeom prst="rect">
+            <a:avLst/>
+          </a:prstGeom>
+          <a:solidFill>
+            <a:srgbClr val="16A34A"/>
+          </a:solidFill>
+          <a:ln/>
+        </p:spPr>
+      </p:sp>
+      <p:sp>
+        <p:nvSpPr>
+          <p:cNvPr id="123" name="Text 116"/>
+          <p:cNvSpPr/>
+          <p:nvPr/>
+        </p:nvSpPr>
+        <p:spPr>
+          <a:xfrm>
+            <a:off x="7571232" y="3557016"/>
+            <a:ext cx="731520" cy="155448"/>
+          </a:xfrm>
+          <a:prstGeom prst="rect">
+            <a:avLst/>
+          </a:prstGeom>
+          <a:noFill/>
+          <a:ln/>
+        </p:spPr>
+        <p:txBody>
+          <a:bodyPr wrap="square" lIns="0" tIns="0" rIns="0" bIns="0" rtlCol="0" anchor="ctr"/>
+          <a:lstStyle/>
+          <a:p>
+            <a:pPr algn="ctr" indent="0" marL="0">
+              <a:buNone/>
+            </a:pPr>
+            <a:r>
+              <a:rPr lang="en-US" sz="600" dirty="0">
+                <a:solidFill>
+                  <a:srgbClr val="64748B"/>
+                </a:solidFill>
+                <a:latin typeface="Calibri" pitchFamily="34" charset="0"/>
+                <a:ea typeface="Calibri" pitchFamily="34" charset="-122"/>
+                <a:cs typeface="Calibri" pitchFamily="34" charset="-120"/>
+              </a:rPr>
+              <a:t>-</a:t>
+            </a:r>
+            <a:endParaRPr lang="en-US" sz="600" dirty="0"/>
+          </a:p>
+        </p:txBody>
+      </p:sp>
+      <p:sp>
+        <p:nvSpPr>
+          <p:cNvPr id="124" name="Shape 117"/>
+          <p:cNvSpPr/>
+          <p:nvPr/>
+        </p:nvSpPr>
+        <p:spPr>
+          <a:xfrm>
+            <a:off x="5486400" y="3712464"/>
+            <a:ext cx="3337560" cy="155448"/>
+          </a:xfrm>
+          <a:prstGeom prst="rect">
+            <a:avLst/>
+          </a:prstGeom>
+          <a:solidFill>
+            <a:srgbClr val="F8FAFC"/>
+          </a:solidFill>
+          <a:ln/>
+        </p:spPr>
+      </p:sp>
+      <p:sp>
+        <p:nvSpPr>
+          <p:cNvPr id="125" name="Text 118"/>
+          <p:cNvSpPr/>
+          <p:nvPr/>
+        </p:nvSpPr>
+        <p:spPr>
+          <a:xfrm>
+            <a:off x="5559552" y="3712464"/>
+            <a:ext cx="1371600" cy="155448"/>
           </a:xfrm>
           <a:prstGeom prst="rect">
             <a:avLst/>
@@ -3008,7 +4493,7 @@
               <a:buNone/>
             </a:pPr>
             <a:r>
-              <a:rPr lang="en-US" sz="650" dirty="0">
+              <a:rPr lang="en-US" sz="600" dirty="0">
                 <a:solidFill>
                   <a:srgbClr val="1E293B"/>
                 </a:solidFill>
@@ -3016,22 +4501,22 @@
                 <a:ea typeface="Calibri" pitchFamily="34" charset="-122"/>
                 <a:cs typeface="Calibri" pitchFamily="34" charset="-120"/>
               </a:rPr>
-              <a:t>Downtime Dashboard</a:t>
-            </a:r>
-            <a:endParaRPr lang="en-US" sz="650" dirty="0"/>
-          </a:p>
-        </p:txBody>
-      </p:sp>
-      <p:sp>
-        <p:nvSpPr>
-          <p:cNvPr id="70" name="Shape 68"/>
-          <p:cNvSpPr/>
-          <p:nvPr/>
-        </p:nvSpPr>
-        <p:spPr>
-          <a:xfrm>
-            <a:off x="7607808" y="2802636"/>
-            <a:ext cx="548640" cy="64008"/>
+              <a:t>VS Code Extension</a:t>
+            </a:r>
+            <a:endParaRPr lang="en-US" sz="600" dirty="0"/>
+          </a:p>
+        </p:txBody>
+      </p:sp>
+      <p:sp>
+        <p:nvSpPr>
+          <p:cNvPr id="126" name="Shape 119"/>
+          <p:cNvSpPr/>
+          <p:nvPr/>
+        </p:nvSpPr>
+        <p:spPr>
+          <a:xfrm>
+            <a:off x="6949440" y="3758184"/>
+            <a:ext cx="502920" cy="64008"/>
           </a:xfrm>
           <a:prstGeom prst="rect">
             <a:avLst/>
@@ -3044,58 +4529,58 @@
       </p:sp>
       <p:sp>
         <p:nvSpPr>
-          <p:cNvPr id="71" name="Shape 69"/>
-          <p:cNvSpPr/>
-          <p:nvPr/>
-        </p:nvSpPr>
-        <p:spPr>
-          <a:xfrm>
-            <a:off x="7607808" y="2802636"/>
-            <a:ext cx="548640" cy="64008"/>
-          </a:xfrm>
-          <a:prstGeom prst="rect">
-            <a:avLst/>
-          </a:prstGeom>
-          <a:solidFill>
-            <a:srgbClr val="16A34A"/>
-          </a:solidFill>
-          <a:ln/>
-        </p:spPr>
-      </p:sp>
-      <p:sp>
-        <p:nvSpPr>
-          <p:cNvPr id="72" name="Text 70"/>
-          <p:cNvSpPr/>
-          <p:nvPr/>
-        </p:nvSpPr>
-        <p:spPr>
-          <a:xfrm>
-            <a:off x="8183880" y="2761488"/>
-            <a:ext cx="594360" cy="146304"/>
-          </a:xfrm>
-          <a:prstGeom prst="rect">
-            <a:avLst/>
-          </a:prstGeom>
-          <a:noFill/>
-          <a:ln/>
-        </p:spPr>
-        <p:txBody>
-          <a:bodyPr wrap="square" lIns="0" tIns="0" rIns="0" bIns="0" rtlCol="0" anchor="ctr"/>
-          <a:lstStyle/>
-          <a:p>
-            <a:pPr algn="r" indent="0" marL="0">
-              <a:buNone/>
-            </a:pPr>
-            <a:r>
-              <a:rPr lang="en-US" sz="600" b="1" dirty="0">
-                <a:solidFill>
-                  <a:srgbClr val="16A34A"/>
-                </a:solidFill>
-                <a:latin typeface="Calibri" pitchFamily="34" charset="0"/>
-                <a:ea typeface="Calibri" pitchFamily="34" charset="-122"/>
-                <a:cs typeface="Calibri" pitchFamily="34" charset="-120"/>
-              </a:rPr>
-              <a:t>100%</a:t>
+          <p:cNvPr id="127" name="Shape 120"/>
+          <p:cNvSpPr/>
+          <p:nvPr/>
+        </p:nvSpPr>
+        <p:spPr>
+          <a:xfrm>
+            <a:off x="6949440" y="3758184"/>
+            <a:ext cx="477774" cy="64008"/>
+          </a:xfrm>
+          <a:prstGeom prst="rect">
+            <a:avLst/>
+          </a:prstGeom>
+          <a:solidFill>
+            <a:srgbClr val="0D9488"/>
+          </a:solidFill>
+          <a:ln/>
+        </p:spPr>
+      </p:sp>
+      <p:sp>
+        <p:nvSpPr>
+          <p:cNvPr id="128" name="Text 121"/>
+          <p:cNvSpPr/>
+          <p:nvPr/>
+        </p:nvSpPr>
+        <p:spPr>
+          <a:xfrm>
+            <a:off x="7571232" y="3712464"/>
+            <a:ext cx="731520" cy="155448"/>
+          </a:xfrm>
+          <a:prstGeom prst="rect">
+            <a:avLst/>
+          </a:prstGeom>
+          <a:noFill/>
+          <a:ln/>
+        </p:spPr>
+        <p:txBody>
+          <a:bodyPr wrap="square" lIns="0" tIns="0" rIns="0" bIns="0" rtlCol="0" anchor="ctr"/>
+          <a:lstStyle/>
+          <a:p>
+            <a:pPr algn="ctr" indent="0" marL="0">
+              <a:buNone/>
+            </a:pPr>
+            <a:r>
+              <a:rPr lang="en-US" sz="600" dirty="0">
+                <a:solidFill>
+                  <a:srgbClr val="64748B"/>
+                </a:solidFill>
+                <a:latin typeface="Calibri" pitchFamily="34" charset="0"/>
+                <a:ea typeface="Calibri" pitchFamily="34" charset="-122"/>
+                <a:cs typeface="Calibri" pitchFamily="34" charset="-120"/>
+              </a:rPr>
+              <a:t>-</a:t>
             </a:r>
             <a:endParaRPr lang="en-US" sz="600" dirty="0"/>
           </a:p>
@@ -3103,14 +4588,132 @@
       </p:sp>
       <p:sp>
         <p:nvSpPr>
-          <p:cNvPr id="73" name="Shape 71"/>
-          <p:cNvSpPr/>
-          <p:nvPr/>
-        </p:nvSpPr>
-        <p:spPr>
-          <a:xfrm>
-            <a:off x="5394960" y="2907792"/>
-            <a:ext cx="3429000" cy="146304"/>
+          <p:cNvPr id="129" name="Text 122"/>
+          <p:cNvSpPr/>
+          <p:nvPr/>
+        </p:nvSpPr>
+        <p:spPr>
+          <a:xfrm>
+            <a:off x="5559552" y="3867912"/>
+            <a:ext cx="1371600" cy="155448"/>
+          </a:xfrm>
+          <a:prstGeom prst="rect">
+            <a:avLst/>
+          </a:prstGeom>
+          <a:noFill/>
+          <a:ln/>
+        </p:spPr>
+        <p:txBody>
+          <a:bodyPr wrap="square" lIns="0" tIns="0" rIns="0" bIns="0" rtlCol="0" anchor="ctr"/>
+          <a:lstStyle/>
+          <a:p>
+            <a:pPr indent="0" marL="0">
+              <a:buNone/>
+            </a:pPr>
+            <a:r>
+              <a:rPr lang="en-US" sz="600" dirty="0">
+                <a:solidFill>
+                  <a:srgbClr val="1E293B"/>
+                </a:solidFill>
+                <a:latin typeface="Calibri" pitchFamily="34" charset="0"/>
+                <a:ea typeface="Calibri" pitchFamily="34" charset="-122"/>
+                <a:cs typeface="Calibri" pitchFamily="34" charset="-120"/>
+              </a:rPr>
+              <a:t>Live Dashboard</a:t>
+            </a:r>
+            <a:endParaRPr lang="en-US" sz="600" dirty="0"/>
+          </a:p>
+        </p:txBody>
+      </p:sp>
+      <p:sp>
+        <p:nvSpPr>
+          <p:cNvPr id="130" name="Shape 123"/>
+          <p:cNvSpPr/>
+          <p:nvPr/>
+        </p:nvSpPr>
+        <p:spPr>
+          <a:xfrm>
+            <a:off x="6949440" y="3913632"/>
+            <a:ext cx="502920" cy="64008"/>
+          </a:xfrm>
+          <a:prstGeom prst="rect">
+            <a:avLst/>
+          </a:prstGeom>
+          <a:solidFill>
+            <a:srgbClr val="E2E8F0"/>
+          </a:solidFill>
+          <a:ln/>
+        </p:spPr>
+      </p:sp>
+      <p:sp>
+        <p:nvSpPr>
+          <p:cNvPr id="131" name="Shape 124"/>
+          <p:cNvSpPr/>
+          <p:nvPr/>
+        </p:nvSpPr>
+        <p:spPr>
+          <a:xfrm>
+            <a:off x="6949440" y="3913632"/>
+            <a:ext cx="477774" cy="64008"/>
+          </a:xfrm>
+          <a:prstGeom prst="rect">
+            <a:avLst/>
+          </a:prstGeom>
+          <a:solidFill>
+            <a:srgbClr val="0D9488"/>
+          </a:solidFill>
+          <a:ln/>
+        </p:spPr>
+      </p:sp>
+      <p:sp>
+        <p:nvSpPr>
+          <p:cNvPr id="132" name="Text 125"/>
+          <p:cNvSpPr/>
+          <p:nvPr/>
+        </p:nvSpPr>
+        <p:spPr>
+          <a:xfrm>
+            <a:off x="7571232" y="3867912"/>
+            <a:ext cx="731520" cy="155448"/>
+          </a:xfrm>
+          <a:prstGeom prst="rect">
+            <a:avLst/>
+          </a:prstGeom>
+          <a:noFill/>
+          <a:ln/>
+        </p:spPr>
+        <p:txBody>
+          <a:bodyPr wrap="square" lIns="0" tIns="0" rIns="0" bIns="0" rtlCol="0" anchor="ctr"/>
+          <a:lstStyle/>
+          <a:p>
+            <a:pPr algn="ctr" indent="0" marL="0">
+              <a:buNone/>
+            </a:pPr>
+            <a:r>
+              <a:rPr lang="en-US" sz="600" dirty="0">
+                <a:solidFill>
+                  <a:srgbClr val="64748B"/>
+                </a:solidFill>
+                <a:latin typeface="Calibri" pitchFamily="34" charset="0"/>
+                <a:ea typeface="Calibri" pitchFamily="34" charset="-122"/>
+                <a:cs typeface="Calibri" pitchFamily="34" charset="-120"/>
+              </a:rPr>
+              <a:t>-</a:t>
+            </a:r>
+            <a:endParaRPr lang="en-US" sz="600" dirty="0"/>
+          </a:p>
+        </p:txBody>
+      </p:sp>
+      <p:sp>
+        <p:nvSpPr>
+          <p:cNvPr id="133" name="Shape 126"/>
+          <p:cNvSpPr/>
+          <p:nvPr/>
+        </p:nvSpPr>
+        <p:spPr>
+          <a:xfrm>
+            <a:off x="5486400" y="4023360"/>
+            <a:ext cx="3337560" cy="155448"/>
           </a:xfrm>
           <a:prstGeom prst="rect">
             <a:avLst/>
@@ -3123,14 +4726,14 @@
       </p:sp>
       <p:sp>
         <p:nvSpPr>
-          <p:cNvPr id="74" name="Text 72"/>
-          <p:cNvSpPr/>
-          <p:nvPr/>
-        </p:nvSpPr>
-        <p:spPr>
-          <a:xfrm>
-            <a:off x="5468112" y="2907792"/>
-            <a:ext cx="2103120" cy="146304"/>
+          <p:cNvPr id="134" name="Text 127"/>
+          <p:cNvSpPr/>
+          <p:nvPr/>
+        </p:nvSpPr>
+        <p:spPr>
+          <a:xfrm>
+            <a:off x="5559552" y="4023360"/>
+            <a:ext cx="1371600" cy="155448"/>
           </a:xfrm>
           <a:prstGeom prst="rect">
             <a:avLst/>
@@ -3146,7 +4749,7 @@
               <a:buNone/>
             </a:pPr>
             <a:r>
-              <a:rPr lang="en-US" sz="650" dirty="0">
+              <a:rPr lang="en-US" sz="600" dirty="0">
                 <a:solidFill>
                   <a:srgbClr val="1E293B"/>
                 </a:solidFill>
@@ -3154,22 +4757,22 @@
                 <a:ea typeface="Calibri" pitchFamily="34" charset="-122"/>
                 <a:cs typeface="Calibri" pitchFamily="34" charset="-120"/>
               </a:rPr>
-              <a:t>Test Evidence Documents</a:t>
-            </a:r>
-            <a:endParaRPr lang="en-US" sz="650" dirty="0"/>
-          </a:p>
-        </p:txBody>
-      </p:sp>
-      <p:sp>
-        <p:nvSpPr>
-          <p:cNvPr id="75" name="Shape 73"/>
-          <p:cNvSpPr/>
-          <p:nvPr/>
-        </p:nvSpPr>
-        <p:spPr>
-          <a:xfrm>
-            <a:off x="7607808" y="2948940"/>
-            <a:ext cx="548640" cy="64008"/>
+              <a:t>Code Review Metrics</a:t>
+            </a:r>
+            <a:endParaRPr lang="en-US" sz="600" dirty="0"/>
+          </a:p>
+        </p:txBody>
+      </p:sp>
+      <p:sp>
+        <p:nvSpPr>
+          <p:cNvPr id="135" name="Shape 128"/>
+          <p:cNvSpPr/>
+          <p:nvPr/>
+        </p:nvSpPr>
+        <p:spPr>
+          <a:xfrm>
+            <a:off x="6949440" y="4069080"/>
+            <a:ext cx="502920" cy="64008"/>
           </a:xfrm>
           <a:prstGeom prst="rect">
             <a:avLst/>
@@ -3182,58 +4785,58 @@
       </p:sp>
       <p:sp>
         <p:nvSpPr>
-          <p:cNvPr id="76" name="Shape 74"/>
-          <p:cNvSpPr/>
-          <p:nvPr/>
-        </p:nvSpPr>
-        <p:spPr>
-          <a:xfrm>
-            <a:off x="7607808" y="2948940"/>
-            <a:ext cx="548640" cy="64008"/>
-          </a:xfrm>
-          <a:prstGeom prst="rect">
-            <a:avLst/>
-          </a:prstGeom>
-          <a:solidFill>
-            <a:srgbClr val="16A34A"/>
-          </a:solidFill>
-          <a:ln/>
-        </p:spPr>
-      </p:sp>
-      <p:sp>
-        <p:nvSpPr>
-          <p:cNvPr id="77" name="Text 75"/>
-          <p:cNvSpPr/>
-          <p:nvPr/>
-        </p:nvSpPr>
-        <p:spPr>
-          <a:xfrm>
-            <a:off x="8183880" y="2907792"/>
-            <a:ext cx="594360" cy="146304"/>
-          </a:xfrm>
-          <a:prstGeom prst="rect">
-            <a:avLst/>
-          </a:prstGeom>
-          <a:noFill/>
-          <a:ln/>
-        </p:spPr>
-        <p:txBody>
-          <a:bodyPr wrap="square" lIns="0" tIns="0" rIns="0" bIns="0" rtlCol="0" anchor="ctr"/>
-          <a:lstStyle/>
-          <a:p>
-            <a:pPr algn="r" indent="0" marL="0">
-              <a:buNone/>
-            </a:pPr>
-            <a:r>
-              <a:rPr lang="en-US" sz="600" b="1" dirty="0">
-                <a:solidFill>
-                  <a:srgbClr val="16A34A"/>
-                </a:solidFill>
-                <a:latin typeface="Calibri" pitchFamily="34" charset="0"/>
-                <a:ea typeface="Calibri" pitchFamily="34" charset="-122"/>
-                <a:cs typeface="Calibri" pitchFamily="34" charset="-120"/>
-              </a:rPr>
-              <a:t>100%</a:t>
+          <p:cNvPr id="136" name="Shape 129"/>
+          <p:cNvSpPr/>
+          <p:nvPr/>
+        </p:nvSpPr>
+        <p:spPr>
+          <a:xfrm>
+            <a:off x="6949440" y="4069080"/>
+            <a:ext cx="402336" cy="64008"/>
+          </a:xfrm>
+          <a:prstGeom prst="rect">
+            <a:avLst/>
+          </a:prstGeom>
+          <a:solidFill>
+            <a:srgbClr val="0D9488"/>
+          </a:solidFill>
+          <a:ln/>
+        </p:spPr>
+      </p:sp>
+      <p:sp>
+        <p:nvSpPr>
+          <p:cNvPr id="137" name="Text 130"/>
+          <p:cNvSpPr/>
+          <p:nvPr/>
+        </p:nvSpPr>
+        <p:spPr>
+          <a:xfrm>
+            <a:off x="7571232" y="4023360"/>
+            <a:ext cx="731520" cy="155448"/>
+          </a:xfrm>
+          <a:prstGeom prst="rect">
+            <a:avLst/>
+          </a:prstGeom>
+          <a:noFill/>
+          <a:ln/>
+        </p:spPr>
+        <p:txBody>
+          <a:bodyPr wrap="square" lIns="0" tIns="0" rIns="0" bIns="0" rtlCol="0" anchor="ctr"/>
+          <a:lstStyle/>
+          <a:p>
+            <a:pPr algn="ctr" indent="0" marL="0">
+              <a:buNone/>
+            </a:pPr>
+            <a:r>
+              <a:rPr lang="en-US" sz="600" dirty="0">
+                <a:solidFill>
+                  <a:srgbClr val="64748B"/>
+                </a:solidFill>
+                <a:latin typeface="Calibri" pitchFamily="34" charset="0"/>
+                <a:ea typeface="Calibri" pitchFamily="34" charset="-122"/>
+                <a:cs typeface="Calibri" pitchFamily="34" charset="-120"/>
+              </a:rPr>
+              <a:t>-</a:t>
             </a:r>
             <a:endParaRPr lang="en-US" sz="600" dirty="0"/>
           </a:p>
@@ -3241,14 +4844,14 @@
       </p:sp>
       <p:sp>
         <p:nvSpPr>
-          <p:cNvPr id="78" name="Text 76"/>
-          <p:cNvSpPr/>
-          <p:nvPr/>
-        </p:nvSpPr>
-        <p:spPr>
-          <a:xfrm>
-            <a:off x="5468112" y="3054096"/>
-            <a:ext cx="2103120" cy="146304"/>
+          <p:cNvPr id="138" name="Text 131"/>
+          <p:cNvSpPr/>
+          <p:nvPr/>
+        </p:nvSpPr>
+        <p:spPr>
+          <a:xfrm>
+            <a:off x="5559552" y="4178808"/>
+            <a:ext cx="1371600" cy="155448"/>
           </a:xfrm>
           <a:prstGeom prst="rect">
             <a:avLst/>
@@ -3264,7 +4867,7 @@
               <a:buNone/>
             </a:pPr>
             <a:r>
-              <a:rPr lang="en-US" sz="650" dirty="0">
+              <a:rPr lang="en-US" sz="600" dirty="0">
                 <a:solidFill>
                   <a:srgbClr val="1E293B"/>
                 </a:solidFill>
@@ -3272,22 +4875,22 @@
                 <a:ea typeface="Calibri" pitchFamily="34" charset="-122"/>
                 <a:cs typeface="Calibri" pitchFamily="34" charset="-120"/>
               </a:rPr>
-              <a:t>Code Review - GitHub Copilot</a:t>
-            </a:r>
-            <a:endParaRPr lang="en-US" sz="650" dirty="0"/>
-          </a:p>
-        </p:txBody>
-      </p:sp>
-      <p:sp>
-        <p:nvSpPr>
-          <p:cNvPr id="79" name="Shape 77"/>
-          <p:cNvSpPr/>
-          <p:nvPr/>
-        </p:nvSpPr>
-        <p:spPr>
-          <a:xfrm>
-            <a:off x="7607808" y="3095244"/>
-            <a:ext cx="548640" cy="64008"/>
+              <a:t>Defect Prediction</a:t>
+            </a:r>
+            <a:endParaRPr lang="en-US" sz="600" dirty="0"/>
+          </a:p>
+        </p:txBody>
+      </p:sp>
+      <p:sp>
+        <p:nvSpPr>
+          <p:cNvPr id="139" name="Shape 132"/>
+          <p:cNvSpPr/>
+          <p:nvPr/>
+        </p:nvSpPr>
+        <p:spPr>
+          <a:xfrm>
+            <a:off x="6949440" y="4224528"/>
+            <a:ext cx="502920" cy="64008"/>
           </a:xfrm>
           <a:prstGeom prst="rect">
             <a:avLst/>
@@ -3300,58 +4903,58 @@
       </p:sp>
       <p:sp>
         <p:nvSpPr>
-          <p:cNvPr id="80" name="Shape 78"/>
-          <p:cNvSpPr/>
-          <p:nvPr/>
-        </p:nvSpPr>
-        <p:spPr>
-          <a:xfrm>
-            <a:off x="7607808" y="3095244"/>
-            <a:ext cx="548640" cy="64008"/>
-          </a:xfrm>
-          <a:prstGeom prst="rect">
-            <a:avLst/>
-          </a:prstGeom>
-          <a:solidFill>
-            <a:srgbClr val="16A34A"/>
-          </a:solidFill>
-          <a:ln/>
-        </p:spPr>
-      </p:sp>
-      <p:sp>
-        <p:nvSpPr>
-          <p:cNvPr id="81" name="Text 79"/>
-          <p:cNvSpPr/>
-          <p:nvPr/>
-        </p:nvSpPr>
-        <p:spPr>
-          <a:xfrm>
-            <a:off x="8183880" y="3054096"/>
-            <a:ext cx="594360" cy="146304"/>
-          </a:xfrm>
-          <a:prstGeom prst="rect">
-            <a:avLst/>
-          </a:prstGeom>
-          <a:noFill/>
-          <a:ln/>
-        </p:spPr>
-        <p:txBody>
-          <a:bodyPr wrap="square" lIns="0" tIns="0" rIns="0" bIns="0" rtlCol="0" anchor="ctr"/>
-          <a:lstStyle/>
-          <a:p>
-            <a:pPr algn="r" indent="0" marL="0">
-              <a:buNone/>
-            </a:pPr>
-            <a:r>
-              <a:rPr lang="en-US" sz="600" b="1" dirty="0">
-                <a:solidFill>
-                  <a:srgbClr val="16A34A"/>
-                </a:solidFill>
-                <a:latin typeface="Calibri" pitchFamily="34" charset="0"/>
-                <a:ea typeface="Calibri" pitchFamily="34" charset="-122"/>
-                <a:cs typeface="Calibri" pitchFamily="34" charset="-120"/>
-              </a:rPr>
-              <a:t>100%</a:t>
+          <p:cNvPr id="140" name="Shape 133"/>
+          <p:cNvSpPr/>
+          <p:nvPr/>
+        </p:nvSpPr>
+        <p:spPr>
+          <a:xfrm>
+            <a:off x="6949440" y="4224528"/>
+            <a:ext cx="251460" cy="64008"/>
+          </a:xfrm>
+          <a:prstGeom prst="rect">
+            <a:avLst/>
+          </a:prstGeom>
+          <a:solidFill>
+            <a:srgbClr val="F59E0B"/>
+          </a:solidFill>
+          <a:ln/>
+        </p:spPr>
+      </p:sp>
+      <p:sp>
+        <p:nvSpPr>
+          <p:cNvPr id="141" name="Text 134"/>
+          <p:cNvSpPr/>
+          <p:nvPr/>
+        </p:nvSpPr>
+        <p:spPr>
+          <a:xfrm>
+            <a:off x="7571232" y="4178808"/>
+            <a:ext cx="731520" cy="155448"/>
+          </a:xfrm>
+          <a:prstGeom prst="rect">
+            <a:avLst/>
+          </a:prstGeom>
+          <a:noFill/>
+          <a:ln/>
+        </p:spPr>
+        <p:txBody>
+          <a:bodyPr wrap="square" lIns="0" tIns="0" rIns="0" bIns="0" rtlCol="0" anchor="ctr"/>
+          <a:lstStyle/>
+          <a:p>
+            <a:pPr algn="ctr" indent="0" marL="0">
+              <a:buNone/>
+            </a:pPr>
+            <a:r>
+              <a:rPr lang="en-US" sz="600" dirty="0">
+                <a:solidFill>
+                  <a:srgbClr val="64748B"/>
+                </a:solidFill>
+                <a:latin typeface="Calibri" pitchFamily="34" charset="0"/>
+                <a:ea typeface="Calibri" pitchFamily="34" charset="-122"/>
+                <a:cs typeface="Calibri" pitchFamily="34" charset="-120"/>
+              </a:rPr>
+              <a:t>-</a:t>
             </a:r>
             <a:endParaRPr lang="en-US" sz="600" dirty="0"/>
           </a:p>
@@ -3359,14 +4962,14 @@
       </p:sp>
       <p:sp>
         <p:nvSpPr>
-          <p:cNvPr id="82" name="Shape 80"/>
-          <p:cNvSpPr/>
-          <p:nvPr/>
-        </p:nvSpPr>
-        <p:spPr>
-          <a:xfrm>
-            <a:off x="5394960" y="3200400"/>
-            <a:ext cx="3429000" cy="146304"/>
+          <p:cNvPr id="142" name="Shape 135"/>
+          <p:cNvSpPr/>
+          <p:nvPr/>
+        </p:nvSpPr>
+        <p:spPr>
+          <a:xfrm>
+            <a:off x="5486400" y="4334256"/>
+            <a:ext cx="3337560" cy="155448"/>
           </a:xfrm>
           <a:prstGeom prst="rect">
             <a:avLst/>
@@ -3379,14 +4982,14 @@
       </p:sp>
       <p:sp>
         <p:nvSpPr>
-          <p:cNvPr id="83" name="Text 81"/>
-          <p:cNvSpPr/>
-          <p:nvPr/>
-        </p:nvSpPr>
-        <p:spPr>
-          <a:xfrm>
-            <a:off x="5468112" y="3200400"/>
-            <a:ext cx="2103120" cy="146304"/>
+          <p:cNvPr id="143" name="Text 136"/>
+          <p:cNvSpPr/>
+          <p:nvPr/>
+        </p:nvSpPr>
+        <p:spPr>
+          <a:xfrm>
+            <a:off x="5559552" y="4334256"/>
+            <a:ext cx="1371600" cy="155448"/>
           </a:xfrm>
           <a:prstGeom prst="rect">
             <a:avLst/>
@@ -3402,7 +5005,7 @@
               <a:buNone/>
             </a:pPr>
             <a:r>
-              <a:rPr lang="en-US" sz="650" dirty="0">
+              <a:rPr lang="en-US" sz="600" dirty="0">
                 <a:solidFill>
                   <a:srgbClr val="1E293B"/>
                 </a:solidFill>
@@ -3410,22 +5013,22 @@
                 <a:ea typeface="Calibri" pitchFamily="34" charset="-122"/>
                 <a:cs typeface="Calibri" pitchFamily="34" charset="-120"/>
               </a:rPr>
-              <a:t>Octane Migration Utility</a:t>
-            </a:r>
-            <a:endParaRPr lang="en-US" sz="650" dirty="0"/>
-          </a:p>
-        </p:txBody>
-      </p:sp>
-      <p:sp>
-        <p:nvSpPr>
-          <p:cNvPr id="84" name="Shape 82"/>
-          <p:cNvSpPr/>
-          <p:nvPr/>
-        </p:nvSpPr>
-        <p:spPr>
-          <a:xfrm>
-            <a:off x="7607808" y="3241548"/>
-            <a:ext cx="548640" cy="64008"/>
+              <a:t>API Agent Bot</a:t>
+            </a:r>
+            <a:endParaRPr lang="en-US" sz="600" dirty="0"/>
+          </a:p>
+        </p:txBody>
+      </p:sp>
+      <p:sp>
+        <p:nvSpPr>
+          <p:cNvPr id="144" name="Shape 137"/>
+          <p:cNvSpPr/>
+          <p:nvPr/>
+        </p:nvSpPr>
+        <p:spPr>
+          <a:xfrm>
+            <a:off x="6949440" y="4379976"/>
+            <a:ext cx="502920" cy="64008"/>
           </a:xfrm>
           <a:prstGeom prst="rect">
             <a:avLst/>
@@ -3438,58 +5041,58 @@
       </p:sp>
       <p:sp>
         <p:nvSpPr>
-          <p:cNvPr id="85" name="Shape 83"/>
-          <p:cNvSpPr/>
-          <p:nvPr/>
-        </p:nvSpPr>
-        <p:spPr>
-          <a:xfrm>
-            <a:off x="7607808" y="3241548"/>
-            <a:ext cx="548640" cy="64008"/>
-          </a:xfrm>
-          <a:prstGeom prst="rect">
-            <a:avLst/>
-          </a:prstGeom>
-          <a:solidFill>
-            <a:srgbClr val="16A34A"/>
-          </a:solidFill>
-          <a:ln/>
-        </p:spPr>
-      </p:sp>
-      <p:sp>
-        <p:nvSpPr>
-          <p:cNvPr id="86" name="Text 84"/>
-          <p:cNvSpPr/>
-          <p:nvPr/>
-        </p:nvSpPr>
-        <p:spPr>
-          <a:xfrm>
-            <a:off x="8183880" y="3200400"/>
-            <a:ext cx="594360" cy="146304"/>
-          </a:xfrm>
-          <a:prstGeom prst="rect">
-            <a:avLst/>
-          </a:prstGeom>
-          <a:noFill/>
-          <a:ln/>
-        </p:spPr>
-        <p:txBody>
-          <a:bodyPr wrap="square" lIns="0" tIns="0" rIns="0" bIns="0" rtlCol="0" anchor="ctr"/>
-          <a:lstStyle/>
-          <a:p>
-            <a:pPr algn="r" indent="0" marL="0">
-              <a:buNone/>
-            </a:pPr>
-            <a:r>
-              <a:rPr lang="en-US" sz="600" b="1" dirty="0">
-                <a:solidFill>
-                  <a:srgbClr val="16A34A"/>
-                </a:solidFill>
-                <a:latin typeface="Calibri" pitchFamily="34" charset="0"/>
-                <a:ea typeface="Calibri" pitchFamily="34" charset="-122"/>
-                <a:cs typeface="Calibri" pitchFamily="34" charset="-120"/>
-              </a:rPr>
-              <a:t>100%</a:t>
+          <p:cNvPr id="145" name="Shape 138"/>
+          <p:cNvSpPr/>
+          <p:nvPr/>
+        </p:nvSpPr>
+        <p:spPr>
+          <a:xfrm>
+            <a:off x="6949440" y="4379976"/>
+            <a:ext cx="201168" cy="64008"/>
+          </a:xfrm>
+          <a:prstGeom prst="rect">
+            <a:avLst/>
+          </a:prstGeom>
+          <a:solidFill>
+            <a:srgbClr val="DC2626"/>
+          </a:solidFill>
+          <a:ln/>
+        </p:spPr>
+      </p:sp>
+      <p:sp>
+        <p:nvSpPr>
+          <p:cNvPr id="146" name="Text 139"/>
+          <p:cNvSpPr/>
+          <p:nvPr/>
+        </p:nvSpPr>
+        <p:spPr>
+          <a:xfrm>
+            <a:off x="7571232" y="4334256"/>
+            <a:ext cx="731520" cy="155448"/>
+          </a:xfrm>
+          <a:prstGeom prst="rect">
+            <a:avLst/>
+          </a:prstGeom>
+          <a:noFill/>
+          <a:ln/>
+        </p:spPr>
+        <p:txBody>
+          <a:bodyPr wrap="square" lIns="0" tIns="0" rIns="0" bIns="0" rtlCol="0" anchor="ctr"/>
+          <a:lstStyle/>
+          <a:p>
+            <a:pPr algn="ctr" indent="0" marL="0">
+              <a:buNone/>
+            </a:pPr>
+            <a:r>
+              <a:rPr lang="en-US" sz="600" dirty="0">
+                <a:solidFill>
+                  <a:srgbClr val="64748B"/>
+                </a:solidFill>
+                <a:latin typeface="Calibri" pitchFamily="34" charset="0"/>
+                <a:ea typeface="Calibri" pitchFamily="34" charset="-122"/>
+                <a:cs typeface="Calibri" pitchFamily="34" charset="-120"/>
+              </a:rPr>
+              <a:t>-</a:t>
             </a:r>
             <a:endParaRPr lang="en-US" sz="600" dirty="0"/>
           </a:p>
@@ -3497,14 +5100,14 @@
       </p:sp>
       <p:sp>
         <p:nvSpPr>
-          <p:cNvPr id="87" name="Text 85"/>
-          <p:cNvSpPr/>
-          <p:nvPr/>
-        </p:nvSpPr>
-        <p:spPr>
-          <a:xfrm>
-            <a:off x="5468112" y="3346704"/>
-            <a:ext cx="2103120" cy="146304"/>
+          <p:cNvPr id="147" name="Text 140"/>
+          <p:cNvSpPr/>
+          <p:nvPr/>
+        </p:nvSpPr>
+        <p:spPr>
+          <a:xfrm>
+            <a:off x="5559552" y="4489704"/>
+            <a:ext cx="1371600" cy="155448"/>
           </a:xfrm>
           <a:prstGeom prst="rect">
             <a:avLst/>
@@ -3520,7 +5123,7 @@
               <a:buNone/>
             </a:pPr>
             <a:r>
-              <a:rPr lang="en-US" sz="650" dirty="0">
+              <a:rPr lang="en-US" sz="600" dirty="0">
                 <a:solidFill>
                   <a:srgbClr val="1E293B"/>
                 </a:solidFill>
@@ -3528,22 +5131,22 @@
                 <a:ea typeface="Calibri" pitchFamily="34" charset="-122"/>
                 <a:cs typeface="Calibri" pitchFamily="34" charset="-120"/>
               </a:rPr>
-              <a:t>Access Management - ITRD</a:t>
-            </a:r>
-            <a:endParaRPr lang="en-US" sz="650" dirty="0"/>
-          </a:p>
-        </p:txBody>
-      </p:sp>
-      <p:sp>
-        <p:nvSpPr>
-          <p:cNvPr id="88" name="Shape 86"/>
-          <p:cNvSpPr/>
-          <p:nvPr/>
-        </p:nvSpPr>
-        <p:spPr>
-          <a:xfrm>
-            <a:off x="7607808" y="3387852"/>
-            <a:ext cx="548640" cy="64008"/>
+              <a:t>Account Creation</a:t>
+            </a:r>
+            <a:endParaRPr lang="en-US" sz="600" dirty="0"/>
+          </a:p>
+        </p:txBody>
+      </p:sp>
+      <p:sp>
+        <p:nvSpPr>
+          <p:cNvPr id="148" name="Shape 141"/>
+          <p:cNvSpPr/>
+          <p:nvPr/>
+        </p:nvSpPr>
+        <p:spPr>
+          <a:xfrm>
+            <a:off x="6949440" y="4535424"/>
+            <a:ext cx="502920" cy="64008"/>
           </a:xfrm>
           <a:prstGeom prst="rect">
             <a:avLst/>
@@ -3556,58 +5159,58 @@
       </p:sp>
       <p:sp>
         <p:nvSpPr>
-          <p:cNvPr id="89" name="Shape 87"/>
-          <p:cNvSpPr/>
-          <p:nvPr/>
-        </p:nvSpPr>
-        <p:spPr>
-          <a:xfrm>
-            <a:off x="7607808" y="3387852"/>
-            <a:ext cx="548640" cy="64008"/>
-          </a:xfrm>
-          <a:prstGeom prst="rect">
-            <a:avLst/>
-          </a:prstGeom>
-          <a:solidFill>
-            <a:srgbClr val="16A34A"/>
-          </a:solidFill>
-          <a:ln/>
-        </p:spPr>
-      </p:sp>
-      <p:sp>
-        <p:nvSpPr>
-          <p:cNvPr id="90" name="Text 88"/>
-          <p:cNvSpPr/>
-          <p:nvPr/>
-        </p:nvSpPr>
-        <p:spPr>
-          <a:xfrm>
-            <a:off x="8183880" y="3346704"/>
-            <a:ext cx="594360" cy="146304"/>
-          </a:xfrm>
-          <a:prstGeom prst="rect">
-            <a:avLst/>
-          </a:prstGeom>
-          <a:noFill/>
-          <a:ln/>
-        </p:spPr>
-        <p:txBody>
-          <a:bodyPr wrap="square" lIns="0" tIns="0" rIns="0" bIns="0" rtlCol="0" anchor="ctr"/>
-          <a:lstStyle/>
-          <a:p>
-            <a:pPr algn="r" indent="0" marL="0">
-              <a:buNone/>
-            </a:pPr>
-            <a:r>
-              <a:rPr lang="en-US" sz="600" b="1" dirty="0">
-                <a:solidFill>
-                  <a:srgbClr val="16A34A"/>
-                </a:solidFill>
-                <a:latin typeface="Calibri" pitchFamily="34" charset="0"/>
-                <a:ea typeface="Calibri" pitchFamily="34" charset="-122"/>
-                <a:cs typeface="Calibri" pitchFamily="34" charset="-120"/>
-              </a:rPr>
-              <a:t>100%</a:t>
+          <p:cNvPr id="149" name="Shape 142"/>
+          <p:cNvSpPr/>
+          <p:nvPr/>
+        </p:nvSpPr>
+        <p:spPr>
+          <a:xfrm>
+            <a:off x="6949440" y="4535424"/>
+            <a:ext cx="125730" cy="64008"/>
+          </a:xfrm>
+          <a:prstGeom prst="rect">
+            <a:avLst/>
+          </a:prstGeom>
+          <a:solidFill>
+            <a:srgbClr val="DC2626"/>
+          </a:solidFill>
+          <a:ln/>
+        </p:spPr>
+      </p:sp>
+      <p:sp>
+        <p:nvSpPr>
+          <p:cNvPr id="150" name="Text 143"/>
+          <p:cNvSpPr/>
+          <p:nvPr/>
+        </p:nvSpPr>
+        <p:spPr>
+          <a:xfrm>
+            <a:off x="7571232" y="4489704"/>
+            <a:ext cx="731520" cy="155448"/>
+          </a:xfrm>
+          <a:prstGeom prst="rect">
+            <a:avLst/>
+          </a:prstGeom>
+          <a:noFill/>
+          <a:ln/>
+        </p:spPr>
+        <p:txBody>
+          <a:bodyPr wrap="square" lIns="0" tIns="0" rIns="0" bIns="0" rtlCol="0" anchor="ctr"/>
+          <a:lstStyle/>
+          <a:p>
+            <a:pPr algn="ctr" indent="0" marL="0">
+              <a:buNone/>
+            </a:pPr>
+            <a:r>
+              <a:rPr lang="en-US" sz="600" dirty="0">
+                <a:solidFill>
+                  <a:srgbClr val="64748B"/>
+                </a:solidFill>
+                <a:latin typeface="Calibri" pitchFamily="34" charset="0"/>
+                <a:ea typeface="Calibri" pitchFamily="34" charset="-122"/>
+                <a:cs typeface="Calibri" pitchFamily="34" charset="-120"/>
+              </a:rPr>
+              <a:t>-</a:t>
             </a:r>
             <a:endParaRPr lang="en-US" sz="600" dirty="0"/>
           </a:p>
@@ -3615,14 +5218,14 @@
       </p:sp>
       <p:sp>
         <p:nvSpPr>
-          <p:cNvPr id="91" name="Shape 89"/>
-          <p:cNvSpPr/>
-          <p:nvPr/>
-        </p:nvSpPr>
-        <p:spPr>
-          <a:xfrm>
-            <a:off x="5394960" y="3493008"/>
-            <a:ext cx="3429000" cy="146304"/>
+          <p:cNvPr id="151" name="Shape 144"/>
+          <p:cNvSpPr/>
+          <p:nvPr/>
+        </p:nvSpPr>
+        <p:spPr>
+          <a:xfrm>
+            <a:off x="5486400" y="4645152"/>
+            <a:ext cx="3337560" cy="155448"/>
           </a:xfrm>
           <a:prstGeom prst="rect">
             <a:avLst/>
@@ -3635,14 +5238,14 @@
       </p:sp>
       <p:sp>
         <p:nvSpPr>
-          <p:cNvPr id="92" name="Text 90"/>
-          <p:cNvSpPr/>
-          <p:nvPr/>
-        </p:nvSpPr>
-        <p:spPr>
-          <a:xfrm>
-            <a:off x="5468112" y="3493008"/>
-            <a:ext cx="2103120" cy="146304"/>
+          <p:cNvPr id="152" name="Text 145"/>
+          <p:cNvSpPr/>
+          <p:nvPr/>
+        </p:nvSpPr>
+        <p:spPr>
+          <a:xfrm>
+            <a:off x="5559552" y="4645152"/>
+            <a:ext cx="1371600" cy="155448"/>
           </a:xfrm>
           <a:prstGeom prst="rect">
             <a:avLst/>
@@ -3658,7 +5261,7 @@
               <a:buNone/>
             </a:pPr>
             <a:r>
-              <a:rPr lang="en-US" sz="650" dirty="0">
+              <a:rPr lang="en-US" sz="600" dirty="0">
                 <a:solidFill>
                   <a:srgbClr val="1E293B"/>
                 </a:solidFill>
@@ -3666,22 +5269,22 @@
                 <a:ea typeface="Calibri" pitchFamily="34" charset="-122"/>
                 <a:cs typeface="Calibri" pitchFamily="34" charset="-120"/>
               </a:rPr>
-              <a:t>Easy Test Tool</a:t>
-            </a:r>
-            <a:endParaRPr lang="en-US" sz="650" dirty="0"/>
-          </a:p>
-        </p:txBody>
-      </p:sp>
-      <p:sp>
-        <p:nvSpPr>
-          <p:cNvPr id="93" name="Shape 91"/>
-          <p:cNvSpPr/>
-          <p:nvPr/>
-        </p:nvSpPr>
-        <p:spPr>
-          <a:xfrm>
-            <a:off x="7607808" y="3534156"/>
-            <a:ext cx="548640" cy="64008"/>
+              <a:t>UAT Knowledge Bank</a:t>
+            </a:r>
+            <a:endParaRPr lang="en-US" sz="600" dirty="0"/>
+          </a:p>
+        </p:txBody>
+      </p:sp>
+      <p:sp>
+        <p:nvSpPr>
+          <p:cNvPr id="153" name="Shape 146"/>
+          <p:cNvSpPr/>
+          <p:nvPr/>
+        </p:nvSpPr>
+        <p:spPr>
+          <a:xfrm>
+            <a:off x="6949440" y="4690872"/>
+            <a:ext cx="502920" cy="64008"/>
           </a:xfrm>
           <a:prstGeom prst="rect">
             <a:avLst/>
@@ -3694,58 +5297,58 @@
       </p:sp>
       <p:sp>
         <p:nvSpPr>
-          <p:cNvPr id="94" name="Shape 92"/>
-          <p:cNvSpPr/>
-          <p:nvPr/>
-        </p:nvSpPr>
-        <p:spPr>
-          <a:xfrm>
-            <a:off x="7607808" y="3534156"/>
-            <a:ext cx="548640" cy="64008"/>
-          </a:xfrm>
-          <a:prstGeom prst="rect">
-            <a:avLst/>
-          </a:prstGeom>
-          <a:solidFill>
-            <a:srgbClr val="16A34A"/>
-          </a:solidFill>
-          <a:ln/>
-        </p:spPr>
-      </p:sp>
-      <p:sp>
-        <p:nvSpPr>
-          <p:cNvPr id="95" name="Text 93"/>
-          <p:cNvSpPr/>
-          <p:nvPr/>
-        </p:nvSpPr>
-        <p:spPr>
-          <a:xfrm>
-            <a:off x="8183880" y="3493008"/>
-            <a:ext cx="594360" cy="146304"/>
-          </a:xfrm>
-          <a:prstGeom prst="rect">
-            <a:avLst/>
-          </a:prstGeom>
-          <a:noFill/>
-          <a:ln/>
-        </p:spPr>
-        <p:txBody>
-          <a:bodyPr wrap="square" lIns="0" tIns="0" rIns="0" bIns="0" rtlCol="0" anchor="ctr"/>
-          <a:lstStyle/>
-          <a:p>
-            <a:pPr algn="r" indent="0" marL="0">
-              <a:buNone/>
-            </a:pPr>
-            <a:r>
-              <a:rPr lang="en-US" sz="600" b="1" dirty="0">
-                <a:solidFill>
-                  <a:srgbClr val="16A34A"/>
-                </a:solidFill>
-                <a:latin typeface="Calibri" pitchFamily="34" charset="0"/>
-                <a:ea typeface="Calibri" pitchFamily="34" charset="-122"/>
-                <a:cs typeface="Calibri" pitchFamily="34" charset="-120"/>
-              </a:rPr>
-              <a:t>100%</a:t>
+          <p:cNvPr id="154" name="Shape 147"/>
+          <p:cNvSpPr/>
+          <p:nvPr/>
+        </p:nvSpPr>
+        <p:spPr>
+          <a:xfrm>
+            <a:off x="6949440" y="4690872"/>
+            <a:ext cx="50292" cy="64008"/>
+          </a:xfrm>
+          <a:prstGeom prst="rect">
+            <a:avLst/>
+          </a:prstGeom>
+          <a:solidFill>
+            <a:srgbClr val="DC2626"/>
+          </a:solidFill>
+          <a:ln/>
+        </p:spPr>
+      </p:sp>
+      <p:sp>
+        <p:nvSpPr>
+          <p:cNvPr id="155" name="Text 148"/>
+          <p:cNvSpPr/>
+          <p:nvPr/>
+        </p:nvSpPr>
+        <p:spPr>
+          <a:xfrm>
+            <a:off x="7571232" y="4645152"/>
+            <a:ext cx="731520" cy="155448"/>
+          </a:xfrm>
+          <a:prstGeom prst="rect">
+            <a:avLst/>
+          </a:prstGeom>
+          <a:noFill/>
+          <a:ln/>
+        </p:spPr>
+        <p:txBody>
+          <a:bodyPr wrap="square" lIns="0" tIns="0" rIns="0" bIns="0" rtlCol="0" anchor="ctr"/>
+          <a:lstStyle/>
+          <a:p>
+            <a:pPr algn="ctr" indent="0" marL="0">
+              <a:buNone/>
+            </a:pPr>
+            <a:r>
+              <a:rPr lang="en-US" sz="600" dirty="0">
+                <a:solidFill>
+                  <a:srgbClr val="64748B"/>
+                </a:solidFill>
+                <a:latin typeface="Calibri" pitchFamily="34" charset="0"/>
+                <a:ea typeface="Calibri" pitchFamily="34" charset="-122"/>
+                <a:cs typeface="Calibri" pitchFamily="34" charset="-120"/>
+              </a:rPr>
+              <a:t>-</a:t>
             </a:r>
             <a:endParaRPr lang="en-US" sz="600" dirty="0"/>
           </a:p>
@@ -3753,1031 +5356,7 @@
       </p:sp>
       <p:sp>
         <p:nvSpPr>
-          <p:cNvPr id="96" name="Text 94"/>
-          <p:cNvSpPr/>
-          <p:nvPr/>
-        </p:nvSpPr>
-        <p:spPr>
-          <a:xfrm>
-            <a:off x="5468112" y="3639312"/>
-            <a:ext cx="2103120" cy="146304"/>
-          </a:xfrm>
-          <a:prstGeom prst="rect">
-            <a:avLst/>
-          </a:prstGeom>
-          <a:noFill/>
-          <a:ln/>
-        </p:spPr>
-        <p:txBody>
-          <a:bodyPr wrap="square" lIns="0" tIns="0" rIns="0" bIns="0" rtlCol="0" anchor="ctr"/>
-          <a:lstStyle/>
-          <a:p>
-            <a:pPr indent="0" marL="0">
-              <a:buNone/>
-            </a:pPr>
-            <a:r>
-              <a:rPr lang="en-US" sz="650" dirty="0">
-                <a:solidFill>
-                  <a:srgbClr val="1E293B"/>
-                </a:solidFill>
-                <a:latin typeface="Calibri" pitchFamily="34" charset="0"/>
-                <a:ea typeface="Calibri" pitchFamily="34" charset="-122"/>
-                <a:cs typeface="Calibri" pitchFamily="34" charset="-120"/>
-              </a:rPr>
-              <a:t>VS Code Extension UI</a:t>
-            </a:r>
-            <a:endParaRPr lang="en-US" sz="650" dirty="0"/>
-          </a:p>
-        </p:txBody>
-      </p:sp>
-      <p:sp>
-        <p:nvSpPr>
-          <p:cNvPr id="97" name="Shape 95"/>
-          <p:cNvSpPr/>
-          <p:nvPr/>
-        </p:nvSpPr>
-        <p:spPr>
-          <a:xfrm>
-            <a:off x="7607808" y="3680460"/>
-            <a:ext cx="548640" cy="64008"/>
-          </a:xfrm>
-          <a:prstGeom prst="rect">
-            <a:avLst/>
-          </a:prstGeom>
-          <a:solidFill>
-            <a:srgbClr val="E2E8F0"/>
-          </a:solidFill>
-          <a:ln/>
-        </p:spPr>
-      </p:sp>
-      <p:sp>
-        <p:nvSpPr>
-          <p:cNvPr id="98" name="Shape 96"/>
-          <p:cNvSpPr/>
-          <p:nvPr/>
-        </p:nvSpPr>
-        <p:spPr>
-          <a:xfrm>
-            <a:off x="7607808" y="3680460"/>
-            <a:ext cx="521208" cy="64008"/>
-          </a:xfrm>
-          <a:prstGeom prst="rect">
-            <a:avLst/>
-          </a:prstGeom>
-          <a:solidFill>
-            <a:srgbClr val="0D9488"/>
-          </a:solidFill>
-          <a:ln/>
-        </p:spPr>
-      </p:sp>
-      <p:sp>
-        <p:nvSpPr>
-          <p:cNvPr id="99" name="Text 97"/>
-          <p:cNvSpPr/>
-          <p:nvPr/>
-        </p:nvSpPr>
-        <p:spPr>
-          <a:xfrm>
-            <a:off x="8183880" y="3639312"/>
-            <a:ext cx="594360" cy="146304"/>
-          </a:xfrm>
-          <a:prstGeom prst="rect">
-            <a:avLst/>
-          </a:prstGeom>
-          <a:noFill/>
-          <a:ln/>
-        </p:spPr>
-        <p:txBody>
-          <a:bodyPr wrap="square" lIns="0" tIns="0" rIns="0" bIns="0" rtlCol="0" anchor="ctr"/>
-          <a:lstStyle/>
-          <a:p>
-            <a:pPr algn="r" indent="0" marL="0">
-              <a:buNone/>
-            </a:pPr>
-            <a:r>
-              <a:rPr lang="en-US" sz="600" b="1" dirty="0">
-                <a:solidFill>
-                  <a:srgbClr val="0D9488"/>
-                </a:solidFill>
-                <a:latin typeface="Calibri" pitchFamily="34" charset="0"/>
-                <a:ea typeface="Calibri" pitchFamily="34" charset="-122"/>
-                <a:cs typeface="Calibri" pitchFamily="34" charset="-120"/>
-              </a:rPr>
-              <a:t>95%</a:t>
-            </a:r>
-            <a:endParaRPr lang="en-US" sz="600" dirty="0"/>
-          </a:p>
-        </p:txBody>
-      </p:sp>
-      <p:sp>
-        <p:nvSpPr>
-          <p:cNvPr id="100" name="Shape 98"/>
-          <p:cNvSpPr/>
-          <p:nvPr/>
-        </p:nvSpPr>
-        <p:spPr>
-          <a:xfrm>
-            <a:off x="5394960" y="3785616"/>
-            <a:ext cx="3429000" cy="146304"/>
-          </a:xfrm>
-          <a:prstGeom prst="rect">
-            <a:avLst/>
-          </a:prstGeom>
-          <a:solidFill>
-            <a:srgbClr val="F8FAFC"/>
-          </a:solidFill>
-          <a:ln/>
-        </p:spPr>
-      </p:sp>
-      <p:sp>
-        <p:nvSpPr>
-          <p:cNvPr id="101" name="Text 99"/>
-          <p:cNvSpPr/>
-          <p:nvPr/>
-        </p:nvSpPr>
-        <p:spPr>
-          <a:xfrm>
-            <a:off x="5468112" y="3785616"/>
-            <a:ext cx="2103120" cy="146304"/>
-          </a:xfrm>
-          <a:prstGeom prst="rect">
-            <a:avLst/>
-          </a:prstGeom>
-          <a:noFill/>
-          <a:ln/>
-        </p:spPr>
-        <p:txBody>
-          <a:bodyPr wrap="square" lIns="0" tIns="0" rIns="0" bIns="0" rtlCol="0" anchor="ctr"/>
-          <a:lstStyle/>
-          <a:p>
-            <a:pPr indent="0" marL="0">
-              <a:buNone/>
-            </a:pPr>
-            <a:r>
-              <a:rPr lang="en-US" sz="650" dirty="0">
-                <a:solidFill>
-                  <a:srgbClr val="1E293B"/>
-                </a:solidFill>
-                <a:latin typeface="Calibri" pitchFamily="34" charset="0"/>
-                <a:ea typeface="Calibri" pitchFamily="34" charset="-122"/>
-                <a:cs typeface="Calibri" pitchFamily="34" charset="-120"/>
-              </a:rPr>
-              <a:t>AQUA Clean Up Tool</a:t>
-            </a:r>
-            <a:endParaRPr lang="en-US" sz="650" dirty="0"/>
-          </a:p>
-        </p:txBody>
-      </p:sp>
-      <p:sp>
-        <p:nvSpPr>
-          <p:cNvPr id="102" name="Shape 100"/>
-          <p:cNvSpPr/>
-          <p:nvPr/>
-        </p:nvSpPr>
-        <p:spPr>
-          <a:xfrm>
-            <a:off x="7607808" y="3826764"/>
-            <a:ext cx="548640" cy="64008"/>
-          </a:xfrm>
-          <a:prstGeom prst="rect">
-            <a:avLst/>
-          </a:prstGeom>
-          <a:solidFill>
-            <a:srgbClr val="E2E8F0"/>
-          </a:solidFill>
-          <a:ln/>
-        </p:spPr>
-      </p:sp>
-      <p:sp>
-        <p:nvSpPr>
-          <p:cNvPr id="103" name="Shape 101"/>
-          <p:cNvSpPr/>
-          <p:nvPr/>
-        </p:nvSpPr>
-        <p:spPr>
-          <a:xfrm>
-            <a:off x="7607808" y="3826764"/>
-            <a:ext cx="521208" cy="64008"/>
-          </a:xfrm>
-          <a:prstGeom prst="rect">
-            <a:avLst/>
-          </a:prstGeom>
-          <a:solidFill>
-            <a:srgbClr val="0D9488"/>
-          </a:solidFill>
-          <a:ln/>
-        </p:spPr>
-      </p:sp>
-      <p:sp>
-        <p:nvSpPr>
-          <p:cNvPr id="104" name="Text 102"/>
-          <p:cNvSpPr/>
-          <p:nvPr/>
-        </p:nvSpPr>
-        <p:spPr>
-          <a:xfrm>
-            <a:off x="8183880" y="3785616"/>
-            <a:ext cx="594360" cy="146304"/>
-          </a:xfrm>
-          <a:prstGeom prst="rect">
-            <a:avLst/>
-          </a:prstGeom>
-          <a:noFill/>
-          <a:ln/>
-        </p:spPr>
-        <p:txBody>
-          <a:bodyPr wrap="square" lIns="0" tIns="0" rIns="0" bIns="0" rtlCol="0" anchor="ctr"/>
-          <a:lstStyle/>
-          <a:p>
-            <a:pPr algn="r" indent="0" marL="0">
-              <a:buNone/>
-            </a:pPr>
-            <a:r>
-              <a:rPr lang="en-US" sz="600" b="1" dirty="0">
-                <a:solidFill>
-                  <a:srgbClr val="0D9488"/>
-                </a:solidFill>
-                <a:latin typeface="Calibri" pitchFamily="34" charset="0"/>
-                <a:ea typeface="Calibri" pitchFamily="34" charset="-122"/>
-                <a:cs typeface="Calibri" pitchFamily="34" charset="-120"/>
-              </a:rPr>
-              <a:t>95%</a:t>
-            </a:r>
-            <a:endParaRPr lang="en-US" sz="600" dirty="0"/>
-          </a:p>
-        </p:txBody>
-      </p:sp>
-      <p:sp>
-        <p:nvSpPr>
-          <p:cNvPr id="105" name="Text 103"/>
-          <p:cNvSpPr/>
-          <p:nvPr/>
-        </p:nvSpPr>
-        <p:spPr>
-          <a:xfrm>
-            <a:off x="5468112" y="3931920"/>
-            <a:ext cx="2103120" cy="146304"/>
-          </a:xfrm>
-          <a:prstGeom prst="rect">
-            <a:avLst/>
-          </a:prstGeom>
-          <a:noFill/>
-          <a:ln/>
-        </p:spPr>
-        <p:txBody>
-          <a:bodyPr wrap="square" lIns="0" tIns="0" rIns="0" bIns="0" rtlCol="0" anchor="ctr"/>
-          <a:lstStyle/>
-          <a:p>
-            <a:pPr indent="0" marL="0">
-              <a:buNone/>
-            </a:pPr>
-            <a:r>
-              <a:rPr lang="en-US" sz="650" dirty="0">
-                <a:solidFill>
-                  <a:srgbClr val="1E293B"/>
-                </a:solidFill>
-                <a:latin typeface="Calibri" pitchFamily="34" charset="0"/>
-                <a:ea typeface="Calibri" pitchFamily="34" charset="-122"/>
-                <a:cs typeface="Calibri" pitchFamily="34" charset="-120"/>
-              </a:rPr>
-              <a:t>Live Dashboard for Quality</a:t>
-            </a:r>
-            <a:endParaRPr lang="en-US" sz="650" dirty="0"/>
-          </a:p>
-        </p:txBody>
-      </p:sp>
-      <p:sp>
-        <p:nvSpPr>
-          <p:cNvPr id="106" name="Shape 104"/>
-          <p:cNvSpPr/>
-          <p:nvPr/>
-        </p:nvSpPr>
-        <p:spPr>
-          <a:xfrm>
-            <a:off x="7607808" y="3973068"/>
-            <a:ext cx="548640" cy="64008"/>
-          </a:xfrm>
-          <a:prstGeom prst="rect">
-            <a:avLst/>
-          </a:prstGeom>
-          <a:solidFill>
-            <a:srgbClr val="E2E8F0"/>
-          </a:solidFill>
-          <a:ln/>
-        </p:spPr>
-      </p:sp>
-      <p:sp>
-        <p:nvSpPr>
-          <p:cNvPr id="107" name="Shape 105"/>
-          <p:cNvSpPr/>
-          <p:nvPr/>
-        </p:nvSpPr>
-        <p:spPr>
-          <a:xfrm>
-            <a:off x="7607808" y="3973068"/>
-            <a:ext cx="521208" cy="64008"/>
-          </a:xfrm>
-          <a:prstGeom prst="rect">
-            <a:avLst/>
-          </a:prstGeom>
-          <a:solidFill>
-            <a:srgbClr val="0D9488"/>
-          </a:solidFill>
-          <a:ln/>
-        </p:spPr>
-      </p:sp>
-      <p:sp>
-        <p:nvSpPr>
-          <p:cNvPr id="108" name="Text 106"/>
-          <p:cNvSpPr/>
-          <p:nvPr/>
-        </p:nvSpPr>
-        <p:spPr>
-          <a:xfrm>
-            <a:off x="8183880" y="3931920"/>
-            <a:ext cx="594360" cy="146304"/>
-          </a:xfrm>
-          <a:prstGeom prst="rect">
-            <a:avLst/>
-          </a:prstGeom>
-          <a:noFill/>
-          <a:ln/>
-        </p:spPr>
-        <p:txBody>
-          <a:bodyPr wrap="square" lIns="0" tIns="0" rIns="0" bIns="0" rtlCol="0" anchor="ctr"/>
-          <a:lstStyle/>
-          <a:p>
-            <a:pPr algn="r" indent="0" marL="0">
-              <a:buNone/>
-            </a:pPr>
-            <a:r>
-              <a:rPr lang="en-US" sz="600" b="1" dirty="0">
-                <a:solidFill>
-                  <a:srgbClr val="0D9488"/>
-                </a:solidFill>
-                <a:latin typeface="Calibri" pitchFamily="34" charset="0"/>
-                <a:ea typeface="Calibri" pitchFamily="34" charset="-122"/>
-                <a:cs typeface="Calibri" pitchFamily="34" charset="-120"/>
-              </a:rPr>
-              <a:t>95%</a:t>
-            </a:r>
-            <a:endParaRPr lang="en-US" sz="600" dirty="0"/>
-          </a:p>
-        </p:txBody>
-      </p:sp>
-      <p:sp>
-        <p:nvSpPr>
-          <p:cNvPr id="109" name="Shape 107"/>
-          <p:cNvSpPr/>
-          <p:nvPr/>
-        </p:nvSpPr>
-        <p:spPr>
-          <a:xfrm>
-            <a:off x="5394960" y="4078224"/>
-            <a:ext cx="3429000" cy="146304"/>
-          </a:xfrm>
-          <a:prstGeom prst="rect">
-            <a:avLst/>
-          </a:prstGeom>
-          <a:solidFill>
-            <a:srgbClr val="F8FAFC"/>
-          </a:solidFill>
-          <a:ln/>
-        </p:spPr>
-      </p:sp>
-      <p:sp>
-        <p:nvSpPr>
-          <p:cNvPr id="110" name="Text 108"/>
-          <p:cNvSpPr/>
-          <p:nvPr/>
-        </p:nvSpPr>
-        <p:spPr>
-          <a:xfrm>
-            <a:off x="5468112" y="4078224"/>
-            <a:ext cx="2103120" cy="146304"/>
-          </a:xfrm>
-          <a:prstGeom prst="rect">
-            <a:avLst/>
-          </a:prstGeom>
-          <a:noFill/>
-          <a:ln/>
-        </p:spPr>
-        <p:txBody>
-          <a:bodyPr wrap="square" lIns="0" tIns="0" rIns="0" bIns="0" rtlCol="0" anchor="ctr"/>
-          <a:lstStyle/>
-          <a:p>
-            <a:pPr indent="0" marL="0">
-              <a:buNone/>
-            </a:pPr>
-            <a:r>
-              <a:rPr lang="en-US" sz="650" dirty="0">
-                <a:solidFill>
-                  <a:srgbClr val="1E293B"/>
-                </a:solidFill>
-                <a:latin typeface="Calibri" pitchFamily="34" charset="0"/>
-                <a:ea typeface="Calibri" pitchFamily="34" charset="-122"/>
-                <a:cs typeface="Calibri" pitchFamily="34" charset="-120"/>
-              </a:rPr>
-              <a:t>Code Review Metrics</a:t>
-            </a:r>
-            <a:endParaRPr lang="en-US" sz="650" dirty="0"/>
-          </a:p>
-        </p:txBody>
-      </p:sp>
-      <p:sp>
-        <p:nvSpPr>
-          <p:cNvPr id="111" name="Shape 109"/>
-          <p:cNvSpPr/>
-          <p:nvPr/>
-        </p:nvSpPr>
-        <p:spPr>
-          <a:xfrm>
-            <a:off x="7607808" y="4119372"/>
-            <a:ext cx="548640" cy="64008"/>
-          </a:xfrm>
-          <a:prstGeom prst="rect">
-            <a:avLst/>
-          </a:prstGeom>
-          <a:solidFill>
-            <a:srgbClr val="E2E8F0"/>
-          </a:solidFill>
-          <a:ln/>
-        </p:spPr>
-      </p:sp>
-      <p:sp>
-        <p:nvSpPr>
-          <p:cNvPr id="112" name="Shape 110"/>
-          <p:cNvSpPr/>
-          <p:nvPr/>
-        </p:nvSpPr>
-        <p:spPr>
-          <a:xfrm>
-            <a:off x="7607808" y="4119372"/>
-            <a:ext cx="438912" cy="64008"/>
-          </a:xfrm>
-          <a:prstGeom prst="rect">
-            <a:avLst/>
-          </a:prstGeom>
-          <a:solidFill>
-            <a:srgbClr val="0D9488"/>
-          </a:solidFill>
-          <a:ln/>
-        </p:spPr>
-      </p:sp>
-      <p:sp>
-        <p:nvSpPr>
-          <p:cNvPr id="113" name="Text 111"/>
-          <p:cNvSpPr/>
-          <p:nvPr/>
-        </p:nvSpPr>
-        <p:spPr>
-          <a:xfrm>
-            <a:off x="8183880" y="4078224"/>
-            <a:ext cx="594360" cy="146304"/>
-          </a:xfrm>
-          <a:prstGeom prst="rect">
-            <a:avLst/>
-          </a:prstGeom>
-          <a:noFill/>
-          <a:ln/>
-        </p:spPr>
-        <p:txBody>
-          <a:bodyPr wrap="square" lIns="0" tIns="0" rIns="0" bIns="0" rtlCol="0" anchor="ctr"/>
-          <a:lstStyle/>
-          <a:p>
-            <a:pPr algn="r" indent="0" marL="0">
-              <a:buNone/>
-            </a:pPr>
-            <a:r>
-              <a:rPr lang="en-US" sz="600" b="1" dirty="0">
-                <a:solidFill>
-                  <a:srgbClr val="0D9488"/>
-                </a:solidFill>
-                <a:latin typeface="Calibri" pitchFamily="34" charset="0"/>
-                <a:ea typeface="Calibri" pitchFamily="34" charset="-122"/>
-                <a:cs typeface="Calibri" pitchFamily="34" charset="-120"/>
-              </a:rPr>
-              <a:t>80%</a:t>
-            </a:r>
-            <a:endParaRPr lang="en-US" sz="600" dirty="0"/>
-          </a:p>
-        </p:txBody>
-      </p:sp>
-      <p:sp>
-        <p:nvSpPr>
-          <p:cNvPr id="114" name="Text 112"/>
-          <p:cNvSpPr/>
-          <p:nvPr/>
-        </p:nvSpPr>
-        <p:spPr>
-          <a:xfrm>
-            <a:off x="5468112" y="4224528"/>
-            <a:ext cx="2103120" cy="146304"/>
-          </a:xfrm>
-          <a:prstGeom prst="rect">
-            <a:avLst/>
-          </a:prstGeom>
-          <a:noFill/>
-          <a:ln/>
-        </p:spPr>
-        <p:txBody>
-          <a:bodyPr wrap="square" lIns="0" tIns="0" rIns="0" bIns="0" rtlCol="0" anchor="ctr"/>
-          <a:lstStyle/>
-          <a:p>
-            <a:pPr indent="0" marL="0">
-              <a:buNone/>
-            </a:pPr>
-            <a:r>
-              <a:rPr lang="en-US" sz="650" dirty="0">
-                <a:solidFill>
-                  <a:srgbClr val="1E293B"/>
-                </a:solidFill>
-                <a:latin typeface="Calibri" pitchFamily="34" charset="0"/>
-                <a:ea typeface="Calibri" pitchFamily="34" charset="-122"/>
-                <a:cs typeface="Calibri" pitchFamily="34" charset="-120"/>
-              </a:rPr>
-              <a:t>Defect Prediction Model</a:t>
-            </a:r>
-            <a:endParaRPr lang="en-US" sz="650" dirty="0"/>
-          </a:p>
-        </p:txBody>
-      </p:sp>
-      <p:sp>
-        <p:nvSpPr>
-          <p:cNvPr id="115" name="Shape 113"/>
-          <p:cNvSpPr/>
-          <p:nvPr/>
-        </p:nvSpPr>
-        <p:spPr>
-          <a:xfrm>
-            <a:off x="7607808" y="4265676"/>
-            <a:ext cx="548640" cy="64008"/>
-          </a:xfrm>
-          <a:prstGeom prst="rect">
-            <a:avLst/>
-          </a:prstGeom>
-          <a:solidFill>
-            <a:srgbClr val="E2E8F0"/>
-          </a:solidFill>
-          <a:ln/>
-        </p:spPr>
-      </p:sp>
-      <p:sp>
-        <p:nvSpPr>
-          <p:cNvPr id="116" name="Shape 114"/>
-          <p:cNvSpPr/>
-          <p:nvPr/>
-        </p:nvSpPr>
-        <p:spPr>
-          <a:xfrm>
-            <a:off x="7607808" y="4265676"/>
-            <a:ext cx="274320" cy="64008"/>
-          </a:xfrm>
-          <a:prstGeom prst="rect">
-            <a:avLst/>
-          </a:prstGeom>
-          <a:solidFill>
-            <a:srgbClr val="F59E0B"/>
-          </a:solidFill>
-          <a:ln/>
-        </p:spPr>
-      </p:sp>
-      <p:sp>
-        <p:nvSpPr>
-          <p:cNvPr id="117" name="Text 115"/>
-          <p:cNvSpPr/>
-          <p:nvPr/>
-        </p:nvSpPr>
-        <p:spPr>
-          <a:xfrm>
-            <a:off x="8183880" y="4224528"/>
-            <a:ext cx="594360" cy="146304"/>
-          </a:xfrm>
-          <a:prstGeom prst="rect">
-            <a:avLst/>
-          </a:prstGeom>
-          <a:noFill/>
-          <a:ln/>
-        </p:spPr>
-        <p:txBody>
-          <a:bodyPr wrap="square" lIns="0" tIns="0" rIns="0" bIns="0" rtlCol="0" anchor="ctr"/>
-          <a:lstStyle/>
-          <a:p>
-            <a:pPr algn="r" indent="0" marL="0">
-              <a:buNone/>
-            </a:pPr>
-            <a:r>
-              <a:rPr lang="en-US" sz="600" b="1" dirty="0">
-                <a:solidFill>
-                  <a:srgbClr val="F59E0B"/>
-                </a:solidFill>
-                <a:latin typeface="Calibri" pitchFamily="34" charset="0"/>
-                <a:ea typeface="Calibri" pitchFamily="34" charset="-122"/>
-                <a:cs typeface="Calibri" pitchFamily="34" charset="-120"/>
-              </a:rPr>
-              <a:t>50%</a:t>
-            </a:r>
-            <a:endParaRPr lang="en-US" sz="600" dirty="0"/>
-          </a:p>
-        </p:txBody>
-      </p:sp>
-      <p:sp>
-        <p:nvSpPr>
-          <p:cNvPr id="118" name="Shape 116"/>
-          <p:cNvSpPr/>
-          <p:nvPr/>
-        </p:nvSpPr>
-        <p:spPr>
-          <a:xfrm>
-            <a:off x="5394960" y="4370832"/>
-            <a:ext cx="3429000" cy="146304"/>
-          </a:xfrm>
-          <a:prstGeom prst="rect">
-            <a:avLst/>
-          </a:prstGeom>
-          <a:solidFill>
-            <a:srgbClr val="F8FAFC"/>
-          </a:solidFill>
-          <a:ln/>
-        </p:spPr>
-      </p:sp>
-      <p:sp>
-        <p:nvSpPr>
-          <p:cNvPr id="119" name="Text 117"/>
-          <p:cNvSpPr/>
-          <p:nvPr/>
-        </p:nvSpPr>
-        <p:spPr>
-          <a:xfrm>
-            <a:off x="5468112" y="4370832"/>
-            <a:ext cx="2103120" cy="146304"/>
-          </a:xfrm>
-          <a:prstGeom prst="rect">
-            <a:avLst/>
-          </a:prstGeom>
-          <a:noFill/>
-          <a:ln/>
-        </p:spPr>
-        <p:txBody>
-          <a:bodyPr wrap="square" lIns="0" tIns="0" rIns="0" bIns="0" rtlCol="0" anchor="ctr"/>
-          <a:lstStyle/>
-          <a:p>
-            <a:pPr indent="0" marL="0">
-              <a:buNone/>
-            </a:pPr>
-            <a:r>
-              <a:rPr lang="en-US" sz="650" dirty="0">
-                <a:solidFill>
-                  <a:srgbClr val="1E293B"/>
-                </a:solidFill>
-                <a:latin typeface="Calibri" pitchFamily="34" charset="0"/>
-                <a:ea typeface="Calibri" pitchFamily="34" charset="-122"/>
-                <a:cs typeface="Calibri" pitchFamily="34" charset="-120"/>
-              </a:rPr>
-              <a:t>API Agent Bot</a:t>
-            </a:r>
-            <a:endParaRPr lang="en-US" sz="650" dirty="0"/>
-          </a:p>
-        </p:txBody>
-      </p:sp>
-      <p:sp>
-        <p:nvSpPr>
-          <p:cNvPr id="120" name="Shape 118"/>
-          <p:cNvSpPr/>
-          <p:nvPr/>
-        </p:nvSpPr>
-        <p:spPr>
-          <a:xfrm>
-            <a:off x="7607808" y="4411980"/>
-            <a:ext cx="548640" cy="64008"/>
-          </a:xfrm>
-          <a:prstGeom prst="rect">
-            <a:avLst/>
-          </a:prstGeom>
-          <a:solidFill>
-            <a:srgbClr val="E2E8F0"/>
-          </a:solidFill>
-          <a:ln/>
-        </p:spPr>
-      </p:sp>
-      <p:sp>
-        <p:nvSpPr>
-          <p:cNvPr id="121" name="Shape 119"/>
-          <p:cNvSpPr/>
-          <p:nvPr/>
-        </p:nvSpPr>
-        <p:spPr>
-          <a:xfrm>
-            <a:off x="7607808" y="4411980"/>
-            <a:ext cx="219456" cy="64008"/>
-          </a:xfrm>
-          <a:prstGeom prst="rect">
-            <a:avLst/>
-          </a:prstGeom>
-          <a:solidFill>
-            <a:srgbClr val="DC2626"/>
-          </a:solidFill>
-          <a:ln/>
-        </p:spPr>
-      </p:sp>
-      <p:sp>
-        <p:nvSpPr>
-          <p:cNvPr id="122" name="Text 120"/>
-          <p:cNvSpPr/>
-          <p:nvPr/>
-        </p:nvSpPr>
-        <p:spPr>
-          <a:xfrm>
-            <a:off x="8183880" y="4370832"/>
-            <a:ext cx="594360" cy="146304"/>
-          </a:xfrm>
-          <a:prstGeom prst="rect">
-            <a:avLst/>
-          </a:prstGeom>
-          <a:noFill/>
-          <a:ln/>
-        </p:spPr>
-        <p:txBody>
-          <a:bodyPr wrap="square" lIns="0" tIns="0" rIns="0" bIns="0" rtlCol="0" anchor="ctr"/>
-          <a:lstStyle/>
-          <a:p>
-            <a:pPr algn="r" indent="0" marL="0">
-              <a:buNone/>
-            </a:pPr>
-            <a:r>
-              <a:rPr lang="en-US" sz="600" b="1" dirty="0">
-                <a:solidFill>
-                  <a:srgbClr val="DC2626"/>
-                </a:solidFill>
-                <a:latin typeface="Calibri" pitchFamily="34" charset="0"/>
-                <a:ea typeface="Calibri" pitchFamily="34" charset="-122"/>
-                <a:cs typeface="Calibri" pitchFamily="34" charset="-120"/>
-              </a:rPr>
-              <a:t>40%</a:t>
-            </a:r>
-            <a:endParaRPr lang="en-US" sz="600" dirty="0"/>
-          </a:p>
-        </p:txBody>
-      </p:sp>
-      <p:sp>
-        <p:nvSpPr>
-          <p:cNvPr id="123" name="Text 121"/>
-          <p:cNvSpPr/>
-          <p:nvPr/>
-        </p:nvSpPr>
-        <p:spPr>
-          <a:xfrm>
-            <a:off x="5468112" y="4517136"/>
-            <a:ext cx="2103120" cy="146304"/>
-          </a:xfrm>
-          <a:prstGeom prst="rect">
-            <a:avLst/>
-          </a:prstGeom>
-          <a:noFill/>
-          <a:ln/>
-        </p:spPr>
-        <p:txBody>
-          <a:bodyPr wrap="square" lIns="0" tIns="0" rIns="0" bIns="0" rtlCol="0" anchor="ctr"/>
-          <a:lstStyle/>
-          <a:p>
-            <a:pPr indent="0" marL="0">
-              <a:buNone/>
-            </a:pPr>
-            <a:r>
-              <a:rPr lang="en-US" sz="650" dirty="0">
-                <a:solidFill>
-                  <a:srgbClr val="1E293B"/>
-                </a:solidFill>
-                <a:latin typeface="Calibri" pitchFamily="34" charset="0"/>
-                <a:ea typeface="Calibri" pitchFamily="34" charset="-122"/>
-                <a:cs typeface="Calibri" pitchFamily="34" charset="-120"/>
-              </a:rPr>
-              <a:t>Account Creation Skeleton</a:t>
-            </a:r>
-            <a:endParaRPr lang="en-US" sz="650" dirty="0"/>
-          </a:p>
-        </p:txBody>
-      </p:sp>
-      <p:sp>
-        <p:nvSpPr>
-          <p:cNvPr id="124" name="Shape 122"/>
-          <p:cNvSpPr/>
-          <p:nvPr/>
-        </p:nvSpPr>
-        <p:spPr>
-          <a:xfrm>
-            <a:off x="7607808" y="4558284"/>
-            <a:ext cx="548640" cy="64008"/>
-          </a:xfrm>
-          <a:prstGeom prst="rect">
-            <a:avLst/>
-          </a:prstGeom>
-          <a:solidFill>
-            <a:srgbClr val="E2E8F0"/>
-          </a:solidFill>
-          <a:ln/>
-        </p:spPr>
-      </p:sp>
-      <p:sp>
-        <p:nvSpPr>
-          <p:cNvPr id="125" name="Shape 123"/>
-          <p:cNvSpPr/>
-          <p:nvPr/>
-        </p:nvSpPr>
-        <p:spPr>
-          <a:xfrm>
-            <a:off x="7607808" y="4558284"/>
-            <a:ext cx="137160" cy="64008"/>
-          </a:xfrm>
-          <a:prstGeom prst="rect">
-            <a:avLst/>
-          </a:prstGeom>
-          <a:solidFill>
-            <a:srgbClr val="DC2626"/>
-          </a:solidFill>
-          <a:ln/>
-        </p:spPr>
-      </p:sp>
-      <p:sp>
-        <p:nvSpPr>
-          <p:cNvPr id="126" name="Text 124"/>
-          <p:cNvSpPr/>
-          <p:nvPr/>
-        </p:nvSpPr>
-        <p:spPr>
-          <a:xfrm>
-            <a:off x="8183880" y="4517136"/>
-            <a:ext cx="594360" cy="146304"/>
-          </a:xfrm>
-          <a:prstGeom prst="rect">
-            <a:avLst/>
-          </a:prstGeom>
-          <a:noFill/>
-          <a:ln/>
-        </p:spPr>
-        <p:txBody>
-          <a:bodyPr wrap="square" lIns="0" tIns="0" rIns="0" bIns="0" rtlCol="0" anchor="ctr"/>
-          <a:lstStyle/>
-          <a:p>
-            <a:pPr algn="r" indent="0" marL="0">
-              <a:buNone/>
-            </a:pPr>
-            <a:r>
-              <a:rPr lang="en-US" sz="600" b="1" dirty="0">
-                <a:solidFill>
-                  <a:srgbClr val="DC2626"/>
-                </a:solidFill>
-                <a:latin typeface="Calibri" pitchFamily="34" charset="0"/>
-                <a:ea typeface="Calibri" pitchFamily="34" charset="-122"/>
-                <a:cs typeface="Calibri" pitchFamily="34" charset="-120"/>
-              </a:rPr>
-              <a:t>25%</a:t>
-            </a:r>
-            <a:endParaRPr lang="en-US" sz="600" dirty="0"/>
-          </a:p>
-        </p:txBody>
-      </p:sp>
-      <p:sp>
-        <p:nvSpPr>
-          <p:cNvPr id="127" name="Shape 125"/>
-          <p:cNvSpPr/>
-          <p:nvPr/>
-        </p:nvSpPr>
-        <p:spPr>
-          <a:xfrm>
-            <a:off x="5394960" y="4663440"/>
-            <a:ext cx="3429000" cy="146304"/>
-          </a:xfrm>
-          <a:prstGeom prst="rect">
-            <a:avLst/>
-          </a:prstGeom>
-          <a:solidFill>
-            <a:srgbClr val="F8FAFC"/>
-          </a:solidFill>
-          <a:ln/>
-        </p:spPr>
-      </p:sp>
-      <p:sp>
-        <p:nvSpPr>
-          <p:cNvPr id="128" name="Text 126"/>
-          <p:cNvSpPr/>
-          <p:nvPr/>
-        </p:nvSpPr>
-        <p:spPr>
-          <a:xfrm>
-            <a:off x="5468112" y="4663440"/>
-            <a:ext cx="2103120" cy="146304"/>
-          </a:xfrm>
-          <a:prstGeom prst="rect">
-            <a:avLst/>
-          </a:prstGeom>
-          <a:noFill/>
-          <a:ln/>
-        </p:spPr>
-        <p:txBody>
-          <a:bodyPr wrap="square" lIns="0" tIns="0" rIns="0" bIns="0" rtlCol="0" anchor="ctr"/>
-          <a:lstStyle/>
-          <a:p>
-            <a:pPr indent="0" marL="0">
-              <a:buNone/>
-            </a:pPr>
-            <a:r>
-              <a:rPr lang="en-US" sz="650" dirty="0">
-                <a:solidFill>
-                  <a:srgbClr val="1E293B"/>
-                </a:solidFill>
-                <a:latin typeface="Calibri" pitchFamily="34" charset="0"/>
-                <a:ea typeface="Calibri" pitchFamily="34" charset="-122"/>
-                <a:cs typeface="Calibri" pitchFamily="34" charset="-120"/>
-              </a:rPr>
-              <a:t>UAT Knowledge Bank</a:t>
-            </a:r>
-            <a:endParaRPr lang="en-US" sz="650" dirty="0"/>
-          </a:p>
-        </p:txBody>
-      </p:sp>
-      <p:sp>
-        <p:nvSpPr>
-          <p:cNvPr id="129" name="Shape 127"/>
-          <p:cNvSpPr/>
-          <p:nvPr/>
-        </p:nvSpPr>
-        <p:spPr>
-          <a:xfrm>
-            <a:off x="7607808" y="4704588"/>
-            <a:ext cx="548640" cy="64008"/>
-          </a:xfrm>
-          <a:prstGeom prst="rect">
-            <a:avLst/>
-          </a:prstGeom>
-          <a:solidFill>
-            <a:srgbClr val="E2E8F0"/>
-          </a:solidFill>
-          <a:ln/>
-        </p:spPr>
-      </p:sp>
-      <p:sp>
-        <p:nvSpPr>
-          <p:cNvPr id="130" name="Shape 128"/>
-          <p:cNvSpPr/>
-          <p:nvPr/>
-        </p:nvSpPr>
-        <p:spPr>
-          <a:xfrm>
-            <a:off x="7607808" y="4704588"/>
-            <a:ext cx="54864" cy="64008"/>
-          </a:xfrm>
-          <a:prstGeom prst="rect">
-            <a:avLst/>
-          </a:prstGeom>
-          <a:solidFill>
-            <a:srgbClr val="DC2626"/>
-          </a:solidFill>
-          <a:ln/>
-        </p:spPr>
-      </p:sp>
-      <p:sp>
-        <p:nvSpPr>
-          <p:cNvPr id="131" name="Text 129"/>
-          <p:cNvSpPr/>
-          <p:nvPr/>
-        </p:nvSpPr>
-        <p:spPr>
-          <a:xfrm>
-            <a:off x="8183880" y="4663440"/>
-            <a:ext cx="594360" cy="146304"/>
-          </a:xfrm>
-          <a:prstGeom prst="rect">
-            <a:avLst/>
-          </a:prstGeom>
-          <a:noFill/>
-          <a:ln/>
-        </p:spPr>
-        <p:txBody>
-          <a:bodyPr wrap="square" lIns="0" tIns="0" rIns="0" bIns="0" rtlCol="0" anchor="ctr"/>
-          <a:lstStyle/>
-          <a:p>
-            <a:pPr algn="r" indent="0" marL="0">
-              <a:buNone/>
-            </a:pPr>
-            <a:r>
-              <a:rPr lang="en-US" sz="600" b="1" dirty="0">
-                <a:solidFill>
-                  <a:srgbClr val="DC2626"/>
-                </a:solidFill>
-                <a:latin typeface="Calibri" pitchFamily="34" charset="0"/>
-                <a:ea typeface="Calibri" pitchFamily="34" charset="-122"/>
-                <a:cs typeface="Calibri" pitchFamily="34" charset="-120"/>
-              </a:rPr>
-              <a:t>10%</a:t>
-            </a:r>
-            <a:endParaRPr lang="en-US" sz="600" dirty="0"/>
-          </a:p>
-        </p:txBody>
-      </p:sp>
-      <p:sp>
-        <p:nvSpPr>
-          <p:cNvPr id="132" name="Shape 130"/>
+          <p:cNvPr id="156" name="Shape 149"/>
           <p:cNvSpPr/>
           <p:nvPr/>
         </p:nvSpPr>
@@ -4797,7 +5376,7 @@
       </p:sp>
       <p:sp>
         <p:nvSpPr>
-          <p:cNvPr id="133" name="Text 131"/>
+          <p:cNvPr id="157" name="Text 150"/>
           <p:cNvSpPr/>
           <p:nvPr/>
         </p:nvSpPr>
